--- a/slides/3_Flink window API .pptx
+++ b/slides/3_Flink window API .pptx
@@ -50,7 +50,7 @@
       </p:grpSpPr>
       <p:sp>
         <p:nvSpPr>
-          <p:cNvPr id="82" name="PlaceHolder 1"/>
+          <p:cNvPr id="76" name="PlaceHolder 1"/>
           <p:cNvSpPr>
             <a:spLocks noGrp="1"/>
           </p:cNvSpPr>
@@ -72,27 +72,22 @@
             <a:noAutofit/>
           </a:bodyPr>
           <a:p>
-            <a:r>
-              <a:rPr b="0" lang="zh-CN" sz="1800" spc="-1" strike="noStrike">
-                <a:solidFill>
-                  <a:srgbClr val="000000"/>
-                </a:solidFill>
-                <a:latin typeface="Calibri"/>
+            <a:pPr algn="ctr"/>
+            <a:r>
+              <a:rPr b="0" lang="zh-CN" sz="4400" spc="-1" strike="noStrike">
+                <a:latin typeface="Arial"/>
               </a:rPr>
               <a:t>点击鼠标移动幻灯片</a:t>
             </a:r>
-            <a:endParaRPr b="0" lang="en-US" sz="1800" spc="-1" strike="noStrike">
-              <a:solidFill>
-                <a:srgbClr val="000000"/>
-              </a:solidFill>
-              <a:latin typeface="Calibri"/>
-            </a:endParaRPr>
-          </a:p>
-        </p:txBody>
-      </p:sp>
-      <p:sp>
-        <p:nvSpPr>
-          <p:cNvPr id="83" name="PlaceHolder 2"/>
+            <a:endParaRPr b="0" lang="en-US" sz="4400" spc="-1" strike="noStrike">
+              <a:latin typeface="Arial"/>
+            </a:endParaRPr>
+          </a:p>
+        </p:txBody>
+      </p:sp>
+      <p:sp>
+        <p:nvSpPr>
+          <p:cNvPr id="77" name="PlaceHolder 2"/>
           <p:cNvSpPr>
             <a:spLocks noGrp="1"/>
           </p:cNvSpPr>
@@ -128,7 +123,7 @@
       </p:sp>
       <p:sp>
         <p:nvSpPr>
-          <p:cNvPr id="84" name="PlaceHolder 3"/>
+          <p:cNvPr id="78" name="PlaceHolder 3"/>
           <p:cNvSpPr>
             <a:spLocks noGrp="1"/>
           </p:cNvSpPr>
@@ -164,7 +159,7 @@
       </p:sp>
       <p:sp>
         <p:nvSpPr>
-          <p:cNvPr id="85" name="PlaceHolder 4"/>
+          <p:cNvPr id="79" name="PlaceHolder 4"/>
           <p:cNvSpPr>
             <a:spLocks noGrp="1"/>
           </p:cNvSpPr>
@@ -201,7 +196,7 @@
       </p:sp>
       <p:sp>
         <p:nvSpPr>
-          <p:cNvPr id="86" name="PlaceHolder 5"/>
+          <p:cNvPr id="80" name="PlaceHolder 5"/>
           <p:cNvSpPr>
             <a:spLocks noGrp="1"/>
           </p:cNvSpPr>
@@ -237,7 +232,7 @@
       </p:sp>
       <p:sp>
         <p:nvSpPr>
-          <p:cNvPr id="87" name="PlaceHolder 6"/>
+          <p:cNvPr id="81" name="PlaceHolder 6"/>
           <p:cNvSpPr>
             <a:spLocks noGrp="1"/>
           </p:cNvSpPr>
@@ -260,7 +255,7 @@
           </a:bodyPr>
           <a:p>
             <a:pPr algn="r"/>
-            <a:fld id="{CCAE6193-ADC7-49E7-A3F3-94DF47D3F1AC}" type="slidenum">
+            <a:fld id="{1BAB16E2-6A1B-4131-B210-A89BC30FD2F3}" type="slidenum">
               <a:rPr b="0" lang="en-US" sz="1400" spc="-1" strike="noStrike">
                 <a:latin typeface="Times New Roman"/>
               </a:rPr>
@@ -297,7 +292,7 @@
       </p:grpSpPr>
       <p:sp>
         <p:nvSpPr>
-          <p:cNvPr id="132" name="PlaceHolder 1"/>
+          <p:cNvPr id="126" name="PlaceHolder 1"/>
           <p:cNvSpPr>
             <a:spLocks noGrp="1"/>
           </p:cNvSpPr>
@@ -308,16 +303,16 @@
         <p:spPr>
           <a:xfrm>
             <a:off x="993600" y="768240"/>
-            <a:ext cx="5117760" cy="3838320"/>
-          </a:xfrm>
-          <a:prstGeom prst="rect">
-            <a:avLst/>
-          </a:prstGeom>
-        </p:spPr>
-      </p:sp>
-      <p:sp>
-        <p:nvSpPr>
-          <p:cNvPr id="133" name="PlaceHolder 2"/>
+            <a:ext cx="5117400" cy="3837960"/>
+          </a:xfrm>
+          <a:prstGeom prst="rect">
+            <a:avLst/>
+          </a:prstGeom>
+        </p:spPr>
+      </p:sp>
+      <p:sp>
+        <p:nvSpPr>
+          <p:cNvPr id="127" name="PlaceHolder 2"/>
           <p:cNvSpPr>
             <a:spLocks noGrp="1"/>
           </p:cNvSpPr>
@@ -328,7 +323,7 @@
         <p:spPr>
           <a:xfrm>
             <a:off x="710640" y="4862160"/>
-            <a:ext cx="5684040" cy="4605840"/>
+            <a:ext cx="5683680" cy="4605480"/>
           </a:xfrm>
           <a:prstGeom prst="rect">
             <a:avLst/>
@@ -347,14 +342,14 @@
       </p:sp>
       <p:sp>
         <p:nvSpPr>
-          <p:cNvPr id="134" name="TextShape 3"/>
-          <p:cNvSpPr txBox="1"/>
+          <p:cNvPr id="128" name="CustomShape 3"/>
+          <p:cNvSpPr/>
           <p:nvPr/>
         </p:nvSpPr>
         <p:spPr>
           <a:xfrm>
             <a:off x="4024800" y="9722520"/>
-            <a:ext cx="3078720" cy="511560"/>
+            <a:ext cx="3078360" cy="511200"/>
           </a:xfrm>
           <a:prstGeom prst="rect">
             <a:avLst/>
@@ -364,6 +359,12 @@
             <a:noFill/>
           </a:ln>
         </p:spPr>
+        <p:style>
+          <a:lnRef idx="0"/>
+          <a:fillRef idx="0"/>
+          <a:effectRef idx="0"/>
+          <a:fontRef idx="minor"/>
+        </p:style>
         <p:txBody>
           <a:bodyPr lIns="99000" rIns="99000" tIns="49680" bIns="49680" anchor="b">
             <a:noAutofit/>
@@ -374,7 +375,7 @@
                 <a:spcPct val="100000"/>
               </a:lnSpc>
             </a:pPr>
-            <a:fld id="{0016E22C-4B39-4683-A9AD-BA99BD3F6A6D}" type="slidenum">
+            <a:fld id="{22FC0F49-2A72-46D0-A64F-5571C45B7A52}" type="slidenum">
               <a:rPr b="0" lang="en-US" sz="1300" spc="-1" strike="noStrike">
                 <a:solidFill>
                   <a:srgbClr val="000000"/>
@@ -385,7 +386,7 @@
               <a:t>15</a:t>
             </a:fld>
             <a:endParaRPr b="0" lang="en-US" sz="1300" spc="-1" strike="noStrike">
-              <a:latin typeface="Times New Roman"/>
+              <a:latin typeface="Arial"/>
             </a:endParaRPr>
           </a:p>
         </p:txBody>
@@ -414,7 +415,7 @@
       </p:grpSpPr>
       <p:sp>
         <p:nvSpPr>
-          <p:cNvPr id="156" name="PlaceHolder 1"/>
+          <p:cNvPr id="150" name="PlaceHolder 1"/>
           <p:cNvSpPr>
             <a:spLocks noGrp="1"/>
           </p:cNvSpPr>
@@ -425,16 +426,16 @@
         <p:spPr>
           <a:xfrm>
             <a:off x="993600" y="768240"/>
-            <a:ext cx="5117760" cy="3838320"/>
-          </a:xfrm>
-          <a:prstGeom prst="rect">
-            <a:avLst/>
-          </a:prstGeom>
-        </p:spPr>
-      </p:sp>
-      <p:sp>
-        <p:nvSpPr>
-          <p:cNvPr id="157" name="PlaceHolder 2"/>
+            <a:ext cx="5117400" cy="3837960"/>
+          </a:xfrm>
+          <a:prstGeom prst="rect">
+            <a:avLst/>
+          </a:prstGeom>
+        </p:spPr>
+      </p:sp>
+      <p:sp>
+        <p:nvSpPr>
+          <p:cNvPr id="151" name="PlaceHolder 2"/>
           <p:cNvSpPr>
             <a:spLocks noGrp="1"/>
           </p:cNvSpPr>
@@ -445,7 +446,7 @@
         <p:spPr>
           <a:xfrm>
             <a:off x="710640" y="4862160"/>
-            <a:ext cx="5684040" cy="4605840"/>
+            <a:ext cx="5683680" cy="4605480"/>
           </a:xfrm>
           <a:prstGeom prst="rect">
             <a:avLst/>
@@ -464,14 +465,14 @@
       </p:sp>
       <p:sp>
         <p:nvSpPr>
-          <p:cNvPr id="158" name="TextShape 3"/>
-          <p:cNvSpPr txBox="1"/>
+          <p:cNvPr id="152" name="CustomShape 3"/>
+          <p:cNvSpPr/>
           <p:nvPr/>
         </p:nvSpPr>
         <p:spPr>
           <a:xfrm>
             <a:off x="4024800" y="9722520"/>
-            <a:ext cx="3078720" cy="511560"/>
+            <a:ext cx="3078360" cy="511200"/>
           </a:xfrm>
           <a:prstGeom prst="rect">
             <a:avLst/>
@@ -481,6 +482,12 @@
             <a:noFill/>
           </a:ln>
         </p:spPr>
+        <p:style>
+          <a:lnRef idx="0"/>
+          <a:fillRef idx="0"/>
+          <a:effectRef idx="0"/>
+          <a:fontRef idx="minor"/>
+        </p:style>
         <p:txBody>
           <a:bodyPr lIns="99000" rIns="99000" tIns="49680" bIns="49680" anchor="b">
             <a:noAutofit/>
@@ -491,7 +498,7 @@
                 <a:spcPct val="100000"/>
               </a:lnSpc>
             </a:pPr>
-            <a:fld id="{3A50B41B-4A42-4D07-81B4-4EA22E874681}" type="slidenum">
+            <a:fld id="{7A8F09CA-0F8C-4681-B9EF-A632C250B2E1}" type="slidenum">
               <a:rPr b="0" lang="en-US" sz="1300" spc="-1" strike="noStrike">
                 <a:solidFill>
                   <a:srgbClr val="000000"/>
@@ -502,7 +509,7 @@
               <a:t>15</a:t>
             </a:fld>
             <a:endParaRPr b="0" lang="en-US" sz="1300" spc="-1" strike="noStrike">
-              <a:latin typeface="Times New Roman"/>
+              <a:latin typeface="Arial"/>
             </a:endParaRPr>
           </a:p>
         </p:txBody>
@@ -531,7 +538,7 @@
       </p:grpSpPr>
       <p:sp>
         <p:nvSpPr>
-          <p:cNvPr id="159" name="PlaceHolder 1"/>
+          <p:cNvPr id="153" name="PlaceHolder 1"/>
           <p:cNvSpPr>
             <a:spLocks noGrp="1"/>
           </p:cNvSpPr>
@@ -542,16 +549,16 @@
         <p:spPr>
           <a:xfrm>
             <a:off x="993600" y="768240"/>
-            <a:ext cx="5117760" cy="3838320"/>
-          </a:xfrm>
-          <a:prstGeom prst="rect">
-            <a:avLst/>
-          </a:prstGeom>
-        </p:spPr>
-      </p:sp>
-      <p:sp>
-        <p:nvSpPr>
-          <p:cNvPr id="160" name="PlaceHolder 2"/>
+            <a:ext cx="5117400" cy="3837960"/>
+          </a:xfrm>
+          <a:prstGeom prst="rect">
+            <a:avLst/>
+          </a:prstGeom>
+        </p:spPr>
+      </p:sp>
+      <p:sp>
+        <p:nvSpPr>
+          <p:cNvPr id="154" name="PlaceHolder 2"/>
           <p:cNvSpPr>
             <a:spLocks noGrp="1"/>
           </p:cNvSpPr>
@@ -562,7 +569,7 @@
         <p:spPr>
           <a:xfrm>
             <a:off x="710640" y="4862160"/>
-            <a:ext cx="5684040" cy="4605840"/>
+            <a:ext cx="5683680" cy="4605480"/>
           </a:xfrm>
           <a:prstGeom prst="rect">
             <a:avLst/>
@@ -581,14 +588,14 @@
       </p:sp>
       <p:sp>
         <p:nvSpPr>
-          <p:cNvPr id="161" name="TextShape 3"/>
-          <p:cNvSpPr txBox="1"/>
+          <p:cNvPr id="155" name="CustomShape 3"/>
+          <p:cNvSpPr/>
           <p:nvPr/>
         </p:nvSpPr>
         <p:spPr>
           <a:xfrm>
             <a:off x="4024800" y="9722520"/>
-            <a:ext cx="3078720" cy="511560"/>
+            <a:ext cx="3078360" cy="511200"/>
           </a:xfrm>
           <a:prstGeom prst="rect">
             <a:avLst/>
@@ -598,6 +605,12 @@
             <a:noFill/>
           </a:ln>
         </p:spPr>
+        <p:style>
+          <a:lnRef idx="0"/>
+          <a:fillRef idx="0"/>
+          <a:effectRef idx="0"/>
+          <a:fontRef idx="minor"/>
+        </p:style>
         <p:txBody>
           <a:bodyPr lIns="99000" rIns="99000" tIns="49680" bIns="49680" anchor="b">
             <a:noAutofit/>
@@ -608,7 +621,7 @@
                 <a:spcPct val="100000"/>
               </a:lnSpc>
             </a:pPr>
-            <a:fld id="{EF5DBBF4-B164-4120-BC66-76E84AFDA9E6}" type="slidenum">
+            <a:fld id="{72250EFB-DE07-46FE-96CF-9133E041878F}" type="slidenum">
               <a:rPr b="0" lang="en-US" sz="1300" spc="-1" strike="noStrike">
                 <a:solidFill>
                   <a:srgbClr val="000000"/>
@@ -619,7 +632,7 @@
               <a:t>15</a:t>
             </a:fld>
             <a:endParaRPr b="0" lang="en-US" sz="1300" spc="-1" strike="noStrike">
-              <a:latin typeface="Times New Roman"/>
+              <a:latin typeface="Arial"/>
             </a:endParaRPr>
           </a:p>
         </p:txBody>
@@ -648,7 +661,7 @@
       </p:grpSpPr>
       <p:sp>
         <p:nvSpPr>
-          <p:cNvPr id="162" name="PlaceHolder 1"/>
+          <p:cNvPr id="156" name="PlaceHolder 1"/>
           <p:cNvSpPr>
             <a:spLocks noGrp="1"/>
           </p:cNvSpPr>
@@ -659,16 +672,16 @@
         <p:spPr>
           <a:xfrm>
             <a:off x="993600" y="768240"/>
-            <a:ext cx="5117760" cy="3838320"/>
-          </a:xfrm>
-          <a:prstGeom prst="rect">
-            <a:avLst/>
-          </a:prstGeom>
-        </p:spPr>
-      </p:sp>
-      <p:sp>
-        <p:nvSpPr>
-          <p:cNvPr id="163" name="PlaceHolder 2"/>
+            <a:ext cx="5117400" cy="3837960"/>
+          </a:xfrm>
+          <a:prstGeom prst="rect">
+            <a:avLst/>
+          </a:prstGeom>
+        </p:spPr>
+      </p:sp>
+      <p:sp>
+        <p:nvSpPr>
+          <p:cNvPr id="157" name="PlaceHolder 2"/>
           <p:cNvSpPr>
             <a:spLocks noGrp="1"/>
           </p:cNvSpPr>
@@ -679,7 +692,7 @@
         <p:spPr>
           <a:xfrm>
             <a:off x="710640" y="4862160"/>
-            <a:ext cx="5684040" cy="4605840"/>
+            <a:ext cx="5683680" cy="4605480"/>
           </a:xfrm>
           <a:prstGeom prst="rect">
             <a:avLst/>
@@ -698,14 +711,14 @@
       </p:sp>
       <p:sp>
         <p:nvSpPr>
-          <p:cNvPr id="164" name="TextShape 3"/>
-          <p:cNvSpPr txBox="1"/>
+          <p:cNvPr id="158" name="CustomShape 3"/>
+          <p:cNvSpPr/>
           <p:nvPr/>
         </p:nvSpPr>
         <p:spPr>
           <a:xfrm>
             <a:off x="4024800" y="9722520"/>
-            <a:ext cx="3078720" cy="511560"/>
+            <a:ext cx="3078360" cy="511200"/>
           </a:xfrm>
           <a:prstGeom prst="rect">
             <a:avLst/>
@@ -715,6 +728,12 @@
             <a:noFill/>
           </a:ln>
         </p:spPr>
+        <p:style>
+          <a:lnRef idx="0"/>
+          <a:fillRef idx="0"/>
+          <a:effectRef idx="0"/>
+          <a:fontRef idx="minor"/>
+        </p:style>
         <p:txBody>
           <a:bodyPr lIns="99000" rIns="99000" tIns="49680" bIns="49680" anchor="b">
             <a:noAutofit/>
@@ -725,7 +744,7 @@
                 <a:spcPct val="100000"/>
               </a:lnSpc>
             </a:pPr>
-            <a:fld id="{18481D84-1E40-404D-A51A-8FCF096615AA}" type="slidenum">
+            <a:fld id="{ED88725D-6762-43DA-A932-12F88A17B5B0}" type="slidenum">
               <a:rPr b="0" lang="en-US" sz="1300" spc="-1" strike="noStrike">
                 <a:solidFill>
                   <a:srgbClr val="000000"/>
@@ -736,7 +755,7 @@
               <a:t>15</a:t>
             </a:fld>
             <a:endParaRPr b="0" lang="en-US" sz="1300" spc="-1" strike="noStrike">
-              <a:latin typeface="Times New Roman"/>
+              <a:latin typeface="Arial"/>
             </a:endParaRPr>
           </a:p>
         </p:txBody>
@@ -765,7 +784,7 @@
       </p:grpSpPr>
       <p:sp>
         <p:nvSpPr>
-          <p:cNvPr id="165" name="PlaceHolder 1"/>
+          <p:cNvPr id="159" name="PlaceHolder 1"/>
           <p:cNvSpPr>
             <a:spLocks noGrp="1"/>
           </p:cNvSpPr>
@@ -776,16 +795,16 @@
         <p:spPr>
           <a:xfrm>
             <a:off x="993600" y="768240"/>
-            <a:ext cx="5117760" cy="3838320"/>
-          </a:xfrm>
-          <a:prstGeom prst="rect">
-            <a:avLst/>
-          </a:prstGeom>
-        </p:spPr>
-      </p:sp>
-      <p:sp>
-        <p:nvSpPr>
-          <p:cNvPr id="166" name="PlaceHolder 2"/>
+            <a:ext cx="5117400" cy="3837960"/>
+          </a:xfrm>
+          <a:prstGeom prst="rect">
+            <a:avLst/>
+          </a:prstGeom>
+        </p:spPr>
+      </p:sp>
+      <p:sp>
+        <p:nvSpPr>
+          <p:cNvPr id="160" name="PlaceHolder 2"/>
           <p:cNvSpPr>
             <a:spLocks noGrp="1"/>
           </p:cNvSpPr>
@@ -796,7 +815,7 @@
         <p:spPr>
           <a:xfrm>
             <a:off x="710640" y="4862160"/>
-            <a:ext cx="5684040" cy="4605840"/>
+            <a:ext cx="5683680" cy="4605480"/>
           </a:xfrm>
           <a:prstGeom prst="rect">
             <a:avLst/>
@@ -815,14 +834,14 @@
       </p:sp>
       <p:sp>
         <p:nvSpPr>
-          <p:cNvPr id="167" name="TextShape 3"/>
-          <p:cNvSpPr txBox="1"/>
+          <p:cNvPr id="161" name="CustomShape 3"/>
+          <p:cNvSpPr/>
           <p:nvPr/>
         </p:nvSpPr>
         <p:spPr>
           <a:xfrm>
             <a:off x="4024800" y="9722520"/>
-            <a:ext cx="3078720" cy="511560"/>
+            <a:ext cx="3078360" cy="511200"/>
           </a:xfrm>
           <a:prstGeom prst="rect">
             <a:avLst/>
@@ -832,6 +851,12 @@
             <a:noFill/>
           </a:ln>
         </p:spPr>
+        <p:style>
+          <a:lnRef idx="0"/>
+          <a:fillRef idx="0"/>
+          <a:effectRef idx="0"/>
+          <a:fontRef idx="minor"/>
+        </p:style>
         <p:txBody>
           <a:bodyPr lIns="99000" rIns="99000" tIns="49680" bIns="49680" anchor="b">
             <a:noAutofit/>
@@ -842,7 +867,7 @@
                 <a:spcPct val="100000"/>
               </a:lnSpc>
             </a:pPr>
-            <a:fld id="{3E8A2FFB-E8F3-40C5-A5F3-AD2E7BCF780C}" type="slidenum">
+            <a:fld id="{F52E39DE-60B7-447D-B2EC-2B2FA00E5783}" type="slidenum">
               <a:rPr b="0" lang="en-US" sz="1300" spc="-1" strike="noStrike">
                 <a:solidFill>
                   <a:srgbClr val="000000"/>
@@ -850,10 +875,10 @@
                 <a:latin typeface="+mn-lt"/>
                 <a:ea typeface="+mn-ea"/>
               </a:rPr>
-              <a:t>&lt;编号&gt;</a:t>
+              <a:t>15</a:t>
             </a:fld>
             <a:endParaRPr b="0" lang="en-US" sz="1300" spc="-1" strike="noStrike">
-              <a:latin typeface="Times New Roman"/>
+              <a:latin typeface="Arial"/>
             </a:endParaRPr>
           </a:p>
         </p:txBody>
@@ -882,7 +907,7 @@
       </p:grpSpPr>
       <p:sp>
         <p:nvSpPr>
-          <p:cNvPr id="168" name="PlaceHolder 1"/>
+          <p:cNvPr id="162" name="PlaceHolder 1"/>
           <p:cNvSpPr>
             <a:spLocks noGrp="1"/>
           </p:cNvSpPr>
@@ -893,16 +918,16 @@
         <p:spPr>
           <a:xfrm>
             <a:off x="993600" y="768240"/>
-            <a:ext cx="5117760" cy="3838320"/>
-          </a:xfrm>
-          <a:prstGeom prst="rect">
-            <a:avLst/>
-          </a:prstGeom>
-        </p:spPr>
-      </p:sp>
-      <p:sp>
-        <p:nvSpPr>
-          <p:cNvPr id="169" name="PlaceHolder 2"/>
+            <a:ext cx="5117400" cy="3837960"/>
+          </a:xfrm>
+          <a:prstGeom prst="rect">
+            <a:avLst/>
+          </a:prstGeom>
+        </p:spPr>
+      </p:sp>
+      <p:sp>
+        <p:nvSpPr>
+          <p:cNvPr id="163" name="PlaceHolder 2"/>
           <p:cNvSpPr>
             <a:spLocks noGrp="1"/>
           </p:cNvSpPr>
@@ -913,7 +938,7 @@
         <p:spPr>
           <a:xfrm>
             <a:off x="710640" y="4862160"/>
-            <a:ext cx="5684040" cy="4605840"/>
+            <a:ext cx="5683680" cy="4605480"/>
           </a:xfrm>
           <a:prstGeom prst="rect">
             <a:avLst/>
@@ -932,14 +957,14 @@
       </p:sp>
       <p:sp>
         <p:nvSpPr>
-          <p:cNvPr id="170" name="TextShape 3"/>
-          <p:cNvSpPr txBox="1"/>
+          <p:cNvPr id="164" name="CustomShape 3"/>
+          <p:cNvSpPr/>
           <p:nvPr/>
         </p:nvSpPr>
         <p:spPr>
           <a:xfrm>
             <a:off x="4024800" y="9722520"/>
-            <a:ext cx="3078720" cy="511560"/>
+            <a:ext cx="3078360" cy="511200"/>
           </a:xfrm>
           <a:prstGeom prst="rect">
             <a:avLst/>
@@ -949,6 +974,12 @@
             <a:noFill/>
           </a:ln>
         </p:spPr>
+        <p:style>
+          <a:lnRef idx="0"/>
+          <a:fillRef idx="0"/>
+          <a:effectRef idx="0"/>
+          <a:fontRef idx="minor"/>
+        </p:style>
         <p:txBody>
           <a:bodyPr lIns="99000" rIns="99000" tIns="49680" bIns="49680" anchor="b">
             <a:noAutofit/>
@@ -959,7 +990,7 @@
                 <a:spcPct val="100000"/>
               </a:lnSpc>
             </a:pPr>
-            <a:fld id="{84C8E15B-6512-4C8F-A419-D592B22D8E8B}" type="slidenum">
+            <a:fld id="{3B5265A5-F475-449A-A6B3-4B91281C1EC4}" type="slidenum">
               <a:rPr b="0" lang="en-US" sz="1300" spc="-1" strike="noStrike">
                 <a:solidFill>
                   <a:srgbClr val="000000"/>
@@ -970,7 +1001,7 @@
               <a:t>&lt;编号&gt;</a:t>
             </a:fld>
             <a:endParaRPr b="0" lang="en-US" sz="1300" spc="-1" strike="noStrike">
-              <a:latin typeface="Times New Roman"/>
+              <a:latin typeface="Arial"/>
             </a:endParaRPr>
           </a:p>
         </p:txBody>
@@ -999,7 +1030,7 @@
       </p:grpSpPr>
       <p:sp>
         <p:nvSpPr>
-          <p:cNvPr id="171" name="PlaceHolder 1"/>
+          <p:cNvPr id="165" name="PlaceHolder 1"/>
           <p:cNvSpPr>
             <a:spLocks noGrp="1"/>
           </p:cNvSpPr>
@@ -1010,16 +1041,16 @@
         <p:spPr>
           <a:xfrm>
             <a:off x="993600" y="768240"/>
-            <a:ext cx="5117760" cy="3838320"/>
-          </a:xfrm>
-          <a:prstGeom prst="rect">
-            <a:avLst/>
-          </a:prstGeom>
-        </p:spPr>
-      </p:sp>
-      <p:sp>
-        <p:nvSpPr>
-          <p:cNvPr id="172" name="PlaceHolder 2"/>
+            <a:ext cx="5117400" cy="3837960"/>
+          </a:xfrm>
+          <a:prstGeom prst="rect">
+            <a:avLst/>
+          </a:prstGeom>
+        </p:spPr>
+      </p:sp>
+      <p:sp>
+        <p:nvSpPr>
+          <p:cNvPr id="166" name="PlaceHolder 2"/>
           <p:cNvSpPr>
             <a:spLocks noGrp="1"/>
           </p:cNvSpPr>
@@ -1030,7 +1061,7 @@
         <p:spPr>
           <a:xfrm>
             <a:off x="710640" y="4862160"/>
-            <a:ext cx="5684040" cy="4605840"/>
+            <a:ext cx="5683680" cy="4605480"/>
           </a:xfrm>
           <a:prstGeom prst="rect">
             <a:avLst/>
@@ -1049,14 +1080,14 @@
       </p:sp>
       <p:sp>
         <p:nvSpPr>
-          <p:cNvPr id="173" name="TextShape 3"/>
-          <p:cNvSpPr txBox="1"/>
+          <p:cNvPr id="167" name="CustomShape 3"/>
+          <p:cNvSpPr/>
           <p:nvPr/>
         </p:nvSpPr>
         <p:spPr>
           <a:xfrm>
             <a:off x="4024800" y="9722520"/>
-            <a:ext cx="3078720" cy="511560"/>
+            <a:ext cx="3078360" cy="511200"/>
           </a:xfrm>
           <a:prstGeom prst="rect">
             <a:avLst/>
@@ -1066,6 +1097,12 @@
             <a:noFill/>
           </a:ln>
         </p:spPr>
+        <p:style>
+          <a:lnRef idx="0"/>
+          <a:fillRef idx="0"/>
+          <a:effectRef idx="0"/>
+          <a:fontRef idx="minor"/>
+        </p:style>
         <p:txBody>
           <a:bodyPr lIns="99000" rIns="99000" tIns="49680" bIns="49680" anchor="b">
             <a:noAutofit/>
@@ -1076,7 +1113,7 @@
                 <a:spcPct val="100000"/>
               </a:lnSpc>
             </a:pPr>
-            <a:fld id="{E0C78413-EEB8-4B59-84F8-FF9013EF3DB6}" type="slidenum">
+            <a:fld id="{6F45D4BB-480B-442A-A74F-C102BBC416B1}" type="slidenum">
               <a:rPr b="0" lang="en-US" sz="1300" spc="-1" strike="noStrike">
                 <a:solidFill>
                   <a:srgbClr val="000000"/>
@@ -1087,7 +1124,7 @@
               <a:t>&lt;编号&gt;</a:t>
             </a:fld>
             <a:endParaRPr b="0" lang="en-US" sz="1300" spc="-1" strike="noStrike">
-              <a:latin typeface="Times New Roman"/>
+              <a:latin typeface="Arial"/>
             </a:endParaRPr>
           </a:p>
         </p:txBody>
@@ -1116,7 +1153,7 @@
       </p:grpSpPr>
       <p:sp>
         <p:nvSpPr>
-          <p:cNvPr id="174" name="PlaceHolder 1"/>
+          <p:cNvPr id="168" name="PlaceHolder 1"/>
           <p:cNvSpPr>
             <a:spLocks noGrp="1"/>
           </p:cNvSpPr>
@@ -1127,16 +1164,16 @@
         <p:spPr>
           <a:xfrm>
             <a:off x="1421280" y="1279440"/>
-            <a:ext cx="4263120" cy="3454200"/>
-          </a:xfrm>
-          <a:prstGeom prst="rect">
-            <a:avLst/>
-          </a:prstGeom>
-        </p:spPr>
-      </p:sp>
-      <p:sp>
-        <p:nvSpPr>
-          <p:cNvPr id="175" name="PlaceHolder 2"/>
+            <a:ext cx="4262760" cy="3453840"/>
+          </a:xfrm>
+          <a:prstGeom prst="rect">
+            <a:avLst/>
+          </a:prstGeom>
+        </p:spPr>
+      </p:sp>
+      <p:sp>
+        <p:nvSpPr>
+          <p:cNvPr id="169" name="PlaceHolder 2"/>
           <p:cNvSpPr>
             <a:spLocks noGrp="1"/>
           </p:cNvSpPr>
@@ -1147,7 +1184,7 @@
         <p:spPr>
           <a:xfrm>
             <a:off x="710640" y="4862160"/>
-            <a:ext cx="5684040" cy="4605840"/>
+            <a:ext cx="5683680" cy="4605480"/>
           </a:xfrm>
           <a:prstGeom prst="rect">
             <a:avLst/>
@@ -1166,14 +1203,14 @@
       </p:sp>
       <p:sp>
         <p:nvSpPr>
-          <p:cNvPr id="176" name="TextShape 3"/>
-          <p:cNvSpPr txBox="1"/>
+          <p:cNvPr id="170" name="CustomShape 3"/>
+          <p:cNvSpPr/>
           <p:nvPr/>
         </p:nvSpPr>
         <p:spPr>
           <a:xfrm>
             <a:off x="4024800" y="9722520"/>
-            <a:ext cx="3078720" cy="511560"/>
+            <a:ext cx="3078360" cy="511200"/>
           </a:xfrm>
           <a:prstGeom prst="rect">
             <a:avLst/>
@@ -1183,6 +1220,12 @@
             <a:noFill/>
           </a:ln>
         </p:spPr>
+        <p:style>
+          <a:lnRef idx="0"/>
+          <a:fillRef idx="0"/>
+          <a:effectRef idx="0"/>
+          <a:fontRef idx="minor"/>
+        </p:style>
         <p:txBody>
           <a:bodyPr lIns="99000" rIns="99000" tIns="49680" bIns="49680" anchor="b">
             <a:noAutofit/>
@@ -1193,7 +1236,7 @@
                 <a:spcPct val="100000"/>
               </a:lnSpc>
             </a:pPr>
-            <a:fld id="{ACE08B24-0704-43BA-A3D8-9D162F649C37}" type="slidenum">
+            <a:fld id="{06DFA3B5-3681-4E82-A328-9B1C10FF6CB1}" type="slidenum">
               <a:rPr b="0" lang="en-US" sz="1300" spc="-1" strike="noStrike">
                 <a:solidFill>
                   <a:srgbClr val="000000"/>
@@ -1204,7 +1247,7 @@
               <a:t>&lt;编号&gt;</a:t>
             </a:fld>
             <a:endParaRPr b="0" lang="en-US" sz="1300" spc="-1" strike="noStrike">
-              <a:latin typeface="Times New Roman"/>
+              <a:latin typeface="Arial"/>
             </a:endParaRPr>
           </a:p>
         </p:txBody>
@@ -1233,7 +1276,7 @@
       </p:grpSpPr>
       <p:sp>
         <p:nvSpPr>
-          <p:cNvPr id="135" name="PlaceHolder 1"/>
+          <p:cNvPr id="129" name="PlaceHolder 1"/>
           <p:cNvSpPr>
             <a:spLocks noGrp="1"/>
           </p:cNvSpPr>
@@ -1244,16 +1287,16 @@
         <p:spPr>
           <a:xfrm>
             <a:off x="993600" y="768240"/>
-            <a:ext cx="5117760" cy="3838320"/>
-          </a:xfrm>
-          <a:prstGeom prst="rect">
-            <a:avLst/>
-          </a:prstGeom>
-        </p:spPr>
-      </p:sp>
-      <p:sp>
-        <p:nvSpPr>
-          <p:cNvPr id="136" name="PlaceHolder 2"/>
+            <a:ext cx="5117400" cy="3837960"/>
+          </a:xfrm>
+          <a:prstGeom prst="rect">
+            <a:avLst/>
+          </a:prstGeom>
+        </p:spPr>
+      </p:sp>
+      <p:sp>
+        <p:nvSpPr>
+          <p:cNvPr id="130" name="PlaceHolder 2"/>
           <p:cNvSpPr>
             <a:spLocks noGrp="1"/>
           </p:cNvSpPr>
@@ -1264,7 +1307,7 @@
         <p:spPr>
           <a:xfrm>
             <a:off x="710640" y="4862160"/>
-            <a:ext cx="5684040" cy="4605840"/>
+            <a:ext cx="5683680" cy="4605480"/>
           </a:xfrm>
           <a:prstGeom prst="rect">
             <a:avLst/>
@@ -1283,14 +1326,14 @@
       </p:sp>
       <p:sp>
         <p:nvSpPr>
-          <p:cNvPr id="137" name="TextShape 3"/>
-          <p:cNvSpPr txBox="1"/>
+          <p:cNvPr id="131" name="CustomShape 3"/>
+          <p:cNvSpPr/>
           <p:nvPr/>
         </p:nvSpPr>
         <p:spPr>
           <a:xfrm>
             <a:off x="4024800" y="9722520"/>
-            <a:ext cx="3078720" cy="511560"/>
+            <a:ext cx="3078360" cy="511200"/>
           </a:xfrm>
           <a:prstGeom prst="rect">
             <a:avLst/>
@@ -1300,6 +1343,12 @@
             <a:noFill/>
           </a:ln>
         </p:spPr>
+        <p:style>
+          <a:lnRef idx="0"/>
+          <a:fillRef idx="0"/>
+          <a:effectRef idx="0"/>
+          <a:fontRef idx="minor"/>
+        </p:style>
         <p:txBody>
           <a:bodyPr lIns="99000" rIns="99000" tIns="49680" bIns="49680" anchor="b">
             <a:noAutofit/>
@@ -1310,7 +1359,7 @@
                 <a:spcPct val="100000"/>
               </a:lnSpc>
             </a:pPr>
-            <a:fld id="{CD312D2A-7B29-4F3A-B047-1A32C006DB01}" type="slidenum">
+            <a:fld id="{A8639993-A359-4146-A3BC-8E26FA67EEDE}" type="slidenum">
               <a:rPr b="0" lang="en-US" sz="1300" spc="-1" strike="noStrike">
                 <a:solidFill>
                   <a:srgbClr val="000000"/>
@@ -1321,7 +1370,7 @@
               <a:t>15</a:t>
             </a:fld>
             <a:endParaRPr b="0" lang="en-US" sz="1300" spc="-1" strike="noStrike">
-              <a:latin typeface="Times New Roman"/>
+              <a:latin typeface="Arial"/>
             </a:endParaRPr>
           </a:p>
         </p:txBody>
@@ -1350,7 +1399,7 @@
       </p:grpSpPr>
       <p:sp>
         <p:nvSpPr>
-          <p:cNvPr id="138" name="PlaceHolder 1"/>
+          <p:cNvPr id="132" name="PlaceHolder 1"/>
           <p:cNvSpPr>
             <a:spLocks noGrp="1"/>
           </p:cNvSpPr>
@@ -1361,16 +1410,16 @@
         <p:spPr>
           <a:xfrm>
             <a:off x="993600" y="768240"/>
-            <a:ext cx="5117760" cy="3838320"/>
-          </a:xfrm>
-          <a:prstGeom prst="rect">
-            <a:avLst/>
-          </a:prstGeom>
-        </p:spPr>
-      </p:sp>
-      <p:sp>
-        <p:nvSpPr>
-          <p:cNvPr id="139" name="PlaceHolder 2"/>
+            <a:ext cx="5117400" cy="3837960"/>
+          </a:xfrm>
+          <a:prstGeom prst="rect">
+            <a:avLst/>
+          </a:prstGeom>
+        </p:spPr>
+      </p:sp>
+      <p:sp>
+        <p:nvSpPr>
+          <p:cNvPr id="133" name="PlaceHolder 2"/>
           <p:cNvSpPr>
             <a:spLocks noGrp="1"/>
           </p:cNvSpPr>
@@ -1381,7 +1430,7 @@
         <p:spPr>
           <a:xfrm>
             <a:off x="710640" y="4862160"/>
-            <a:ext cx="5684040" cy="4605840"/>
+            <a:ext cx="5683680" cy="4605480"/>
           </a:xfrm>
           <a:prstGeom prst="rect">
             <a:avLst/>
@@ -1400,14 +1449,14 @@
       </p:sp>
       <p:sp>
         <p:nvSpPr>
-          <p:cNvPr id="140" name="TextShape 3"/>
-          <p:cNvSpPr txBox="1"/>
+          <p:cNvPr id="134" name="CustomShape 3"/>
+          <p:cNvSpPr/>
           <p:nvPr/>
         </p:nvSpPr>
         <p:spPr>
           <a:xfrm>
             <a:off x="4024800" y="9722520"/>
-            <a:ext cx="3078720" cy="511560"/>
+            <a:ext cx="3078360" cy="511200"/>
           </a:xfrm>
           <a:prstGeom prst="rect">
             <a:avLst/>
@@ -1417,6 +1466,12 @@
             <a:noFill/>
           </a:ln>
         </p:spPr>
+        <p:style>
+          <a:lnRef idx="0"/>
+          <a:fillRef idx="0"/>
+          <a:effectRef idx="0"/>
+          <a:fontRef idx="minor"/>
+        </p:style>
         <p:txBody>
           <a:bodyPr lIns="99000" rIns="99000" tIns="49680" bIns="49680" anchor="b">
             <a:noAutofit/>
@@ -1427,7 +1482,7 @@
                 <a:spcPct val="100000"/>
               </a:lnSpc>
             </a:pPr>
-            <a:fld id="{59847EB9-454F-4610-B11B-2BF56045F469}" type="slidenum">
+            <a:fld id="{CF27B3DE-60B4-46D6-A51F-5428B217F92B}" type="slidenum">
               <a:rPr b="0" lang="en-US" sz="1300" spc="-1" strike="noStrike">
                 <a:solidFill>
                   <a:srgbClr val="000000"/>
@@ -1438,7 +1493,7 @@
               <a:t>15</a:t>
             </a:fld>
             <a:endParaRPr b="0" lang="en-US" sz="1300" spc="-1" strike="noStrike">
-              <a:latin typeface="Times New Roman"/>
+              <a:latin typeface="Arial"/>
             </a:endParaRPr>
           </a:p>
         </p:txBody>
@@ -1467,7 +1522,7 @@
       </p:grpSpPr>
       <p:sp>
         <p:nvSpPr>
-          <p:cNvPr id="141" name="PlaceHolder 1"/>
+          <p:cNvPr id="135" name="PlaceHolder 1"/>
           <p:cNvSpPr>
             <a:spLocks noGrp="1"/>
           </p:cNvSpPr>
@@ -1478,16 +1533,16 @@
         <p:spPr>
           <a:xfrm>
             <a:off x="993600" y="768240"/>
-            <a:ext cx="5117760" cy="3838320"/>
-          </a:xfrm>
-          <a:prstGeom prst="rect">
-            <a:avLst/>
-          </a:prstGeom>
-        </p:spPr>
-      </p:sp>
-      <p:sp>
-        <p:nvSpPr>
-          <p:cNvPr id="142" name="PlaceHolder 2"/>
+            <a:ext cx="5117400" cy="3837960"/>
+          </a:xfrm>
+          <a:prstGeom prst="rect">
+            <a:avLst/>
+          </a:prstGeom>
+        </p:spPr>
+      </p:sp>
+      <p:sp>
+        <p:nvSpPr>
+          <p:cNvPr id="136" name="PlaceHolder 2"/>
           <p:cNvSpPr>
             <a:spLocks noGrp="1"/>
           </p:cNvSpPr>
@@ -1498,7 +1553,7 @@
         <p:spPr>
           <a:xfrm>
             <a:off x="710640" y="4862160"/>
-            <a:ext cx="5684040" cy="4605840"/>
+            <a:ext cx="5683680" cy="4605480"/>
           </a:xfrm>
           <a:prstGeom prst="rect">
             <a:avLst/>
@@ -1517,14 +1572,14 @@
       </p:sp>
       <p:sp>
         <p:nvSpPr>
-          <p:cNvPr id="143" name="TextShape 3"/>
-          <p:cNvSpPr txBox="1"/>
+          <p:cNvPr id="137" name="CustomShape 3"/>
+          <p:cNvSpPr/>
           <p:nvPr/>
         </p:nvSpPr>
         <p:spPr>
           <a:xfrm>
             <a:off x="4024800" y="9722520"/>
-            <a:ext cx="3078720" cy="511560"/>
+            <a:ext cx="3078360" cy="511200"/>
           </a:xfrm>
           <a:prstGeom prst="rect">
             <a:avLst/>
@@ -1534,6 +1589,12 @@
             <a:noFill/>
           </a:ln>
         </p:spPr>
+        <p:style>
+          <a:lnRef idx="0"/>
+          <a:fillRef idx="0"/>
+          <a:effectRef idx="0"/>
+          <a:fontRef idx="minor"/>
+        </p:style>
         <p:txBody>
           <a:bodyPr lIns="99000" rIns="99000" tIns="49680" bIns="49680" anchor="b">
             <a:noAutofit/>
@@ -1544,7 +1605,7 @@
                 <a:spcPct val="100000"/>
               </a:lnSpc>
             </a:pPr>
-            <a:fld id="{F393C351-0FED-4733-A2A9-A66728C62369}" type="slidenum">
+            <a:fld id="{B0F892BE-F6C9-48B1-9FCF-D455ED5D5889}" type="slidenum">
               <a:rPr b="0" lang="en-US" sz="1300" spc="-1" strike="noStrike">
                 <a:solidFill>
                   <a:srgbClr val="000000"/>
@@ -1555,7 +1616,7 @@
               <a:t>15</a:t>
             </a:fld>
             <a:endParaRPr b="0" lang="en-US" sz="1300" spc="-1" strike="noStrike">
-              <a:latin typeface="Times New Roman"/>
+              <a:latin typeface="Arial"/>
             </a:endParaRPr>
           </a:p>
         </p:txBody>
@@ -1584,7 +1645,7 @@
       </p:grpSpPr>
       <p:sp>
         <p:nvSpPr>
-          <p:cNvPr id="144" name="PlaceHolder 1"/>
+          <p:cNvPr id="138" name="PlaceHolder 1"/>
           <p:cNvSpPr>
             <a:spLocks noGrp="1"/>
           </p:cNvSpPr>
@@ -1595,16 +1656,16 @@
         <p:spPr>
           <a:xfrm>
             <a:off x="993600" y="768240"/>
-            <a:ext cx="5117760" cy="3838320"/>
-          </a:xfrm>
-          <a:prstGeom prst="rect">
-            <a:avLst/>
-          </a:prstGeom>
-        </p:spPr>
-      </p:sp>
-      <p:sp>
-        <p:nvSpPr>
-          <p:cNvPr id="145" name="PlaceHolder 2"/>
+            <a:ext cx="5117400" cy="3837960"/>
+          </a:xfrm>
+          <a:prstGeom prst="rect">
+            <a:avLst/>
+          </a:prstGeom>
+        </p:spPr>
+      </p:sp>
+      <p:sp>
+        <p:nvSpPr>
+          <p:cNvPr id="139" name="PlaceHolder 2"/>
           <p:cNvSpPr>
             <a:spLocks noGrp="1"/>
           </p:cNvSpPr>
@@ -1615,7 +1676,7 @@
         <p:spPr>
           <a:xfrm>
             <a:off x="710640" y="4862160"/>
-            <a:ext cx="5684040" cy="4605840"/>
+            <a:ext cx="5683680" cy="4605480"/>
           </a:xfrm>
           <a:prstGeom prst="rect">
             <a:avLst/>
@@ -1634,14 +1695,14 @@
       </p:sp>
       <p:sp>
         <p:nvSpPr>
-          <p:cNvPr id="146" name="TextShape 3"/>
-          <p:cNvSpPr txBox="1"/>
+          <p:cNvPr id="140" name="CustomShape 3"/>
+          <p:cNvSpPr/>
           <p:nvPr/>
         </p:nvSpPr>
         <p:spPr>
           <a:xfrm>
             <a:off x="4024800" y="9722520"/>
-            <a:ext cx="3078720" cy="511560"/>
+            <a:ext cx="3078360" cy="511200"/>
           </a:xfrm>
           <a:prstGeom prst="rect">
             <a:avLst/>
@@ -1651,6 +1712,12 @@
             <a:noFill/>
           </a:ln>
         </p:spPr>
+        <p:style>
+          <a:lnRef idx="0"/>
+          <a:fillRef idx="0"/>
+          <a:effectRef idx="0"/>
+          <a:fontRef idx="minor"/>
+        </p:style>
         <p:txBody>
           <a:bodyPr lIns="99000" rIns="99000" tIns="49680" bIns="49680" anchor="b">
             <a:noAutofit/>
@@ -1661,7 +1728,7 @@
                 <a:spcPct val="100000"/>
               </a:lnSpc>
             </a:pPr>
-            <a:fld id="{FD1D2D42-B6FF-4A52-8190-D03299D7909C}" type="slidenum">
+            <a:fld id="{E84D6928-12B9-4ACE-A021-6174A0A596B2}" type="slidenum">
               <a:rPr b="0" lang="en-US" sz="1300" spc="-1" strike="noStrike">
                 <a:solidFill>
                   <a:srgbClr val="000000"/>
@@ -1672,7 +1739,7 @@
               <a:t>15</a:t>
             </a:fld>
             <a:endParaRPr b="0" lang="en-US" sz="1300" spc="-1" strike="noStrike">
-              <a:latin typeface="Times New Roman"/>
+              <a:latin typeface="Arial"/>
             </a:endParaRPr>
           </a:p>
         </p:txBody>
@@ -1701,7 +1768,7 @@
       </p:grpSpPr>
       <p:sp>
         <p:nvSpPr>
-          <p:cNvPr id="147" name="PlaceHolder 1"/>
+          <p:cNvPr id="141" name="PlaceHolder 1"/>
           <p:cNvSpPr>
             <a:spLocks noGrp="1"/>
           </p:cNvSpPr>
@@ -1712,16 +1779,16 @@
         <p:spPr>
           <a:xfrm>
             <a:off x="993600" y="768240"/>
-            <a:ext cx="5117760" cy="3838320"/>
-          </a:xfrm>
-          <a:prstGeom prst="rect">
-            <a:avLst/>
-          </a:prstGeom>
-        </p:spPr>
-      </p:sp>
-      <p:sp>
-        <p:nvSpPr>
-          <p:cNvPr id="148" name="PlaceHolder 2"/>
+            <a:ext cx="5117400" cy="3837960"/>
+          </a:xfrm>
+          <a:prstGeom prst="rect">
+            <a:avLst/>
+          </a:prstGeom>
+        </p:spPr>
+      </p:sp>
+      <p:sp>
+        <p:nvSpPr>
+          <p:cNvPr id="142" name="PlaceHolder 2"/>
           <p:cNvSpPr>
             <a:spLocks noGrp="1"/>
           </p:cNvSpPr>
@@ -1732,7 +1799,7 @@
         <p:spPr>
           <a:xfrm>
             <a:off x="710640" y="4862160"/>
-            <a:ext cx="5684040" cy="4605840"/>
+            <a:ext cx="5683680" cy="4605480"/>
           </a:xfrm>
           <a:prstGeom prst="rect">
             <a:avLst/>
@@ -1751,14 +1818,14 @@
       </p:sp>
       <p:sp>
         <p:nvSpPr>
-          <p:cNvPr id="149" name="TextShape 3"/>
-          <p:cNvSpPr txBox="1"/>
+          <p:cNvPr id="143" name="CustomShape 3"/>
+          <p:cNvSpPr/>
           <p:nvPr/>
         </p:nvSpPr>
         <p:spPr>
           <a:xfrm>
             <a:off x="4024800" y="9722520"/>
-            <a:ext cx="3078720" cy="511560"/>
+            <a:ext cx="3078360" cy="511200"/>
           </a:xfrm>
           <a:prstGeom prst="rect">
             <a:avLst/>
@@ -1768,6 +1835,12 @@
             <a:noFill/>
           </a:ln>
         </p:spPr>
+        <p:style>
+          <a:lnRef idx="0"/>
+          <a:fillRef idx="0"/>
+          <a:effectRef idx="0"/>
+          <a:fontRef idx="minor"/>
+        </p:style>
         <p:txBody>
           <a:bodyPr lIns="99000" rIns="99000" tIns="49680" bIns="49680" anchor="b">
             <a:noAutofit/>
@@ -1778,7 +1851,7 @@
                 <a:spcPct val="100000"/>
               </a:lnSpc>
             </a:pPr>
-            <a:fld id="{3B21F16A-9578-40F7-A6B8-C7FB8A9E52E0}" type="slidenum">
+            <a:fld id="{B1553D26-6B40-4EF6-8529-EBADCA0E8D07}" type="slidenum">
               <a:rPr b="0" lang="en-US" sz="1300" spc="-1" strike="noStrike">
                 <a:solidFill>
                   <a:srgbClr val="000000"/>
@@ -1789,7 +1862,7 @@
               <a:t>15</a:t>
             </a:fld>
             <a:endParaRPr b="0" lang="en-US" sz="1300" spc="-1" strike="noStrike">
-              <a:latin typeface="Times New Roman"/>
+              <a:latin typeface="Arial"/>
             </a:endParaRPr>
           </a:p>
         </p:txBody>
@@ -1818,7 +1891,7 @@
       </p:grpSpPr>
       <p:sp>
         <p:nvSpPr>
-          <p:cNvPr id="150" name="PlaceHolder 1"/>
+          <p:cNvPr id="144" name="PlaceHolder 1"/>
           <p:cNvSpPr>
             <a:spLocks noGrp="1"/>
           </p:cNvSpPr>
@@ -1829,16 +1902,16 @@
         <p:spPr>
           <a:xfrm>
             <a:off x="993600" y="768240"/>
-            <a:ext cx="5117760" cy="3838320"/>
-          </a:xfrm>
-          <a:prstGeom prst="rect">
-            <a:avLst/>
-          </a:prstGeom>
-        </p:spPr>
-      </p:sp>
-      <p:sp>
-        <p:nvSpPr>
-          <p:cNvPr id="151" name="PlaceHolder 2"/>
+            <a:ext cx="5117400" cy="3837960"/>
+          </a:xfrm>
+          <a:prstGeom prst="rect">
+            <a:avLst/>
+          </a:prstGeom>
+        </p:spPr>
+      </p:sp>
+      <p:sp>
+        <p:nvSpPr>
+          <p:cNvPr id="145" name="PlaceHolder 2"/>
           <p:cNvSpPr>
             <a:spLocks noGrp="1"/>
           </p:cNvSpPr>
@@ -1849,7 +1922,7 @@
         <p:spPr>
           <a:xfrm>
             <a:off x="710640" y="4862160"/>
-            <a:ext cx="5684040" cy="4605840"/>
+            <a:ext cx="5683680" cy="4605480"/>
           </a:xfrm>
           <a:prstGeom prst="rect">
             <a:avLst/>
@@ -1868,14 +1941,14 @@
       </p:sp>
       <p:sp>
         <p:nvSpPr>
-          <p:cNvPr id="152" name="TextShape 3"/>
-          <p:cNvSpPr txBox="1"/>
+          <p:cNvPr id="146" name="CustomShape 3"/>
+          <p:cNvSpPr/>
           <p:nvPr/>
         </p:nvSpPr>
         <p:spPr>
           <a:xfrm>
             <a:off x="4024800" y="9722520"/>
-            <a:ext cx="3078720" cy="511560"/>
+            <a:ext cx="3078360" cy="511200"/>
           </a:xfrm>
           <a:prstGeom prst="rect">
             <a:avLst/>
@@ -1885,6 +1958,12 @@
             <a:noFill/>
           </a:ln>
         </p:spPr>
+        <p:style>
+          <a:lnRef idx="0"/>
+          <a:fillRef idx="0"/>
+          <a:effectRef idx="0"/>
+          <a:fontRef idx="minor"/>
+        </p:style>
         <p:txBody>
           <a:bodyPr lIns="99000" rIns="99000" tIns="49680" bIns="49680" anchor="b">
             <a:noAutofit/>
@@ -1895,7 +1974,7 @@
                 <a:spcPct val="100000"/>
               </a:lnSpc>
             </a:pPr>
-            <a:fld id="{2BF2BE21-763F-4ECF-99ED-10F6A3CFFA70}" type="slidenum">
+            <a:fld id="{7C906C17-3E02-4FC1-A9D8-E3096419A5DD}" type="slidenum">
               <a:rPr b="0" lang="en-US" sz="1300" spc="-1" strike="noStrike">
                 <a:solidFill>
                   <a:srgbClr val="000000"/>
@@ -1906,7 +1985,7 @@
               <a:t>15</a:t>
             </a:fld>
             <a:endParaRPr b="0" lang="en-US" sz="1300" spc="-1" strike="noStrike">
-              <a:latin typeface="Times New Roman"/>
+              <a:latin typeface="Arial"/>
             </a:endParaRPr>
           </a:p>
         </p:txBody>
@@ -1935,7 +2014,7 @@
       </p:grpSpPr>
       <p:sp>
         <p:nvSpPr>
-          <p:cNvPr id="153" name="PlaceHolder 1"/>
+          <p:cNvPr id="147" name="PlaceHolder 1"/>
           <p:cNvSpPr>
             <a:spLocks noGrp="1"/>
           </p:cNvSpPr>
@@ -1946,16 +2025,16 @@
         <p:spPr>
           <a:xfrm>
             <a:off x="993600" y="768240"/>
-            <a:ext cx="5117760" cy="3838320"/>
-          </a:xfrm>
-          <a:prstGeom prst="rect">
-            <a:avLst/>
-          </a:prstGeom>
-        </p:spPr>
-      </p:sp>
-      <p:sp>
-        <p:nvSpPr>
-          <p:cNvPr id="154" name="PlaceHolder 2"/>
+            <a:ext cx="5117400" cy="3837960"/>
+          </a:xfrm>
+          <a:prstGeom prst="rect">
+            <a:avLst/>
+          </a:prstGeom>
+        </p:spPr>
+      </p:sp>
+      <p:sp>
+        <p:nvSpPr>
+          <p:cNvPr id="148" name="PlaceHolder 2"/>
           <p:cNvSpPr>
             <a:spLocks noGrp="1"/>
           </p:cNvSpPr>
@@ -1966,7 +2045,7 @@
         <p:spPr>
           <a:xfrm>
             <a:off x="710640" y="4862160"/>
-            <a:ext cx="5684040" cy="4605840"/>
+            <a:ext cx="5683680" cy="4605480"/>
           </a:xfrm>
           <a:prstGeom prst="rect">
             <a:avLst/>
@@ -1985,14 +2064,14 @@
       </p:sp>
       <p:sp>
         <p:nvSpPr>
-          <p:cNvPr id="155" name="TextShape 3"/>
-          <p:cNvSpPr txBox="1"/>
+          <p:cNvPr id="149" name="CustomShape 3"/>
+          <p:cNvSpPr/>
           <p:nvPr/>
         </p:nvSpPr>
         <p:spPr>
           <a:xfrm>
             <a:off x="4024800" y="9722520"/>
-            <a:ext cx="3078720" cy="511560"/>
+            <a:ext cx="3078360" cy="511200"/>
           </a:xfrm>
           <a:prstGeom prst="rect">
             <a:avLst/>
@@ -2002,6 +2081,12 @@
             <a:noFill/>
           </a:ln>
         </p:spPr>
+        <p:style>
+          <a:lnRef idx="0"/>
+          <a:fillRef idx="0"/>
+          <a:effectRef idx="0"/>
+          <a:fontRef idx="minor"/>
+        </p:style>
         <p:txBody>
           <a:bodyPr lIns="99000" rIns="99000" tIns="49680" bIns="49680" anchor="b">
             <a:noAutofit/>
@@ -2012,7 +2097,7 @@
                 <a:spcPct val="100000"/>
               </a:lnSpc>
             </a:pPr>
-            <a:fld id="{571EEEEF-A7A2-4A00-B08B-C07720FB45AC}" type="slidenum">
+            <a:fld id="{76246F78-6040-4B4D-BEFC-2EE481BB91B7}" type="slidenum">
               <a:rPr b="0" lang="en-US" sz="1300" spc="-1" strike="noStrike">
                 <a:solidFill>
                   <a:srgbClr val="000000"/>
@@ -2023,7 +2108,7 @@
               <a:t>15</a:t>
             </a:fld>
             <a:endParaRPr b="0" lang="en-US" sz="1300" spc="-1" strike="noStrike">
-              <a:latin typeface="Times New Roman"/>
+              <a:latin typeface="Arial"/>
             </a:endParaRPr>
           </a:p>
         </p:txBody>
@@ -2074,7 +2159,7 @@
       </p:grpSpPr>
       <p:sp>
         <p:nvSpPr>
-          <p:cNvPr id="26" name="PlaceHolder 1"/>
+          <p:cNvPr id="23" name="PlaceHolder 1"/>
           <p:cNvSpPr>
             <a:spLocks noGrp="1"/>
           </p:cNvSpPr>
@@ -2084,8 +2169,8 @@
         </p:nvSpPr>
         <p:spPr>
           <a:xfrm>
-            <a:off x="457200" y="274680"/>
-            <a:ext cx="8229240" cy="1142640"/>
+            <a:off x="457200" y="273600"/>
+            <a:ext cx="8229240" cy="1144800"/>
           </a:xfrm>
           <a:prstGeom prst="rect">
             <a:avLst/>
@@ -2096,18 +2181,16 @@
             <a:noAutofit/>
           </a:bodyPr>
           <a:p>
-            <a:endParaRPr b="0" lang="en-US" sz="1800" spc="-1" strike="noStrike">
-              <a:solidFill>
-                <a:srgbClr val="000000"/>
-              </a:solidFill>
-              <a:latin typeface="Calibri"/>
-            </a:endParaRPr>
-          </a:p>
-        </p:txBody>
-      </p:sp>
-      <p:sp>
-        <p:nvSpPr>
-          <p:cNvPr id="27" name="PlaceHolder 2"/>
+            <a:pPr algn="ctr"/>
+            <a:endParaRPr b="0" lang="en-US" sz="4400" spc="-1" strike="noStrike">
+              <a:latin typeface="Arial"/>
+            </a:endParaRPr>
+          </a:p>
+        </p:txBody>
+      </p:sp>
+      <p:sp>
+        <p:nvSpPr>
+          <p:cNvPr id="24" name="PlaceHolder 2"/>
           <p:cNvSpPr>
             <a:spLocks noGrp="1"/>
           </p:cNvSpPr>
@@ -2117,8 +2200,8 @@
         </p:nvSpPr>
         <p:spPr>
           <a:xfrm>
-            <a:off x="457200" y="1600200"/>
-            <a:ext cx="8229240" cy="2158560"/>
+            <a:off x="457200" y="1604520"/>
+            <a:ext cx="8229240" cy="1896840"/>
           </a:xfrm>
           <a:prstGeom prst="rect">
             <a:avLst/>
@@ -2130,17 +2213,14 @@
           </a:bodyPr>
           <a:p>
             <a:endParaRPr b="0" lang="en-US" sz="3200" spc="-1" strike="noStrike">
-              <a:solidFill>
-                <a:srgbClr val="000000"/>
-              </a:solidFill>
-              <a:latin typeface="Calibri"/>
-            </a:endParaRPr>
-          </a:p>
-        </p:txBody>
-      </p:sp>
-      <p:sp>
-        <p:nvSpPr>
-          <p:cNvPr id="28" name="PlaceHolder 3"/>
+              <a:latin typeface="Arial"/>
+            </a:endParaRPr>
+          </a:p>
+        </p:txBody>
+      </p:sp>
+      <p:sp>
+        <p:nvSpPr>
+          <p:cNvPr id="25" name="PlaceHolder 3"/>
           <p:cNvSpPr>
             <a:spLocks noGrp="1"/>
           </p:cNvSpPr>
@@ -2150,8 +2230,8 @@
         </p:nvSpPr>
         <p:spPr>
           <a:xfrm>
-            <a:off x="457200" y="3964320"/>
-            <a:ext cx="8229240" cy="2158560"/>
+            <a:off x="457200" y="3682080"/>
+            <a:ext cx="8229240" cy="1896840"/>
           </a:xfrm>
           <a:prstGeom prst="rect">
             <a:avLst/>
@@ -2163,10 +2243,7 @@
           </a:bodyPr>
           <a:p>
             <a:endParaRPr b="0" lang="en-US" sz="3200" spc="-1" strike="noStrike">
-              <a:solidFill>
-                <a:srgbClr val="000000"/>
-              </a:solidFill>
-              <a:latin typeface="Calibri"/>
+              <a:latin typeface="Arial"/>
             </a:endParaRPr>
           </a:p>
         </p:txBody>
@@ -2195,7 +2272,7 @@
       </p:grpSpPr>
       <p:sp>
         <p:nvSpPr>
-          <p:cNvPr id="29" name="PlaceHolder 1"/>
+          <p:cNvPr id="26" name="PlaceHolder 1"/>
           <p:cNvSpPr>
             <a:spLocks noGrp="1"/>
           </p:cNvSpPr>
@@ -2205,8 +2282,8 @@
         </p:nvSpPr>
         <p:spPr>
           <a:xfrm>
-            <a:off x="457200" y="274680"/>
-            <a:ext cx="8229240" cy="1142640"/>
+            <a:off x="457200" y="273600"/>
+            <a:ext cx="8229240" cy="1144800"/>
           </a:xfrm>
           <a:prstGeom prst="rect">
             <a:avLst/>
@@ -2217,18 +2294,16 @@
             <a:noAutofit/>
           </a:bodyPr>
           <a:p>
-            <a:endParaRPr b="0" lang="en-US" sz="1800" spc="-1" strike="noStrike">
-              <a:solidFill>
-                <a:srgbClr val="000000"/>
-              </a:solidFill>
-              <a:latin typeface="Calibri"/>
-            </a:endParaRPr>
-          </a:p>
-        </p:txBody>
-      </p:sp>
-      <p:sp>
-        <p:nvSpPr>
-          <p:cNvPr id="30" name="PlaceHolder 2"/>
+            <a:pPr algn="ctr"/>
+            <a:endParaRPr b="0" lang="en-US" sz="4400" spc="-1" strike="noStrike">
+              <a:latin typeface="Arial"/>
+            </a:endParaRPr>
+          </a:p>
+        </p:txBody>
+      </p:sp>
+      <p:sp>
+        <p:nvSpPr>
+          <p:cNvPr id="27" name="PlaceHolder 2"/>
           <p:cNvSpPr>
             <a:spLocks noGrp="1"/>
           </p:cNvSpPr>
@@ -2238,8 +2313,8 @@
         </p:nvSpPr>
         <p:spPr>
           <a:xfrm>
-            <a:off x="457200" y="1600200"/>
-            <a:ext cx="4015800" cy="2158560"/>
+            <a:off x="457200" y="1604520"/>
+            <a:ext cx="4015800" cy="1896840"/>
           </a:xfrm>
           <a:prstGeom prst="rect">
             <a:avLst/>
@@ -2251,17 +2326,14 @@
           </a:bodyPr>
           <a:p>
             <a:endParaRPr b="0" lang="en-US" sz="3200" spc="-1" strike="noStrike">
-              <a:solidFill>
-                <a:srgbClr val="000000"/>
-              </a:solidFill>
-              <a:latin typeface="Calibri"/>
-            </a:endParaRPr>
-          </a:p>
-        </p:txBody>
-      </p:sp>
-      <p:sp>
-        <p:nvSpPr>
-          <p:cNvPr id="31" name="PlaceHolder 3"/>
+              <a:latin typeface="Arial"/>
+            </a:endParaRPr>
+          </a:p>
+        </p:txBody>
+      </p:sp>
+      <p:sp>
+        <p:nvSpPr>
+          <p:cNvPr id="28" name="PlaceHolder 3"/>
           <p:cNvSpPr>
             <a:spLocks noGrp="1"/>
           </p:cNvSpPr>
@@ -2271,8 +2343,8 @@
         </p:nvSpPr>
         <p:spPr>
           <a:xfrm>
-            <a:off x="4674240" y="1600200"/>
-            <a:ext cx="4015800" cy="2158560"/>
+            <a:off x="4674240" y="1604520"/>
+            <a:ext cx="4015800" cy="1896840"/>
           </a:xfrm>
           <a:prstGeom prst="rect">
             <a:avLst/>
@@ -2284,17 +2356,14 @@
           </a:bodyPr>
           <a:p>
             <a:endParaRPr b="0" lang="en-US" sz="3200" spc="-1" strike="noStrike">
-              <a:solidFill>
-                <a:srgbClr val="000000"/>
-              </a:solidFill>
-              <a:latin typeface="Calibri"/>
-            </a:endParaRPr>
-          </a:p>
-        </p:txBody>
-      </p:sp>
-      <p:sp>
-        <p:nvSpPr>
-          <p:cNvPr id="32" name="PlaceHolder 4"/>
+              <a:latin typeface="Arial"/>
+            </a:endParaRPr>
+          </a:p>
+        </p:txBody>
+      </p:sp>
+      <p:sp>
+        <p:nvSpPr>
+          <p:cNvPr id="29" name="PlaceHolder 4"/>
           <p:cNvSpPr>
             <a:spLocks noGrp="1"/>
           </p:cNvSpPr>
@@ -2304,8 +2373,8 @@
         </p:nvSpPr>
         <p:spPr>
           <a:xfrm>
-            <a:off x="457200" y="3964320"/>
-            <a:ext cx="4015800" cy="2158560"/>
+            <a:off x="457200" y="3682080"/>
+            <a:ext cx="4015800" cy="1896840"/>
           </a:xfrm>
           <a:prstGeom prst="rect">
             <a:avLst/>
@@ -2317,17 +2386,14 @@
           </a:bodyPr>
           <a:p>
             <a:endParaRPr b="0" lang="en-US" sz="3200" spc="-1" strike="noStrike">
-              <a:solidFill>
-                <a:srgbClr val="000000"/>
-              </a:solidFill>
-              <a:latin typeface="Calibri"/>
-            </a:endParaRPr>
-          </a:p>
-        </p:txBody>
-      </p:sp>
-      <p:sp>
-        <p:nvSpPr>
-          <p:cNvPr id="33" name="PlaceHolder 5"/>
+              <a:latin typeface="Arial"/>
+            </a:endParaRPr>
+          </a:p>
+        </p:txBody>
+      </p:sp>
+      <p:sp>
+        <p:nvSpPr>
+          <p:cNvPr id="30" name="PlaceHolder 5"/>
           <p:cNvSpPr>
             <a:spLocks noGrp="1"/>
           </p:cNvSpPr>
@@ -2337,8 +2403,8 @@
         </p:nvSpPr>
         <p:spPr>
           <a:xfrm>
-            <a:off x="4674240" y="3964320"/>
-            <a:ext cx="4015800" cy="2158560"/>
+            <a:off x="4674240" y="3682080"/>
+            <a:ext cx="4015800" cy="1896840"/>
           </a:xfrm>
           <a:prstGeom prst="rect">
             <a:avLst/>
@@ -2350,10 +2416,7 @@
           </a:bodyPr>
           <a:p>
             <a:endParaRPr b="0" lang="en-US" sz="3200" spc="-1" strike="noStrike">
-              <a:solidFill>
-                <a:srgbClr val="000000"/>
-              </a:solidFill>
-              <a:latin typeface="Calibri"/>
+              <a:latin typeface="Arial"/>
             </a:endParaRPr>
           </a:p>
         </p:txBody>
@@ -2382,7 +2445,7 @@
       </p:grpSpPr>
       <p:sp>
         <p:nvSpPr>
-          <p:cNvPr id="34" name="PlaceHolder 1"/>
+          <p:cNvPr id="31" name="PlaceHolder 1"/>
           <p:cNvSpPr>
             <a:spLocks noGrp="1"/>
           </p:cNvSpPr>
@@ -2392,8 +2455,8 @@
         </p:nvSpPr>
         <p:spPr>
           <a:xfrm>
-            <a:off x="457200" y="274680"/>
-            <a:ext cx="8229240" cy="1142640"/>
+            <a:off x="457200" y="273600"/>
+            <a:ext cx="8229240" cy="1144800"/>
           </a:xfrm>
           <a:prstGeom prst="rect">
             <a:avLst/>
@@ -2404,18 +2467,16 @@
             <a:noAutofit/>
           </a:bodyPr>
           <a:p>
-            <a:endParaRPr b="0" lang="en-US" sz="1800" spc="-1" strike="noStrike">
-              <a:solidFill>
-                <a:srgbClr val="000000"/>
-              </a:solidFill>
-              <a:latin typeface="Calibri"/>
-            </a:endParaRPr>
-          </a:p>
-        </p:txBody>
-      </p:sp>
-      <p:sp>
-        <p:nvSpPr>
-          <p:cNvPr id="35" name="PlaceHolder 2"/>
+            <a:pPr algn="ctr"/>
+            <a:endParaRPr b="0" lang="en-US" sz="4400" spc="-1" strike="noStrike">
+              <a:latin typeface="Arial"/>
+            </a:endParaRPr>
+          </a:p>
+        </p:txBody>
+      </p:sp>
+      <p:sp>
+        <p:nvSpPr>
+          <p:cNvPr id="32" name="PlaceHolder 2"/>
           <p:cNvSpPr>
             <a:spLocks noGrp="1"/>
           </p:cNvSpPr>
@@ -2425,8 +2486,8 @@
         </p:nvSpPr>
         <p:spPr>
           <a:xfrm>
-            <a:off x="457200" y="1600200"/>
-            <a:ext cx="2649600" cy="2158560"/>
+            <a:off x="457200" y="1604520"/>
+            <a:ext cx="2649600" cy="1896840"/>
           </a:xfrm>
           <a:prstGeom prst="rect">
             <a:avLst/>
@@ -2438,17 +2499,14 @@
           </a:bodyPr>
           <a:p>
             <a:endParaRPr b="0" lang="en-US" sz="3200" spc="-1" strike="noStrike">
-              <a:solidFill>
-                <a:srgbClr val="000000"/>
-              </a:solidFill>
-              <a:latin typeface="Calibri"/>
-            </a:endParaRPr>
-          </a:p>
-        </p:txBody>
-      </p:sp>
-      <p:sp>
-        <p:nvSpPr>
-          <p:cNvPr id="36" name="PlaceHolder 3"/>
+              <a:latin typeface="Arial"/>
+            </a:endParaRPr>
+          </a:p>
+        </p:txBody>
+      </p:sp>
+      <p:sp>
+        <p:nvSpPr>
+          <p:cNvPr id="33" name="PlaceHolder 3"/>
           <p:cNvSpPr>
             <a:spLocks noGrp="1"/>
           </p:cNvSpPr>
@@ -2458,8 +2516,8 @@
         </p:nvSpPr>
         <p:spPr>
           <a:xfrm>
-            <a:off x="3239640" y="1600200"/>
-            <a:ext cx="2649600" cy="2158560"/>
+            <a:off x="3239640" y="1604520"/>
+            <a:ext cx="2649600" cy="1896840"/>
           </a:xfrm>
           <a:prstGeom prst="rect">
             <a:avLst/>
@@ -2471,17 +2529,14 @@
           </a:bodyPr>
           <a:p>
             <a:endParaRPr b="0" lang="en-US" sz="3200" spc="-1" strike="noStrike">
-              <a:solidFill>
-                <a:srgbClr val="000000"/>
-              </a:solidFill>
-              <a:latin typeface="Calibri"/>
-            </a:endParaRPr>
-          </a:p>
-        </p:txBody>
-      </p:sp>
-      <p:sp>
-        <p:nvSpPr>
-          <p:cNvPr id="37" name="PlaceHolder 4"/>
+              <a:latin typeface="Arial"/>
+            </a:endParaRPr>
+          </a:p>
+        </p:txBody>
+      </p:sp>
+      <p:sp>
+        <p:nvSpPr>
+          <p:cNvPr id="34" name="PlaceHolder 4"/>
           <p:cNvSpPr>
             <a:spLocks noGrp="1"/>
           </p:cNvSpPr>
@@ -2491,8 +2546,8 @@
         </p:nvSpPr>
         <p:spPr>
           <a:xfrm>
-            <a:off x="6022080" y="1600200"/>
-            <a:ext cx="2649600" cy="2158560"/>
+            <a:off x="6022080" y="1604520"/>
+            <a:ext cx="2649600" cy="1896840"/>
           </a:xfrm>
           <a:prstGeom prst="rect">
             <a:avLst/>
@@ -2504,17 +2559,14 @@
           </a:bodyPr>
           <a:p>
             <a:endParaRPr b="0" lang="en-US" sz="3200" spc="-1" strike="noStrike">
-              <a:solidFill>
-                <a:srgbClr val="000000"/>
-              </a:solidFill>
-              <a:latin typeface="Calibri"/>
-            </a:endParaRPr>
-          </a:p>
-        </p:txBody>
-      </p:sp>
-      <p:sp>
-        <p:nvSpPr>
-          <p:cNvPr id="38" name="PlaceHolder 5"/>
+              <a:latin typeface="Arial"/>
+            </a:endParaRPr>
+          </a:p>
+        </p:txBody>
+      </p:sp>
+      <p:sp>
+        <p:nvSpPr>
+          <p:cNvPr id="35" name="PlaceHolder 5"/>
           <p:cNvSpPr>
             <a:spLocks noGrp="1"/>
           </p:cNvSpPr>
@@ -2524,8 +2576,8 @@
         </p:nvSpPr>
         <p:spPr>
           <a:xfrm>
-            <a:off x="457200" y="3964320"/>
-            <a:ext cx="2649600" cy="2158560"/>
+            <a:off x="457200" y="3682080"/>
+            <a:ext cx="2649600" cy="1896840"/>
           </a:xfrm>
           <a:prstGeom prst="rect">
             <a:avLst/>
@@ -2537,17 +2589,14 @@
           </a:bodyPr>
           <a:p>
             <a:endParaRPr b="0" lang="en-US" sz="3200" spc="-1" strike="noStrike">
-              <a:solidFill>
-                <a:srgbClr val="000000"/>
-              </a:solidFill>
-              <a:latin typeface="Calibri"/>
-            </a:endParaRPr>
-          </a:p>
-        </p:txBody>
-      </p:sp>
-      <p:sp>
-        <p:nvSpPr>
-          <p:cNvPr id="39" name="PlaceHolder 6"/>
+              <a:latin typeface="Arial"/>
+            </a:endParaRPr>
+          </a:p>
+        </p:txBody>
+      </p:sp>
+      <p:sp>
+        <p:nvSpPr>
+          <p:cNvPr id="36" name="PlaceHolder 6"/>
           <p:cNvSpPr>
             <a:spLocks noGrp="1"/>
           </p:cNvSpPr>
@@ -2557,8 +2606,8 @@
         </p:nvSpPr>
         <p:spPr>
           <a:xfrm>
-            <a:off x="3239640" y="3964320"/>
-            <a:ext cx="2649600" cy="2158560"/>
+            <a:off x="3239640" y="3682080"/>
+            <a:ext cx="2649600" cy="1896840"/>
           </a:xfrm>
           <a:prstGeom prst="rect">
             <a:avLst/>
@@ -2570,17 +2619,14 @@
           </a:bodyPr>
           <a:p>
             <a:endParaRPr b="0" lang="en-US" sz="3200" spc="-1" strike="noStrike">
-              <a:solidFill>
-                <a:srgbClr val="000000"/>
-              </a:solidFill>
-              <a:latin typeface="Calibri"/>
-            </a:endParaRPr>
-          </a:p>
-        </p:txBody>
-      </p:sp>
-      <p:sp>
-        <p:nvSpPr>
-          <p:cNvPr id="40" name="PlaceHolder 7"/>
+              <a:latin typeface="Arial"/>
+            </a:endParaRPr>
+          </a:p>
+        </p:txBody>
+      </p:sp>
+      <p:sp>
+        <p:nvSpPr>
+          <p:cNvPr id="37" name="PlaceHolder 7"/>
           <p:cNvSpPr>
             <a:spLocks noGrp="1"/>
           </p:cNvSpPr>
@@ -2590,8 +2636,8 @@
         </p:nvSpPr>
         <p:spPr>
           <a:xfrm>
-            <a:off x="6022080" y="3964320"/>
-            <a:ext cx="2649600" cy="2158560"/>
+            <a:off x="6022080" y="3682080"/>
+            <a:ext cx="2649600" cy="1896840"/>
           </a:xfrm>
           <a:prstGeom prst="rect">
             <a:avLst/>
@@ -2603,10 +2649,7 @@
           </a:bodyPr>
           <a:p>
             <a:endParaRPr b="0" lang="en-US" sz="3200" spc="-1" strike="noStrike">
-              <a:solidFill>
-                <a:srgbClr val="000000"/>
-              </a:solidFill>
-              <a:latin typeface="Calibri"/>
+              <a:latin typeface="Arial"/>
             </a:endParaRPr>
           </a:p>
         </p:txBody>
@@ -2657,7 +2700,7 @@
       </p:grpSpPr>
       <p:sp>
         <p:nvSpPr>
-          <p:cNvPr id="46" name="PlaceHolder 1"/>
+          <p:cNvPr id="40" name="PlaceHolder 1"/>
           <p:cNvSpPr>
             <a:spLocks noGrp="1"/>
           </p:cNvSpPr>
@@ -2667,8 +2710,8 @@
         </p:nvSpPr>
         <p:spPr>
           <a:xfrm>
-            <a:off x="457200" y="274680"/>
-            <a:ext cx="8229240" cy="1142640"/>
+            <a:off x="457200" y="273600"/>
+            <a:ext cx="8229240" cy="1144800"/>
           </a:xfrm>
           <a:prstGeom prst="rect">
             <a:avLst/>
@@ -2679,18 +2722,16 @@
             <a:noAutofit/>
           </a:bodyPr>
           <a:p>
-            <a:endParaRPr b="0" lang="en-US" sz="1800" spc="-1" strike="noStrike">
-              <a:solidFill>
-                <a:srgbClr val="000000"/>
-              </a:solidFill>
-              <a:latin typeface="Calibri"/>
-            </a:endParaRPr>
-          </a:p>
-        </p:txBody>
-      </p:sp>
-      <p:sp>
-        <p:nvSpPr>
-          <p:cNvPr id="47" name="PlaceHolder 2"/>
+            <a:pPr algn="ctr"/>
+            <a:endParaRPr b="0" lang="en-US" sz="4400" spc="-1" strike="noStrike">
+              <a:latin typeface="Arial"/>
+            </a:endParaRPr>
+          </a:p>
+        </p:txBody>
+      </p:sp>
+      <p:sp>
+        <p:nvSpPr>
+          <p:cNvPr id="41" name="PlaceHolder 2"/>
           <p:cNvSpPr>
             <a:spLocks noGrp="1"/>
           </p:cNvSpPr>
@@ -2700,8 +2741,8 @@
         </p:nvSpPr>
         <p:spPr>
           <a:xfrm>
-            <a:off x="457200" y="1600200"/>
-            <a:ext cx="8229240" cy="4525560"/>
+            <a:off x="457200" y="1604520"/>
+            <a:ext cx="8229240" cy="3977280"/>
           </a:xfrm>
           <a:prstGeom prst="rect">
             <a:avLst/>
@@ -2743,7 +2784,7 @@
       </p:grpSpPr>
       <p:sp>
         <p:nvSpPr>
-          <p:cNvPr id="48" name="PlaceHolder 1"/>
+          <p:cNvPr id="42" name="PlaceHolder 1"/>
           <p:cNvSpPr>
             <a:spLocks noGrp="1"/>
           </p:cNvSpPr>
@@ -2753,8 +2794,8 @@
         </p:nvSpPr>
         <p:spPr>
           <a:xfrm>
-            <a:off x="457200" y="274680"/>
-            <a:ext cx="8229240" cy="1142640"/>
+            <a:off x="457200" y="273600"/>
+            <a:ext cx="8229240" cy="1144800"/>
           </a:xfrm>
           <a:prstGeom prst="rect">
             <a:avLst/>
@@ -2765,18 +2806,16 @@
             <a:noAutofit/>
           </a:bodyPr>
           <a:p>
-            <a:endParaRPr b="0" lang="en-US" sz="1800" spc="-1" strike="noStrike">
-              <a:solidFill>
-                <a:srgbClr val="000000"/>
-              </a:solidFill>
-              <a:latin typeface="Calibri"/>
-            </a:endParaRPr>
-          </a:p>
-        </p:txBody>
-      </p:sp>
-      <p:sp>
-        <p:nvSpPr>
-          <p:cNvPr id="49" name="PlaceHolder 2"/>
+            <a:pPr algn="ctr"/>
+            <a:endParaRPr b="0" lang="en-US" sz="4400" spc="-1" strike="noStrike">
+              <a:latin typeface="Arial"/>
+            </a:endParaRPr>
+          </a:p>
+        </p:txBody>
+      </p:sp>
+      <p:sp>
+        <p:nvSpPr>
+          <p:cNvPr id="43" name="PlaceHolder 2"/>
           <p:cNvSpPr>
             <a:spLocks noGrp="1"/>
           </p:cNvSpPr>
@@ -2786,8 +2825,8 @@
         </p:nvSpPr>
         <p:spPr>
           <a:xfrm>
-            <a:off x="457200" y="1600200"/>
-            <a:ext cx="8229240" cy="4525560"/>
+            <a:off x="457200" y="1604520"/>
+            <a:ext cx="8229240" cy="3977280"/>
           </a:xfrm>
           <a:prstGeom prst="rect">
             <a:avLst/>
@@ -2799,10 +2838,7 @@
           </a:bodyPr>
           <a:p>
             <a:endParaRPr b="0" lang="en-US" sz="3200" spc="-1" strike="noStrike">
-              <a:solidFill>
-                <a:srgbClr val="000000"/>
-              </a:solidFill>
-              <a:latin typeface="Calibri"/>
+              <a:latin typeface="Arial"/>
             </a:endParaRPr>
           </a:p>
         </p:txBody>
@@ -2831,7 +2867,7 @@
       </p:grpSpPr>
       <p:sp>
         <p:nvSpPr>
-          <p:cNvPr id="50" name="PlaceHolder 1"/>
+          <p:cNvPr id="44" name="PlaceHolder 1"/>
           <p:cNvSpPr>
             <a:spLocks noGrp="1"/>
           </p:cNvSpPr>
@@ -2841,8 +2877,8 @@
         </p:nvSpPr>
         <p:spPr>
           <a:xfrm>
-            <a:off x="457200" y="274680"/>
-            <a:ext cx="8229240" cy="1142640"/>
+            <a:off x="457200" y="273600"/>
+            <a:ext cx="8229240" cy="1144800"/>
           </a:xfrm>
           <a:prstGeom prst="rect">
             <a:avLst/>
@@ -2853,18 +2889,16 @@
             <a:noAutofit/>
           </a:bodyPr>
           <a:p>
-            <a:endParaRPr b="0" lang="en-US" sz="1800" spc="-1" strike="noStrike">
-              <a:solidFill>
-                <a:srgbClr val="000000"/>
-              </a:solidFill>
-              <a:latin typeface="Calibri"/>
-            </a:endParaRPr>
-          </a:p>
-        </p:txBody>
-      </p:sp>
-      <p:sp>
-        <p:nvSpPr>
-          <p:cNvPr id="51" name="PlaceHolder 2"/>
+            <a:pPr algn="ctr"/>
+            <a:endParaRPr b="0" lang="en-US" sz="4400" spc="-1" strike="noStrike">
+              <a:latin typeface="Arial"/>
+            </a:endParaRPr>
+          </a:p>
+        </p:txBody>
+      </p:sp>
+      <p:sp>
+        <p:nvSpPr>
+          <p:cNvPr id="45" name="PlaceHolder 2"/>
           <p:cNvSpPr>
             <a:spLocks noGrp="1"/>
           </p:cNvSpPr>
@@ -2874,8 +2908,8 @@
         </p:nvSpPr>
         <p:spPr>
           <a:xfrm>
-            <a:off x="457200" y="1600200"/>
-            <a:ext cx="4015800" cy="4525560"/>
+            <a:off x="457200" y="1604520"/>
+            <a:ext cx="4015800" cy="3977280"/>
           </a:xfrm>
           <a:prstGeom prst="rect">
             <a:avLst/>
@@ -2887,17 +2921,14 @@
           </a:bodyPr>
           <a:p>
             <a:endParaRPr b="0" lang="en-US" sz="3200" spc="-1" strike="noStrike">
-              <a:solidFill>
-                <a:srgbClr val="000000"/>
-              </a:solidFill>
-              <a:latin typeface="Calibri"/>
-            </a:endParaRPr>
-          </a:p>
-        </p:txBody>
-      </p:sp>
-      <p:sp>
-        <p:nvSpPr>
-          <p:cNvPr id="52" name="PlaceHolder 3"/>
+              <a:latin typeface="Arial"/>
+            </a:endParaRPr>
+          </a:p>
+        </p:txBody>
+      </p:sp>
+      <p:sp>
+        <p:nvSpPr>
+          <p:cNvPr id="46" name="PlaceHolder 3"/>
           <p:cNvSpPr>
             <a:spLocks noGrp="1"/>
           </p:cNvSpPr>
@@ -2907,8 +2938,8 @@
         </p:nvSpPr>
         <p:spPr>
           <a:xfrm>
-            <a:off x="4674240" y="1600200"/>
-            <a:ext cx="4015800" cy="4525560"/>
+            <a:off x="4674240" y="1604520"/>
+            <a:ext cx="4015800" cy="3977280"/>
           </a:xfrm>
           <a:prstGeom prst="rect">
             <a:avLst/>
@@ -2920,10 +2951,7 @@
           </a:bodyPr>
           <a:p>
             <a:endParaRPr b="0" lang="en-US" sz="3200" spc="-1" strike="noStrike">
-              <a:solidFill>
-                <a:srgbClr val="000000"/>
-              </a:solidFill>
-              <a:latin typeface="Calibri"/>
+              <a:latin typeface="Arial"/>
             </a:endParaRPr>
           </a:p>
         </p:txBody>
@@ -2952,7 +2980,7 @@
       </p:grpSpPr>
       <p:sp>
         <p:nvSpPr>
-          <p:cNvPr id="53" name="PlaceHolder 1"/>
+          <p:cNvPr id="47" name="PlaceHolder 1"/>
           <p:cNvSpPr>
             <a:spLocks noGrp="1"/>
           </p:cNvSpPr>
@@ -2962,8 +2990,8 @@
         </p:nvSpPr>
         <p:spPr>
           <a:xfrm>
-            <a:off x="457200" y="274680"/>
-            <a:ext cx="8229240" cy="1142640"/>
+            <a:off x="457200" y="273600"/>
+            <a:ext cx="8229240" cy="1144800"/>
           </a:xfrm>
           <a:prstGeom prst="rect">
             <a:avLst/>
@@ -2974,11 +3002,9 @@
             <a:noAutofit/>
           </a:bodyPr>
           <a:p>
-            <a:endParaRPr b="0" lang="en-US" sz="1800" spc="-1" strike="noStrike">
-              <a:solidFill>
-                <a:srgbClr val="000000"/>
-              </a:solidFill>
-              <a:latin typeface="Calibri"/>
+            <a:pPr algn="ctr"/>
+            <a:endParaRPr b="0" lang="en-US" sz="4400" spc="-1" strike="noStrike">
+              <a:latin typeface="Arial"/>
             </a:endParaRPr>
           </a:p>
         </p:txBody>
@@ -3007,7 +3033,7 @@
       </p:grpSpPr>
       <p:sp>
         <p:nvSpPr>
-          <p:cNvPr id="54" name="PlaceHolder 1"/>
+          <p:cNvPr id="48" name="PlaceHolder 1"/>
           <p:cNvSpPr>
             <a:spLocks noGrp="1"/>
           </p:cNvSpPr>
@@ -3017,8 +3043,8 @@
         </p:nvSpPr>
         <p:spPr>
           <a:xfrm>
-            <a:off x="457200" y="274680"/>
-            <a:ext cx="8229240" cy="5297760"/>
+            <a:off x="457200" y="273600"/>
+            <a:ext cx="8229240" cy="5307840"/>
           </a:xfrm>
           <a:prstGeom prst="rect">
             <a:avLst/>
@@ -3060,7 +3086,7 @@
       </p:grpSpPr>
       <p:sp>
         <p:nvSpPr>
-          <p:cNvPr id="55" name="PlaceHolder 1"/>
+          <p:cNvPr id="49" name="PlaceHolder 1"/>
           <p:cNvSpPr>
             <a:spLocks noGrp="1"/>
           </p:cNvSpPr>
@@ -3070,8 +3096,8 @@
         </p:nvSpPr>
         <p:spPr>
           <a:xfrm>
-            <a:off x="457200" y="274680"/>
-            <a:ext cx="8229240" cy="1142640"/>
+            <a:off x="457200" y="273600"/>
+            <a:ext cx="8229240" cy="1144800"/>
           </a:xfrm>
           <a:prstGeom prst="rect">
             <a:avLst/>
@@ -3082,18 +3108,16 @@
             <a:noAutofit/>
           </a:bodyPr>
           <a:p>
-            <a:endParaRPr b="0" lang="en-US" sz="1800" spc="-1" strike="noStrike">
-              <a:solidFill>
-                <a:srgbClr val="000000"/>
-              </a:solidFill>
-              <a:latin typeface="Calibri"/>
-            </a:endParaRPr>
-          </a:p>
-        </p:txBody>
-      </p:sp>
-      <p:sp>
-        <p:nvSpPr>
-          <p:cNvPr id="56" name="PlaceHolder 2"/>
+            <a:pPr algn="ctr"/>
+            <a:endParaRPr b="0" lang="en-US" sz="4400" spc="-1" strike="noStrike">
+              <a:latin typeface="Arial"/>
+            </a:endParaRPr>
+          </a:p>
+        </p:txBody>
+      </p:sp>
+      <p:sp>
+        <p:nvSpPr>
+          <p:cNvPr id="50" name="PlaceHolder 2"/>
           <p:cNvSpPr>
             <a:spLocks noGrp="1"/>
           </p:cNvSpPr>
@@ -3103,8 +3127,8 @@
         </p:nvSpPr>
         <p:spPr>
           <a:xfrm>
-            <a:off x="457200" y="1600200"/>
-            <a:ext cx="4015800" cy="2158560"/>
+            <a:off x="457200" y="1604520"/>
+            <a:ext cx="4015800" cy="1896840"/>
           </a:xfrm>
           <a:prstGeom prst="rect">
             <a:avLst/>
@@ -3116,17 +3140,14 @@
           </a:bodyPr>
           <a:p>
             <a:endParaRPr b="0" lang="en-US" sz="3200" spc="-1" strike="noStrike">
-              <a:solidFill>
-                <a:srgbClr val="000000"/>
-              </a:solidFill>
-              <a:latin typeface="Calibri"/>
-            </a:endParaRPr>
-          </a:p>
-        </p:txBody>
-      </p:sp>
-      <p:sp>
-        <p:nvSpPr>
-          <p:cNvPr id="57" name="PlaceHolder 3"/>
+              <a:latin typeface="Arial"/>
+            </a:endParaRPr>
+          </a:p>
+        </p:txBody>
+      </p:sp>
+      <p:sp>
+        <p:nvSpPr>
+          <p:cNvPr id="51" name="PlaceHolder 3"/>
           <p:cNvSpPr>
             <a:spLocks noGrp="1"/>
           </p:cNvSpPr>
@@ -3136,8 +3157,8 @@
         </p:nvSpPr>
         <p:spPr>
           <a:xfrm>
-            <a:off x="4674240" y="1600200"/>
-            <a:ext cx="4015800" cy="4525560"/>
+            <a:off x="4674240" y="1604520"/>
+            <a:ext cx="4015800" cy="3977280"/>
           </a:xfrm>
           <a:prstGeom prst="rect">
             <a:avLst/>
@@ -3149,17 +3170,14 @@
           </a:bodyPr>
           <a:p>
             <a:endParaRPr b="0" lang="en-US" sz="3200" spc="-1" strike="noStrike">
-              <a:solidFill>
-                <a:srgbClr val="000000"/>
-              </a:solidFill>
-              <a:latin typeface="Calibri"/>
-            </a:endParaRPr>
-          </a:p>
-        </p:txBody>
-      </p:sp>
-      <p:sp>
-        <p:nvSpPr>
-          <p:cNvPr id="58" name="PlaceHolder 4"/>
+              <a:latin typeface="Arial"/>
+            </a:endParaRPr>
+          </a:p>
+        </p:txBody>
+      </p:sp>
+      <p:sp>
+        <p:nvSpPr>
+          <p:cNvPr id="52" name="PlaceHolder 4"/>
           <p:cNvSpPr>
             <a:spLocks noGrp="1"/>
           </p:cNvSpPr>
@@ -3169,8 +3187,8 @@
         </p:nvSpPr>
         <p:spPr>
           <a:xfrm>
-            <a:off x="457200" y="3964320"/>
-            <a:ext cx="4015800" cy="2158560"/>
+            <a:off x="457200" y="3682080"/>
+            <a:ext cx="4015800" cy="1896840"/>
           </a:xfrm>
           <a:prstGeom prst="rect">
             <a:avLst/>
@@ -3182,10 +3200,7 @@
           </a:bodyPr>
           <a:p>
             <a:endParaRPr b="0" lang="en-US" sz="3200" spc="-1" strike="noStrike">
-              <a:solidFill>
-                <a:srgbClr val="000000"/>
-              </a:solidFill>
-              <a:latin typeface="Calibri"/>
+              <a:latin typeface="Arial"/>
             </a:endParaRPr>
           </a:p>
         </p:txBody>
@@ -3214,7 +3229,7 @@
       </p:grpSpPr>
       <p:sp>
         <p:nvSpPr>
-          <p:cNvPr id="5" name="PlaceHolder 1"/>
+          <p:cNvPr id="2" name="PlaceHolder 1"/>
           <p:cNvSpPr>
             <a:spLocks noGrp="1"/>
           </p:cNvSpPr>
@@ -3224,8 +3239,8 @@
         </p:nvSpPr>
         <p:spPr>
           <a:xfrm>
-            <a:off x="457200" y="274680"/>
-            <a:ext cx="8229240" cy="1142640"/>
+            <a:off x="457200" y="273600"/>
+            <a:ext cx="8229240" cy="1144800"/>
           </a:xfrm>
           <a:prstGeom prst="rect">
             <a:avLst/>
@@ -3236,18 +3251,16 @@
             <a:noAutofit/>
           </a:bodyPr>
           <a:p>
-            <a:endParaRPr b="0" lang="en-US" sz="1800" spc="-1" strike="noStrike">
-              <a:solidFill>
-                <a:srgbClr val="000000"/>
-              </a:solidFill>
-              <a:latin typeface="Calibri"/>
-            </a:endParaRPr>
-          </a:p>
-        </p:txBody>
-      </p:sp>
-      <p:sp>
-        <p:nvSpPr>
-          <p:cNvPr id="6" name="PlaceHolder 2"/>
+            <a:pPr algn="ctr"/>
+            <a:endParaRPr b="0" lang="en-US" sz="4400" spc="-1" strike="noStrike">
+              <a:latin typeface="Arial"/>
+            </a:endParaRPr>
+          </a:p>
+        </p:txBody>
+      </p:sp>
+      <p:sp>
+        <p:nvSpPr>
+          <p:cNvPr id="3" name="PlaceHolder 2"/>
           <p:cNvSpPr>
             <a:spLocks noGrp="1"/>
           </p:cNvSpPr>
@@ -3257,8 +3270,8 @@
         </p:nvSpPr>
         <p:spPr>
           <a:xfrm>
-            <a:off x="457200" y="1600200"/>
-            <a:ext cx="8229240" cy="4525560"/>
+            <a:off x="457200" y="1604520"/>
+            <a:ext cx="8229240" cy="3977280"/>
           </a:xfrm>
           <a:prstGeom prst="rect">
             <a:avLst/>
@@ -3300,7 +3313,7 @@
       </p:grpSpPr>
       <p:sp>
         <p:nvSpPr>
-          <p:cNvPr id="59" name="PlaceHolder 1"/>
+          <p:cNvPr id="53" name="PlaceHolder 1"/>
           <p:cNvSpPr>
             <a:spLocks noGrp="1"/>
           </p:cNvSpPr>
@@ -3310,8 +3323,8 @@
         </p:nvSpPr>
         <p:spPr>
           <a:xfrm>
-            <a:off x="457200" y="274680"/>
-            <a:ext cx="8229240" cy="1142640"/>
+            <a:off x="457200" y="273600"/>
+            <a:ext cx="8229240" cy="1144800"/>
           </a:xfrm>
           <a:prstGeom prst="rect">
             <a:avLst/>
@@ -3322,18 +3335,16 @@
             <a:noAutofit/>
           </a:bodyPr>
           <a:p>
-            <a:endParaRPr b="0" lang="en-US" sz="1800" spc="-1" strike="noStrike">
-              <a:solidFill>
-                <a:srgbClr val="000000"/>
-              </a:solidFill>
-              <a:latin typeface="Calibri"/>
-            </a:endParaRPr>
-          </a:p>
-        </p:txBody>
-      </p:sp>
-      <p:sp>
-        <p:nvSpPr>
-          <p:cNvPr id="60" name="PlaceHolder 2"/>
+            <a:pPr algn="ctr"/>
+            <a:endParaRPr b="0" lang="en-US" sz="4400" spc="-1" strike="noStrike">
+              <a:latin typeface="Arial"/>
+            </a:endParaRPr>
+          </a:p>
+        </p:txBody>
+      </p:sp>
+      <p:sp>
+        <p:nvSpPr>
+          <p:cNvPr id="54" name="PlaceHolder 2"/>
           <p:cNvSpPr>
             <a:spLocks noGrp="1"/>
           </p:cNvSpPr>
@@ -3343,8 +3354,8 @@
         </p:nvSpPr>
         <p:spPr>
           <a:xfrm>
-            <a:off x="457200" y="1600200"/>
-            <a:ext cx="4015800" cy="4525560"/>
+            <a:off x="457200" y="1604520"/>
+            <a:ext cx="4015800" cy="3977280"/>
           </a:xfrm>
           <a:prstGeom prst="rect">
             <a:avLst/>
@@ -3356,17 +3367,14 @@
           </a:bodyPr>
           <a:p>
             <a:endParaRPr b="0" lang="en-US" sz="3200" spc="-1" strike="noStrike">
-              <a:solidFill>
-                <a:srgbClr val="000000"/>
-              </a:solidFill>
-              <a:latin typeface="Calibri"/>
-            </a:endParaRPr>
-          </a:p>
-        </p:txBody>
-      </p:sp>
-      <p:sp>
-        <p:nvSpPr>
-          <p:cNvPr id="61" name="PlaceHolder 3"/>
+              <a:latin typeface="Arial"/>
+            </a:endParaRPr>
+          </a:p>
+        </p:txBody>
+      </p:sp>
+      <p:sp>
+        <p:nvSpPr>
+          <p:cNvPr id="55" name="PlaceHolder 3"/>
           <p:cNvSpPr>
             <a:spLocks noGrp="1"/>
           </p:cNvSpPr>
@@ -3376,8 +3384,8 @@
         </p:nvSpPr>
         <p:spPr>
           <a:xfrm>
-            <a:off x="4674240" y="1600200"/>
-            <a:ext cx="4015800" cy="2158560"/>
+            <a:off x="4674240" y="1604520"/>
+            <a:ext cx="4015800" cy="1896840"/>
           </a:xfrm>
           <a:prstGeom prst="rect">
             <a:avLst/>
@@ -3389,17 +3397,14 @@
           </a:bodyPr>
           <a:p>
             <a:endParaRPr b="0" lang="en-US" sz="3200" spc="-1" strike="noStrike">
-              <a:solidFill>
-                <a:srgbClr val="000000"/>
-              </a:solidFill>
-              <a:latin typeface="Calibri"/>
-            </a:endParaRPr>
-          </a:p>
-        </p:txBody>
-      </p:sp>
-      <p:sp>
-        <p:nvSpPr>
-          <p:cNvPr id="62" name="PlaceHolder 4"/>
+              <a:latin typeface="Arial"/>
+            </a:endParaRPr>
+          </a:p>
+        </p:txBody>
+      </p:sp>
+      <p:sp>
+        <p:nvSpPr>
+          <p:cNvPr id="56" name="PlaceHolder 4"/>
           <p:cNvSpPr>
             <a:spLocks noGrp="1"/>
           </p:cNvSpPr>
@@ -3409,8 +3414,8 @@
         </p:nvSpPr>
         <p:spPr>
           <a:xfrm>
-            <a:off x="4674240" y="3964320"/>
-            <a:ext cx="4015800" cy="2158560"/>
+            <a:off x="4674240" y="3682080"/>
+            <a:ext cx="4015800" cy="1896840"/>
           </a:xfrm>
           <a:prstGeom prst="rect">
             <a:avLst/>
@@ -3422,10 +3427,7 @@
           </a:bodyPr>
           <a:p>
             <a:endParaRPr b="0" lang="en-US" sz="3200" spc="-1" strike="noStrike">
-              <a:solidFill>
-                <a:srgbClr val="000000"/>
-              </a:solidFill>
-              <a:latin typeface="Calibri"/>
+              <a:latin typeface="Arial"/>
             </a:endParaRPr>
           </a:p>
         </p:txBody>
@@ -3454,7 +3456,7 @@
       </p:grpSpPr>
       <p:sp>
         <p:nvSpPr>
-          <p:cNvPr id="63" name="PlaceHolder 1"/>
+          <p:cNvPr id="57" name="PlaceHolder 1"/>
           <p:cNvSpPr>
             <a:spLocks noGrp="1"/>
           </p:cNvSpPr>
@@ -3464,8 +3466,8 @@
         </p:nvSpPr>
         <p:spPr>
           <a:xfrm>
-            <a:off x="457200" y="274680"/>
-            <a:ext cx="8229240" cy="1142640"/>
+            <a:off x="457200" y="273600"/>
+            <a:ext cx="8229240" cy="1144800"/>
           </a:xfrm>
           <a:prstGeom prst="rect">
             <a:avLst/>
@@ -3476,18 +3478,16 @@
             <a:noAutofit/>
           </a:bodyPr>
           <a:p>
-            <a:endParaRPr b="0" lang="en-US" sz="1800" spc="-1" strike="noStrike">
-              <a:solidFill>
-                <a:srgbClr val="000000"/>
-              </a:solidFill>
-              <a:latin typeface="Calibri"/>
-            </a:endParaRPr>
-          </a:p>
-        </p:txBody>
-      </p:sp>
-      <p:sp>
-        <p:nvSpPr>
-          <p:cNvPr id="64" name="PlaceHolder 2"/>
+            <a:pPr algn="ctr"/>
+            <a:endParaRPr b="0" lang="en-US" sz="4400" spc="-1" strike="noStrike">
+              <a:latin typeface="Arial"/>
+            </a:endParaRPr>
+          </a:p>
+        </p:txBody>
+      </p:sp>
+      <p:sp>
+        <p:nvSpPr>
+          <p:cNvPr id="58" name="PlaceHolder 2"/>
           <p:cNvSpPr>
             <a:spLocks noGrp="1"/>
           </p:cNvSpPr>
@@ -3497,8 +3497,8 @@
         </p:nvSpPr>
         <p:spPr>
           <a:xfrm>
-            <a:off x="457200" y="1600200"/>
-            <a:ext cx="4015800" cy="2158560"/>
+            <a:off x="457200" y="1604520"/>
+            <a:ext cx="4015800" cy="1896840"/>
           </a:xfrm>
           <a:prstGeom prst="rect">
             <a:avLst/>
@@ -3510,17 +3510,14 @@
           </a:bodyPr>
           <a:p>
             <a:endParaRPr b="0" lang="en-US" sz="3200" spc="-1" strike="noStrike">
-              <a:solidFill>
-                <a:srgbClr val="000000"/>
-              </a:solidFill>
-              <a:latin typeface="Calibri"/>
-            </a:endParaRPr>
-          </a:p>
-        </p:txBody>
-      </p:sp>
-      <p:sp>
-        <p:nvSpPr>
-          <p:cNvPr id="65" name="PlaceHolder 3"/>
+              <a:latin typeface="Arial"/>
+            </a:endParaRPr>
+          </a:p>
+        </p:txBody>
+      </p:sp>
+      <p:sp>
+        <p:nvSpPr>
+          <p:cNvPr id="59" name="PlaceHolder 3"/>
           <p:cNvSpPr>
             <a:spLocks noGrp="1"/>
           </p:cNvSpPr>
@@ -3530,8 +3527,8 @@
         </p:nvSpPr>
         <p:spPr>
           <a:xfrm>
-            <a:off x="4674240" y="1600200"/>
-            <a:ext cx="4015800" cy="2158560"/>
+            <a:off x="4674240" y="1604520"/>
+            <a:ext cx="4015800" cy="1896840"/>
           </a:xfrm>
           <a:prstGeom prst="rect">
             <a:avLst/>
@@ -3543,17 +3540,14 @@
           </a:bodyPr>
           <a:p>
             <a:endParaRPr b="0" lang="en-US" sz="3200" spc="-1" strike="noStrike">
-              <a:solidFill>
-                <a:srgbClr val="000000"/>
-              </a:solidFill>
-              <a:latin typeface="Calibri"/>
-            </a:endParaRPr>
-          </a:p>
-        </p:txBody>
-      </p:sp>
-      <p:sp>
-        <p:nvSpPr>
-          <p:cNvPr id="66" name="PlaceHolder 4"/>
+              <a:latin typeface="Arial"/>
+            </a:endParaRPr>
+          </a:p>
+        </p:txBody>
+      </p:sp>
+      <p:sp>
+        <p:nvSpPr>
+          <p:cNvPr id="60" name="PlaceHolder 4"/>
           <p:cNvSpPr>
             <a:spLocks noGrp="1"/>
           </p:cNvSpPr>
@@ -3563,8 +3557,8 @@
         </p:nvSpPr>
         <p:spPr>
           <a:xfrm>
-            <a:off x="457200" y="3964320"/>
-            <a:ext cx="8229240" cy="2158560"/>
+            <a:off x="457200" y="3682080"/>
+            <a:ext cx="8229240" cy="1896840"/>
           </a:xfrm>
           <a:prstGeom prst="rect">
             <a:avLst/>
@@ -3576,10 +3570,7 @@
           </a:bodyPr>
           <a:p>
             <a:endParaRPr b="0" lang="en-US" sz="3200" spc="-1" strike="noStrike">
-              <a:solidFill>
-                <a:srgbClr val="000000"/>
-              </a:solidFill>
-              <a:latin typeface="Calibri"/>
+              <a:latin typeface="Arial"/>
             </a:endParaRPr>
           </a:p>
         </p:txBody>
@@ -3608,7 +3599,7 @@
       </p:grpSpPr>
       <p:sp>
         <p:nvSpPr>
-          <p:cNvPr id="67" name="PlaceHolder 1"/>
+          <p:cNvPr id="61" name="PlaceHolder 1"/>
           <p:cNvSpPr>
             <a:spLocks noGrp="1"/>
           </p:cNvSpPr>
@@ -3618,8 +3609,8 @@
         </p:nvSpPr>
         <p:spPr>
           <a:xfrm>
-            <a:off x="457200" y="274680"/>
-            <a:ext cx="8229240" cy="1142640"/>
+            <a:off x="457200" y="273600"/>
+            <a:ext cx="8229240" cy="1144800"/>
           </a:xfrm>
           <a:prstGeom prst="rect">
             <a:avLst/>
@@ -3630,18 +3621,16 @@
             <a:noAutofit/>
           </a:bodyPr>
           <a:p>
-            <a:endParaRPr b="0" lang="en-US" sz="1800" spc="-1" strike="noStrike">
-              <a:solidFill>
-                <a:srgbClr val="000000"/>
-              </a:solidFill>
-              <a:latin typeface="Calibri"/>
-            </a:endParaRPr>
-          </a:p>
-        </p:txBody>
-      </p:sp>
-      <p:sp>
-        <p:nvSpPr>
-          <p:cNvPr id="68" name="PlaceHolder 2"/>
+            <a:pPr algn="ctr"/>
+            <a:endParaRPr b="0" lang="en-US" sz="4400" spc="-1" strike="noStrike">
+              <a:latin typeface="Arial"/>
+            </a:endParaRPr>
+          </a:p>
+        </p:txBody>
+      </p:sp>
+      <p:sp>
+        <p:nvSpPr>
+          <p:cNvPr id="62" name="PlaceHolder 2"/>
           <p:cNvSpPr>
             <a:spLocks noGrp="1"/>
           </p:cNvSpPr>
@@ -3651,8 +3640,8 @@
         </p:nvSpPr>
         <p:spPr>
           <a:xfrm>
-            <a:off x="457200" y="1600200"/>
-            <a:ext cx="8229240" cy="2158560"/>
+            <a:off x="457200" y="1604520"/>
+            <a:ext cx="8229240" cy="1896840"/>
           </a:xfrm>
           <a:prstGeom prst="rect">
             <a:avLst/>
@@ -3664,17 +3653,14 @@
           </a:bodyPr>
           <a:p>
             <a:endParaRPr b="0" lang="en-US" sz="3200" spc="-1" strike="noStrike">
-              <a:solidFill>
-                <a:srgbClr val="000000"/>
-              </a:solidFill>
-              <a:latin typeface="Calibri"/>
-            </a:endParaRPr>
-          </a:p>
-        </p:txBody>
-      </p:sp>
-      <p:sp>
-        <p:nvSpPr>
-          <p:cNvPr id="69" name="PlaceHolder 3"/>
+              <a:latin typeface="Arial"/>
+            </a:endParaRPr>
+          </a:p>
+        </p:txBody>
+      </p:sp>
+      <p:sp>
+        <p:nvSpPr>
+          <p:cNvPr id="63" name="PlaceHolder 3"/>
           <p:cNvSpPr>
             <a:spLocks noGrp="1"/>
           </p:cNvSpPr>
@@ -3684,8 +3670,8 @@
         </p:nvSpPr>
         <p:spPr>
           <a:xfrm>
-            <a:off x="457200" y="3964320"/>
-            <a:ext cx="8229240" cy="2158560"/>
+            <a:off x="457200" y="3682080"/>
+            <a:ext cx="8229240" cy="1896840"/>
           </a:xfrm>
           <a:prstGeom prst="rect">
             <a:avLst/>
@@ -3697,10 +3683,7 @@
           </a:bodyPr>
           <a:p>
             <a:endParaRPr b="0" lang="en-US" sz="3200" spc="-1" strike="noStrike">
-              <a:solidFill>
-                <a:srgbClr val="000000"/>
-              </a:solidFill>
-              <a:latin typeface="Calibri"/>
+              <a:latin typeface="Arial"/>
             </a:endParaRPr>
           </a:p>
         </p:txBody>
@@ -3729,7 +3712,7 @@
       </p:grpSpPr>
       <p:sp>
         <p:nvSpPr>
-          <p:cNvPr id="70" name="PlaceHolder 1"/>
+          <p:cNvPr id="64" name="PlaceHolder 1"/>
           <p:cNvSpPr>
             <a:spLocks noGrp="1"/>
           </p:cNvSpPr>
@@ -3739,8 +3722,8 @@
         </p:nvSpPr>
         <p:spPr>
           <a:xfrm>
-            <a:off x="457200" y="274680"/>
-            <a:ext cx="8229240" cy="1142640"/>
+            <a:off x="457200" y="273600"/>
+            <a:ext cx="8229240" cy="1144800"/>
           </a:xfrm>
           <a:prstGeom prst="rect">
             <a:avLst/>
@@ -3751,18 +3734,16 @@
             <a:noAutofit/>
           </a:bodyPr>
           <a:p>
-            <a:endParaRPr b="0" lang="en-US" sz="1800" spc="-1" strike="noStrike">
-              <a:solidFill>
-                <a:srgbClr val="000000"/>
-              </a:solidFill>
-              <a:latin typeface="Calibri"/>
-            </a:endParaRPr>
-          </a:p>
-        </p:txBody>
-      </p:sp>
-      <p:sp>
-        <p:nvSpPr>
-          <p:cNvPr id="71" name="PlaceHolder 2"/>
+            <a:pPr algn="ctr"/>
+            <a:endParaRPr b="0" lang="en-US" sz="4400" spc="-1" strike="noStrike">
+              <a:latin typeface="Arial"/>
+            </a:endParaRPr>
+          </a:p>
+        </p:txBody>
+      </p:sp>
+      <p:sp>
+        <p:nvSpPr>
+          <p:cNvPr id="65" name="PlaceHolder 2"/>
           <p:cNvSpPr>
             <a:spLocks noGrp="1"/>
           </p:cNvSpPr>
@@ -3772,8 +3753,8 @@
         </p:nvSpPr>
         <p:spPr>
           <a:xfrm>
-            <a:off x="457200" y="1600200"/>
-            <a:ext cx="4015800" cy="2158560"/>
+            <a:off x="457200" y="1604520"/>
+            <a:ext cx="4015800" cy="1896840"/>
           </a:xfrm>
           <a:prstGeom prst="rect">
             <a:avLst/>
@@ -3785,17 +3766,14 @@
           </a:bodyPr>
           <a:p>
             <a:endParaRPr b="0" lang="en-US" sz="3200" spc="-1" strike="noStrike">
-              <a:solidFill>
-                <a:srgbClr val="000000"/>
-              </a:solidFill>
-              <a:latin typeface="Calibri"/>
-            </a:endParaRPr>
-          </a:p>
-        </p:txBody>
-      </p:sp>
-      <p:sp>
-        <p:nvSpPr>
-          <p:cNvPr id="72" name="PlaceHolder 3"/>
+              <a:latin typeface="Arial"/>
+            </a:endParaRPr>
+          </a:p>
+        </p:txBody>
+      </p:sp>
+      <p:sp>
+        <p:nvSpPr>
+          <p:cNvPr id="66" name="PlaceHolder 3"/>
           <p:cNvSpPr>
             <a:spLocks noGrp="1"/>
           </p:cNvSpPr>
@@ -3805,8 +3783,8 @@
         </p:nvSpPr>
         <p:spPr>
           <a:xfrm>
-            <a:off x="4674240" y="1600200"/>
-            <a:ext cx="4015800" cy="2158560"/>
+            <a:off x="4674240" y="1604520"/>
+            <a:ext cx="4015800" cy="1896840"/>
           </a:xfrm>
           <a:prstGeom prst="rect">
             <a:avLst/>
@@ -3818,17 +3796,14 @@
           </a:bodyPr>
           <a:p>
             <a:endParaRPr b="0" lang="en-US" sz="3200" spc="-1" strike="noStrike">
-              <a:solidFill>
-                <a:srgbClr val="000000"/>
-              </a:solidFill>
-              <a:latin typeface="Calibri"/>
-            </a:endParaRPr>
-          </a:p>
-        </p:txBody>
-      </p:sp>
-      <p:sp>
-        <p:nvSpPr>
-          <p:cNvPr id="73" name="PlaceHolder 4"/>
+              <a:latin typeface="Arial"/>
+            </a:endParaRPr>
+          </a:p>
+        </p:txBody>
+      </p:sp>
+      <p:sp>
+        <p:nvSpPr>
+          <p:cNvPr id="67" name="PlaceHolder 4"/>
           <p:cNvSpPr>
             <a:spLocks noGrp="1"/>
           </p:cNvSpPr>
@@ -3838,8 +3813,8 @@
         </p:nvSpPr>
         <p:spPr>
           <a:xfrm>
-            <a:off x="457200" y="3964320"/>
-            <a:ext cx="4015800" cy="2158560"/>
+            <a:off x="457200" y="3682080"/>
+            <a:ext cx="4015800" cy="1896840"/>
           </a:xfrm>
           <a:prstGeom prst="rect">
             <a:avLst/>
@@ -3851,17 +3826,14 @@
           </a:bodyPr>
           <a:p>
             <a:endParaRPr b="0" lang="en-US" sz="3200" spc="-1" strike="noStrike">
-              <a:solidFill>
-                <a:srgbClr val="000000"/>
-              </a:solidFill>
-              <a:latin typeface="Calibri"/>
-            </a:endParaRPr>
-          </a:p>
-        </p:txBody>
-      </p:sp>
-      <p:sp>
-        <p:nvSpPr>
-          <p:cNvPr id="74" name="PlaceHolder 5"/>
+              <a:latin typeface="Arial"/>
+            </a:endParaRPr>
+          </a:p>
+        </p:txBody>
+      </p:sp>
+      <p:sp>
+        <p:nvSpPr>
+          <p:cNvPr id="68" name="PlaceHolder 5"/>
           <p:cNvSpPr>
             <a:spLocks noGrp="1"/>
           </p:cNvSpPr>
@@ -3871,8 +3843,8 @@
         </p:nvSpPr>
         <p:spPr>
           <a:xfrm>
-            <a:off x="4674240" y="3964320"/>
-            <a:ext cx="4015800" cy="2158560"/>
+            <a:off x="4674240" y="3682080"/>
+            <a:ext cx="4015800" cy="1896840"/>
           </a:xfrm>
           <a:prstGeom prst="rect">
             <a:avLst/>
@@ -3884,10 +3856,7 @@
           </a:bodyPr>
           <a:p>
             <a:endParaRPr b="0" lang="en-US" sz="3200" spc="-1" strike="noStrike">
-              <a:solidFill>
-                <a:srgbClr val="000000"/>
-              </a:solidFill>
-              <a:latin typeface="Calibri"/>
+              <a:latin typeface="Arial"/>
             </a:endParaRPr>
           </a:p>
         </p:txBody>
@@ -3916,7 +3885,7 @@
       </p:grpSpPr>
       <p:sp>
         <p:nvSpPr>
-          <p:cNvPr id="75" name="PlaceHolder 1"/>
+          <p:cNvPr id="69" name="PlaceHolder 1"/>
           <p:cNvSpPr>
             <a:spLocks noGrp="1"/>
           </p:cNvSpPr>
@@ -3926,8 +3895,8 @@
         </p:nvSpPr>
         <p:spPr>
           <a:xfrm>
-            <a:off x="457200" y="274680"/>
-            <a:ext cx="8229240" cy="1142640"/>
+            <a:off x="457200" y="273600"/>
+            <a:ext cx="8229240" cy="1144800"/>
           </a:xfrm>
           <a:prstGeom prst="rect">
             <a:avLst/>
@@ -3938,18 +3907,16 @@
             <a:noAutofit/>
           </a:bodyPr>
           <a:p>
-            <a:endParaRPr b="0" lang="en-US" sz="1800" spc="-1" strike="noStrike">
-              <a:solidFill>
-                <a:srgbClr val="000000"/>
-              </a:solidFill>
-              <a:latin typeface="Calibri"/>
-            </a:endParaRPr>
-          </a:p>
-        </p:txBody>
-      </p:sp>
-      <p:sp>
-        <p:nvSpPr>
-          <p:cNvPr id="76" name="PlaceHolder 2"/>
+            <a:pPr algn="ctr"/>
+            <a:endParaRPr b="0" lang="en-US" sz="4400" spc="-1" strike="noStrike">
+              <a:latin typeface="Arial"/>
+            </a:endParaRPr>
+          </a:p>
+        </p:txBody>
+      </p:sp>
+      <p:sp>
+        <p:nvSpPr>
+          <p:cNvPr id="70" name="PlaceHolder 2"/>
           <p:cNvSpPr>
             <a:spLocks noGrp="1"/>
           </p:cNvSpPr>
@@ -3959,8 +3926,8 @@
         </p:nvSpPr>
         <p:spPr>
           <a:xfrm>
-            <a:off x="457200" y="1600200"/>
-            <a:ext cx="2649600" cy="2158560"/>
+            <a:off x="457200" y="1604520"/>
+            <a:ext cx="2649600" cy="1896840"/>
           </a:xfrm>
           <a:prstGeom prst="rect">
             <a:avLst/>
@@ -3972,17 +3939,14 @@
           </a:bodyPr>
           <a:p>
             <a:endParaRPr b="0" lang="en-US" sz="3200" spc="-1" strike="noStrike">
-              <a:solidFill>
-                <a:srgbClr val="000000"/>
-              </a:solidFill>
-              <a:latin typeface="Calibri"/>
-            </a:endParaRPr>
-          </a:p>
-        </p:txBody>
-      </p:sp>
-      <p:sp>
-        <p:nvSpPr>
-          <p:cNvPr id="77" name="PlaceHolder 3"/>
+              <a:latin typeface="Arial"/>
+            </a:endParaRPr>
+          </a:p>
+        </p:txBody>
+      </p:sp>
+      <p:sp>
+        <p:nvSpPr>
+          <p:cNvPr id="71" name="PlaceHolder 3"/>
           <p:cNvSpPr>
             <a:spLocks noGrp="1"/>
           </p:cNvSpPr>
@@ -3992,8 +3956,8 @@
         </p:nvSpPr>
         <p:spPr>
           <a:xfrm>
-            <a:off x="3239640" y="1600200"/>
-            <a:ext cx="2649600" cy="2158560"/>
+            <a:off x="3239640" y="1604520"/>
+            <a:ext cx="2649600" cy="1896840"/>
           </a:xfrm>
           <a:prstGeom prst="rect">
             <a:avLst/>
@@ -4005,17 +3969,14 @@
           </a:bodyPr>
           <a:p>
             <a:endParaRPr b="0" lang="en-US" sz="3200" spc="-1" strike="noStrike">
-              <a:solidFill>
-                <a:srgbClr val="000000"/>
-              </a:solidFill>
-              <a:latin typeface="Calibri"/>
-            </a:endParaRPr>
-          </a:p>
-        </p:txBody>
-      </p:sp>
-      <p:sp>
-        <p:nvSpPr>
-          <p:cNvPr id="78" name="PlaceHolder 4"/>
+              <a:latin typeface="Arial"/>
+            </a:endParaRPr>
+          </a:p>
+        </p:txBody>
+      </p:sp>
+      <p:sp>
+        <p:nvSpPr>
+          <p:cNvPr id="72" name="PlaceHolder 4"/>
           <p:cNvSpPr>
             <a:spLocks noGrp="1"/>
           </p:cNvSpPr>
@@ -4025,8 +3986,8 @@
         </p:nvSpPr>
         <p:spPr>
           <a:xfrm>
-            <a:off x="6022080" y="1600200"/>
-            <a:ext cx="2649600" cy="2158560"/>
+            <a:off x="6022080" y="1604520"/>
+            <a:ext cx="2649600" cy="1896840"/>
           </a:xfrm>
           <a:prstGeom prst="rect">
             <a:avLst/>
@@ -4038,17 +3999,14 @@
           </a:bodyPr>
           <a:p>
             <a:endParaRPr b="0" lang="en-US" sz="3200" spc="-1" strike="noStrike">
-              <a:solidFill>
-                <a:srgbClr val="000000"/>
-              </a:solidFill>
-              <a:latin typeface="Calibri"/>
-            </a:endParaRPr>
-          </a:p>
-        </p:txBody>
-      </p:sp>
-      <p:sp>
-        <p:nvSpPr>
-          <p:cNvPr id="79" name="PlaceHolder 5"/>
+              <a:latin typeface="Arial"/>
+            </a:endParaRPr>
+          </a:p>
+        </p:txBody>
+      </p:sp>
+      <p:sp>
+        <p:nvSpPr>
+          <p:cNvPr id="73" name="PlaceHolder 5"/>
           <p:cNvSpPr>
             <a:spLocks noGrp="1"/>
           </p:cNvSpPr>
@@ -4058,8 +4016,8 @@
         </p:nvSpPr>
         <p:spPr>
           <a:xfrm>
-            <a:off x="457200" y="3964320"/>
-            <a:ext cx="2649600" cy="2158560"/>
+            <a:off x="457200" y="3682080"/>
+            <a:ext cx="2649600" cy="1896840"/>
           </a:xfrm>
           <a:prstGeom prst="rect">
             <a:avLst/>
@@ -4071,17 +4029,14 @@
           </a:bodyPr>
           <a:p>
             <a:endParaRPr b="0" lang="en-US" sz="3200" spc="-1" strike="noStrike">
-              <a:solidFill>
-                <a:srgbClr val="000000"/>
-              </a:solidFill>
-              <a:latin typeface="Calibri"/>
-            </a:endParaRPr>
-          </a:p>
-        </p:txBody>
-      </p:sp>
-      <p:sp>
-        <p:nvSpPr>
-          <p:cNvPr id="80" name="PlaceHolder 6"/>
+              <a:latin typeface="Arial"/>
+            </a:endParaRPr>
+          </a:p>
+        </p:txBody>
+      </p:sp>
+      <p:sp>
+        <p:nvSpPr>
+          <p:cNvPr id="74" name="PlaceHolder 6"/>
           <p:cNvSpPr>
             <a:spLocks noGrp="1"/>
           </p:cNvSpPr>
@@ -4091,8 +4046,8 @@
         </p:nvSpPr>
         <p:spPr>
           <a:xfrm>
-            <a:off x="3239640" y="3964320"/>
-            <a:ext cx="2649600" cy="2158560"/>
+            <a:off x="3239640" y="3682080"/>
+            <a:ext cx="2649600" cy="1896840"/>
           </a:xfrm>
           <a:prstGeom prst="rect">
             <a:avLst/>
@@ -4104,17 +4059,14 @@
           </a:bodyPr>
           <a:p>
             <a:endParaRPr b="0" lang="en-US" sz="3200" spc="-1" strike="noStrike">
-              <a:solidFill>
-                <a:srgbClr val="000000"/>
-              </a:solidFill>
-              <a:latin typeface="Calibri"/>
-            </a:endParaRPr>
-          </a:p>
-        </p:txBody>
-      </p:sp>
-      <p:sp>
-        <p:nvSpPr>
-          <p:cNvPr id="81" name="PlaceHolder 7"/>
+              <a:latin typeface="Arial"/>
+            </a:endParaRPr>
+          </a:p>
+        </p:txBody>
+      </p:sp>
+      <p:sp>
+        <p:nvSpPr>
+          <p:cNvPr id="75" name="PlaceHolder 7"/>
           <p:cNvSpPr>
             <a:spLocks noGrp="1"/>
           </p:cNvSpPr>
@@ -4124,8 +4076,8 @@
         </p:nvSpPr>
         <p:spPr>
           <a:xfrm>
-            <a:off x="6022080" y="3964320"/>
-            <a:ext cx="2649600" cy="2158560"/>
+            <a:off x="6022080" y="3682080"/>
+            <a:ext cx="2649600" cy="1896840"/>
           </a:xfrm>
           <a:prstGeom prst="rect">
             <a:avLst/>
@@ -4137,10 +4089,7 @@
           </a:bodyPr>
           <a:p>
             <a:endParaRPr b="0" lang="en-US" sz="3200" spc="-1" strike="noStrike">
-              <a:solidFill>
-                <a:srgbClr val="000000"/>
-              </a:solidFill>
-              <a:latin typeface="Calibri"/>
+              <a:latin typeface="Arial"/>
             </a:endParaRPr>
           </a:p>
         </p:txBody>
@@ -4169,7 +4118,7 @@
       </p:grpSpPr>
       <p:sp>
         <p:nvSpPr>
-          <p:cNvPr id="7" name="PlaceHolder 1"/>
+          <p:cNvPr id="4" name="PlaceHolder 1"/>
           <p:cNvSpPr>
             <a:spLocks noGrp="1"/>
           </p:cNvSpPr>
@@ -4179,8 +4128,8 @@
         </p:nvSpPr>
         <p:spPr>
           <a:xfrm>
-            <a:off x="457200" y="274680"/>
-            <a:ext cx="8229240" cy="1142640"/>
+            <a:off x="457200" y="273600"/>
+            <a:ext cx="8229240" cy="1144800"/>
           </a:xfrm>
           <a:prstGeom prst="rect">
             <a:avLst/>
@@ -4191,18 +4140,16 @@
             <a:noAutofit/>
           </a:bodyPr>
           <a:p>
-            <a:endParaRPr b="0" lang="en-US" sz="1800" spc="-1" strike="noStrike">
-              <a:solidFill>
-                <a:srgbClr val="000000"/>
-              </a:solidFill>
-              <a:latin typeface="Calibri"/>
-            </a:endParaRPr>
-          </a:p>
-        </p:txBody>
-      </p:sp>
-      <p:sp>
-        <p:nvSpPr>
-          <p:cNvPr id="8" name="PlaceHolder 2"/>
+            <a:pPr algn="ctr"/>
+            <a:endParaRPr b="0" lang="en-US" sz="4400" spc="-1" strike="noStrike">
+              <a:latin typeface="Arial"/>
+            </a:endParaRPr>
+          </a:p>
+        </p:txBody>
+      </p:sp>
+      <p:sp>
+        <p:nvSpPr>
+          <p:cNvPr id="5" name="PlaceHolder 2"/>
           <p:cNvSpPr>
             <a:spLocks noGrp="1"/>
           </p:cNvSpPr>
@@ -4212,8 +4159,8 @@
         </p:nvSpPr>
         <p:spPr>
           <a:xfrm>
-            <a:off x="457200" y="1600200"/>
-            <a:ext cx="8229240" cy="4525560"/>
+            <a:off x="457200" y="1604520"/>
+            <a:ext cx="8229240" cy="3977280"/>
           </a:xfrm>
           <a:prstGeom prst="rect">
             <a:avLst/>
@@ -4225,10 +4172,7 @@
           </a:bodyPr>
           <a:p>
             <a:endParaRPr b="0" lang="en-US" sz="3200" spc="-1" strike="noStrike">
-              <a:solidFill>
-                <a:srgbClr val="000000"/>
-              </a:solidFill>
-              <a:latin typeface="Calibri"/>
+              <a:latin typeface="Arial"/>
             </a:endParaRPr>
           </a:p>
         </p:txBody>
@@ -4257,7 +4201,7 @@
       </p:grpSpPr>
       <p:sp>
         <p:nvSpPr>
-          <p:cNvPr id="9" name="PlaceHolder 1"/>
+          <p:cNvPr id="6" name="PlaceHolder 1"/>
           <p:cNvSpPr>
             <a:spLocks noGrp="1"/>
           </p:cNvSpPr>
@@ -4267,8 +4211,8 @@
         </p:nvSpPr>
         <p:spPr>
           <a:xfrm>
-            <a:off x="457200" y="274680"/>
-            <a:ext cx="8229240" cy="1142640"/>
+            <a:off x="457200" y="273600"/>
+            <a:ext cx="8229240" cy="1144800"/>
           </a:xfrm>
           <a:prstGeom prst="rect">
             <a:avLst/>
@@ -4279,18 +4223,16 @@
             <a:noAutofit/>
           </a:bodyPr>
           <a:p>
-            <a:endParaRPr b="0" lang="en-US" sz="1800" spc="-1" strike="noStrike">
-              <a:solidFill>
-                <a:srgbClr val="000000"/>
-              </a:solidFill>
-              <a:latin typeface="Calibri"/>
-            </a:endParaRPr>
-          </a:p>
-        </p:txBody>
-      </p:sp>
-      <p:sp>
-        <p:nvSpPr>
-          <p:cNvPr id="10" name="PlaceHolder 2"/>
+            <a:pPr algn="ctr"/>
+            <a:endParaRPr b="0" lang="en-US" sz="4400" spc="-1" strike="noStrike">
+              <a:latin typeface="Arial"/>
+            </a:endParaRPr>
+          </a:p>
+        </p:txBody>
+      </p:sp>
+      <p:sp>
+        <p:nvSpPr>
+          <p:cNvPr id="7" name="PlaceHolder 2"/>
           <p:cNvSpPr>
             <a:spLocks noGrp="1"/>
           </p:cNvSpPr>
@@ -4300,8 +4242,8 @@
         </p:nvSpPr>
         <p:spPr>
           <a:xfrm>
-            <a:off x="457200" y="1600200"/>
-            <a:ext cx="4015800" cy="4525560"/>
+            <a:off x="457200" y="1604520"/>
+            <a:ext cx="4015800" cy="3977280"/>
           </a:xfrm>
           <a:prstGeom prst="rect">
             <a:avLst/>
@@ -4313,17 +4255,14 @@
           </a:bodyPr>
           <a:p>
             <a:endParaRPr b="0" lang="en-US" sz="3200" spc="-1" strike="noStrike">
-              <a:solidFill>
-                <a:srgbClr val="000000"/>
-              </a:solidFill>
-              <a:latin typeface="Calibri"/>
-            </a:endParaRPr>
-          </a:p>
-        </p:txBody>
-      </p:sp>
-      <p:sp>
-        <p:nvSpPr>
-          <p:cNvPr id="11" name="PlaceHolder 3"/>
+              <a:latin typeface="Arial"/>
+            </a:endParaRPr>
+          </a:p>
+        </p:txBody>
+      </p:sp>
+      <p:sp>
+        <p:nvSpPr>
+          <p:cNvPr id="8" name="PlaceHolder 3"/>
           <p:cNvSpPr>
             <a:spLocks noGrp="1"/>
           </p:cNvSpPr>
@@ -4333,8 +4272,8 @@
         </p:nvSpPr>
         <p:spPr>
           <a:xfrm>
-            <a:off x="4674240" y="1600200"/>
-            <a:ext cx="4015800" cy="4525560"/>
+            <a:off x="4674240" y="1604520"/>
+            <a:ext cx="4015800" cy="3977280"/>
           </a:xfrm>
           <a:prstGeom prst="rect">
             <a:avLst/>
@@ -4346,10 +4285,7 @@
           </a:bodyPr>
           <a:p>
             <a:endParaRPr b="0" lang="en-US" sz="3200" spc="-1" strike="noStrike">
-              <a:solidFill>
-                <a:srgbClr val="000000"/>
-              </a:solidFill>
-              <a:latin typeface="Calibri"/>
+              <a:latin typeface="Arial"/>
             </a:endParaRPr>
           </a:p>
         </p:txBody>
@@ -4378,7 +4314,7 @@
       </p:grpSpPr>
       <p:sp>
         <p:nvSpPr>
-          <p:cNvPr id="12" name="PlaceHolder 1"/>
+          <p:cNvPr id="9" name="PlaceHolder 1"/>
           <p:cNvSpPr>
             <a:spLocks noGrp="1"/>
           </p:cNvSpPr>
@@ -4388,8 +4324,8 @@
         </p:nvSpPr>
         <p:spPr>
           <a:xfrm>
-            <a:off x="457200" y="274680"/>
-            <a:ext cx="8229240" cy="1142640"/>
+            <a:off x="457200" y="273600"/>
+            <a:ext cx="8229240" cy="1144800"/>
           </a:xfrm>
           <a:prstGeom prst="rect">
             <a:avLst/>
@@ -4400,11 +4336,9 @@
             <a:noAutofit/>
           </a:bodyPr>
           <a:p>
-            <a:endParaRPr b="0" lang="en-US" sz="1800" spc="-1" strike="noStrike">
-              <a:solidFill>
-                <a:srgbClr val="000000"/>
-              </a:solidFill>
-              <a:latin typeface="Calibri"/>
+            <a:pPr algn="ctr"/>
+            <a:endParaRPr b="0" lang="en-US" sz="4400" spc="-1" strike="noStrike">
+              <a:latin typeface="Arial"/>
             </a:endParaRPr>
           </a:p>
         </p:txBody>
@@ -4433,7 +4367,7 @@
       </p:grpSpPr>
       <p:sp>
         <p:nvSpPr>
-          <p:cNvPr id="13" name="PlaceHolder 1"/>
+          <p:cNvPr id="10" name="PlaceHolder 1"/>
           <p:cNvSpPr>
             <a:spLocks noGrp="1"/>
           </p:cNvSpPr>
@@ -4443,8 +4377,8 @@
         </p:nvSpPr>
         <p:spPr>
           <a:xfrm>
-            <a:off x="457200" y="274680"/>
-            <a:ext cx="8229240" cy="5297760"/>
+            <a:off x="457200" y="273600"/>
+            <a:ext cx="8229240" cy="5307840"/>
           </a:xfrm>
           <a:prstGeom prst="rect">
             <a:avLst/>
@@ -4486,7 +4420,7 @@
       </p:grpSpPr>
       <p:sp>
         <p:nvSpPr>
-          <p:cNvPr id="14" name="PlaceHolder 1"/>
+          <p:cNvPr id="11" name="PlaceHolder 1"/>
           <p:cNvSpPr>
             <a:spLocks noGrp="1"/>
           </p:cNvSpPr>
@@ -4496,8 +4430,8 @@
         </p:nvSpPr>
         <p:spPr>
           <a:xfrm>
-            <a:off x="457200" y="274680"/>
-            <a:ext cx="8229240" cy="1142640"/>
+            <a:off x="457200" y="273600"/>
+            <a:ext cx="8229240" cy="1144800"/>
           </a:xfrm>
           <a:prstGeom prst="rect">
             <a:avLst/>
@@ -4508,18 +4442,16 @@
             <a:noAutofit/>
           </a:bodyPr>
           <a:p>
-            <a:endParaRPr b="0" lang="en-US" sz="1800" spc="-1" strike="noStrike">
-              <a:solidFill>
-                <a:srgbClr val="000000"/>
-              </a:solidFill>
-              <a:latin typeface="Calibri"/>
-            </a:endParaRPr>
-          </a:p>
-        </p:txBody>
-      </p:sp>
-      <p:sp>
-        <p:nvSpPr>
-          <p:cNvPr id="15" name="PlaceHolder 2"/>
+            <a:pPr algn="ctr"/>
+            <a:endParaRPr b="0" lang="en-US" sz="4400" spc="-1" strike="noStrike">
+              <a:latin typeface="Arial"/>
+            </a:endParaRPr>
+          </a:p>
+        </p:txBody>
+      </p:sp>
+      <p:sp>
+        <p:nvSpPr>
+          <p:cNvPr id="12" name="PlaceHolder 2"/>
           <p:cNvSpPr>
             <a:spLocks noGrp="1"/>
           </p:cNvSpPr>
@@ -4529,8 +4461,8 @@
         </p:nvSpPr>
         <p:spPr>
           <a:xfrm>
-            <a:off x="457200" y="1600200"/>
-            <a:ext cx="4015800" cy="2158560"/>
+            <a:off x="457200" y="1604520"/>
+            <a:ext cx="4015800" cy="1896840"/>
           </a:xfrm>
           <a:prstGeom prst="rect">
             <a:avLst/>
@@ -4542,17 +4474,14 @@
           </a:bodyPr>
           <a:p>
             <a:endParaRPr b="0" lang="en-US" sz="3200" spc="-1" strike="noStrike">
-              <a:solidFill>
-                <a:srgbClr val="000000"/>
-              </a:solidFill>
-              <a:latin typeface="Calibri"/>
-            </a:endParaRPr>
-          </a:p>
-        </p:txBody>
-      </p:sp>
-      <p:sp>
-        <p:nvSpPr>
-          <p:cNvPr id="16" name="PlaceHolder 3"/>
+              <a:latin typeface="Arial"/>
+            </a:endParaRPr>
+          </a:p>
+        </p:txBody>
+      </p:sp>
+      <p:sp>
+        <p:nvSpPr>
+          <p:cNvPr id="13" name="PlaceHolder 3"/>
           <p:cNvSpPr>
             <a:spLocks noGrp="1"/>
           </p:cNvSpPr>
@@ -4562,8 +4491,8 @@
         </p:nvSpPr>
         <p:spPr>
           <a:xfrm>
-            <a:off x="4674240" y="1600200"/>
-            <a:ext cx="4015800" cy="4525560"/>
+            <a:off x="4674240" y="1604520"/>
+            <a:ext cx="4015800" cy="3977280"/>
           </a:xfrm>
           <a:prstGeom prst="rect">
             <a:avLst/>
@@ -4575,17 +4504,14 @@
           </a:bodyPr>
           <a:p>
             <a:endParaRPr b="0" lang="en-US" sz="3200" spc="-1" strike="noStrike">
-              <a:solidFill>
-                <a:srgbClr val="000000"/>
-              </a:solidFill>
-              <a:latin typeface="Calibri"/>
-            </a:endParaRPr>
-          </a:p>
-        </p:txBody>
-      </p:sp>
-      <p:sp>
-        <p:nvSpPr>
-          <p:cNvPr id="17" name="PlaceHolder 4"/>
+              <a:latin typeface="Arial"/>
+            </a:endParaRPr>
+          </a:p>
+        </p:txBody>
+      </p:sp>
+      <p:sp>
+        <p:nvSpPr>
+          <p:cNvPr id="14" name="PlaceHolder 4"/>
           <p:cNvSpPr>
             <a:spLocks noGrp="1"/>
           </p:cNvSpPr>
@@ -4595,8 +4521,8 @@
         </p:nvSpPr>
         <p:spPr>
           <a:xfrm>
-            <a:off x="457200" y="3964320"/>
-            <a:ext cx="4015800" cy="2158560"/>
+            <a:off x="457200" y="3682080"/>
+            <a:ext cx="4015800" cy="1896840"/>
           </a:xfrm>
           <a:prstGeom prst="rect">
             <a:avLst/>
@@ -4608,10 +4534,7 @@
           </a:bodyPr>
           <a:p>
             <a:endParaRPr b="0" lang="en-US" sz="3200" spc="-1" strike="noStrike">
-              <a:solidFill>
-                <a:srgbClr val="000000"/>
-              </a:solidFill>
-              <a:latin typeface="Calibri"/>
+              <a:latin typeface="Arial"/>
             </a:endParaRPr>
           </a:p>
         </p:txBody>
@@ -4640,7 +4563,7 @@
       </p:grpSpPr>
       <p:sp>
         <p:nvSpPr>
-          <p:cNvPr id="18" name="PlaceHolder 1"/>
+          <p:cNvPr id="15" name="PlaceHolder 1"/>
           <p:cNvSpPr>
             <a:spLocks noGrp="1"/>
           </p:cNvSpPr>
@@ -4650,8 +4573,8 @@
         </p:nvSpPr>
         <p:spPr>
           <a:xfrm>
-            <a:off x="457200" y="274680"/>
-            <a:ext cx="8229240" cy="1142640"/>
+            <a:off x="457200" y="273600"/>
+            <a:ext cx="8229240" cy="1144800"/>
           </a:xfrm>
           <a:prstGeom prst="rect">
             <a:avLst/>
@@ -4662,18 +4585,16 @@
             <a:noAutofit/>
           </a:bodyPr>
           <a:p>
-            <a:endParaRPr b="0" lang="en-US" sz="1800" spc="-1" strike="noStrike">
-              <a:solidFill>
-                <a:srgbClr val="000000"/>
-              </a:solidFill>
-              <a:latin typeface="Calibri"/>
-            </a:endParaRPr>
-          </a:p>
-        </p:txBody>
-      </p:sp>
-      <p:sp>
-        <p:nvSpPr>
-          <p:cNvPr id="19" name="PlaceHolder 2"/>
+            <a:pPr algn="ctr"/>
+            <a:endParaRPr b="0" lang="en-US" sz="4400" spc="-1" strike="noStrike">
+              <a:latin typeface="Arial"/>
+            </a:endParaRPr>
+          </a:p>
+        </p:txBody>
+      </p:sp>
+      <p:sp>
+        <p:nvSpPr>
+          <p:cNvPr id="16" name="PlaceHolder 2"/>
           <p:cNvSpPr>
             <a:spLocks noGrp="1"/>
           </p:cNvSpPr>
@@ -4683,8 +4604,8 @@
         </p:nvSpPr>
         <p:spPr>
           <a:xfrm>
-            <a:off x="457200" y="1600200"/>
-            <a:ext cx="4015800" cy="4525560"/>
+            <a:off x="457200" y="1604520"/>
+            <a:ext cx="4015800" cy="3977280"/>
           </a:xfrm>
           <a:prstGeom prst="rect">
             <a:avLst/>
@@ -4696,17 +4617,14 @@
           </a:bodyPr>
           <a:p>
             <a:endParaRPr b="0" lang="en-US" sz="3200" spc="-1" strike="noStrike">
-              <a:solidFill>
-                <a:srgbClr val="000000"/>
-              </a:solidFill>
-              <a:latin typeface="Calibri"/>
-            </a:endParaRPr>
-          </a:p>
-        </p:txBody>
-      </p:sp>
-      <p:sp>
-        <p:nvSpPr>
-          <p:cNvPr id="20" name="PlaceHolder 3"/>
+              <a:latin typeface="Arial"/>
+            </a:endParaRPr>
+          </a:p>
+        </p:txBody>
+      </p:sp>
+      <p:sp>
+        <p:nvSpPr>
+          <p:cNvPr id="17" name="PlaceHolder 3"/>
           <p:cNvSpPr>
             <a:spLocks noGrp="1"/>
           </p:cNvSpPr>
@@ -4716,8 +4634,8 @@
         </p:nvSpPr>
         <p:spPr>
           <a:xfrm>
-            <a:off x="4674240" y="1600200"/>
-            <a:ext cx="4015800" cy="2158560"/>
+            <a:off x="4674240" y="1604520"/>
+            <a:ext cx="4015800" cy="1896840"/>
           </a:xfrm>
           <a:prstGeom prst="rect">
             <a:avLst/>
@@ -4729,17 +4647,14 @@
           </a:bodyPr>
           <a:p>
             <a:endParaRPr b="0" lang="en-US" sz="3200" spc="-1" strike="noStrike">
-              <a:solidFill>
-                <a:srgbClr val="000000"/>
-              </a:solidFill>
-              <a:latin typeface="Calibri"/>
-            </a:endParaRPr>
-          </a:p>
-        </p:txBody>
-      </p:sp>
-      <p:sp>
-        <p:nvSpPr>
-          <p:cNvPr id="21" name="PlaceHolder 4"/>
+              <a:latin typeface="Arial"/>
+            </a:endParaRPr>
+          </a:p>
+        </p:txBody>
+      </p:sp>
+      <p:sp>
+        <p:nvSpPr>
+          <p:cNvPr id="18" name="PlaceHolder 4"/>
           <p:cNvSpPr>
             <a:spLocks noGrp="1"/>
           </p:cNvSpPr>
@@ -4749,8 +4664,8 @@
         </p:nvSpPr>
         <p:spPr>
           <a:xfrm>
-            <a:off x="4674240" y="3964320"/>
-            <a:ext cx="4015800" cy="2158560"/>
+            <a:off x="4674240" y="3682080"/>
+            <a:ext cx="4015800" cy="1896840"/>
           </a:xfrm>
           <a:prstGeom prst="rect">
             <a:avLst/>
@@ -4762,10 +4677,7 @@
           </a:bodyPr>
           <a:p>
             <a:endParaRPr b="0" lang="en-US" sz="3200" spc="-1" strike="noStrike">
-              <a:solidFill>
-                <a:srgbClr val="000000"/>
-              </a:solidFill>
-              <a:latin typeface="Calibri"/>
+              <a:latin typeface="Arial"/>
             </a:endParaRPr>
           </a:p>
         </p:txBody>
@@ -4794,7 +4706,7 @@
       </p:grpSpPr>
       <p:sp>
         <p:nvSpPr>
-          <p:cNvPr id="22" name="PlaceHolder 1"/>
+          <p:cNvPr id="19" name="PlaceHolder 1"/>
           <p:cNvSpPr>
             <a:spLocks noGrp="1"/>
           </p:cNvSpPr>
@@ -4804,8 +4716,8 @@
         </p:nvSpPr>
         <p:spPr>
           <a:xfrm>
-            <a:off x="457200" y="274680"/>
-            <a:ext cx="8229240" cy="1142640"/>
+            <a:off x="457200" y="273600"/>
+            <a:ext cx="8229240" cy="1144800"/>
           </a:xfrm>
           <a:prstGeom prst="rect">
             <a:avLst/>
@@ -4816,18 +4728,16 @@
             <a:noAutofit/>
           </a:bodyPr>
           <a:p>
-            <a:endParaRPr b="0" lang="en-US" sz="1800" spc="-1" strike="noStrike">
-              <a:solidFill>
-                <a:srgbClr val="000000"/>
-              </a:solidFill>
-              <a:latin typeface="Calibri"/>
-            </a:endParaRPr>
-          </a:p>
-        </p:txBody>
-      </p:sp>
-      <p:sp>
-        <p:nvSpPr>
-          <p:cNvPr id="23" name="PlaceHolder 2"/>
+            <a:pPr algn="ctr"/>
+            <a:endParaRPr b="0" lang="en-US" sz="4400" spc="-1" strike="noStrike">
+              <a:latin typeface="Arial"/>
+            </a:endParaRPr>
+          </a:p>
+        </p:txBody>
+      </p:sp>
+      <p:sp>
+        <p:nvSpPr>
+          <p:cNvPr id="20" name="PlaceHolder 2"/>
           <p:cNvSpPr>
             <a:spLocks noGrp="1"/>
           </p:cNvSpPr>
@@ -4837,8 +4747,8 @@
         </p:nvSpPr>
         <p:spPr>
           <a:xfrm>
-            <a:off x="457200" y="1600200"/>
-            <a:ext cx="4015800" cy="2158560"/>
+            <a:off x="457200" y="1604520"/>
+            <a:ext cx="4015800" cy="1896840"/>
           </a:xfrm>
           <a:prstGeom prst="rect">
             <a:avLst/>
@@ -4850,17 +4760,14 @@
           </a:bodyPr>
           <a:p>
             <a:endParaRPr b="0" lang="en-US" sz="3200" spc="-1" strike="noStrike">
-              <a:solidFill>
-                <a:srgbClr val="000000"/>
-              </a:solidFill>
-              <a:latin typeface="Calibri"/>
-            </a:endParaRPr>
-          </a:p>
-        </p:txBody>
-      </p:sp>
-      <p:sp>
-        <p:nvSpPr>
-          <p:cNvPr id="24" name="PlaceHolder 3"/>
+              <a:latin typeface="Arial"/>
+            </a:endParaRPr>
+          </a:p>
+        </p:txBody>
+      </p:sp>
+      <p:sp>
+        <p:nvSpPr>
+          <p:cNvPr id="21" name="PlaceHolder 3"/>
           <p:cNvSpPr>
             <a:spLocks noGrp="1"/>
           </p:cNvSpPr>
@@ -4870,8 +4777,8 @@
         </p:nvSpPr>
         <p:spPr>
           <a:xfrm>
-            <a:off x="4674240" y="1600200"/>
-            <a:ext cx="4015800" cy="2158560"/>
+            <a:off x="4674240" y="1604520"/>
+            <a:ext cx="4015800" cy="1896840"/>
           </a:xfrm>
           <a:prstGeom prst="rect">
             <a:avLst/>
@@ -4883,17 +4790,14 @@
           </a:bodyPr>
           <a:p>
             <a:endParaRPr b="0" lang="en-US" sz="3200" spc="-1" strike="noStrike">
-              <a:solidFill>
-                <a:srgbClr val="000000"/>
-              </a:solidFill>
-              <a:latin typeface="Calibri"/>
-            </a:endParaRPr>
-          </a:p>
-        </p:txBody>
-      </p:sp>
-      <p:sp>
-        <p:nvSpPr>
-          <p:cNvPr id="25" name="PlaceHolder 4"/>
+              <a:latin typeface="Arial"/>
+            </a:endParaRPr>
+          </a:p>
+        </p:txBody>
+      </p:sp>
+      <p:sp>
+        <p:nvSpPr>
+          <p:cNvPr id="22" name="PlaceHolder 4"/>
           <p:cNvSpPr>
             <a:spLocks noGrp="1"/>
           </p:cNvSpPr>
@@ -4903,8 +4807,8 @@
         </p:nvSpPr>
         <p:spPr>
           <a:xfrm>
-            <a:off x="457200" y="3964320"/>
-            <a:ext cx="8229240" cy="2158560"/>
+            <a:off x="457200" y="3682080"/>
+            <a:ext cx="8229240" cy="1896840"/>
           </a:xfrm>
           <a:prstGeom prst="rect">
             <a:avLst/>
@@ -4916,10 +4820,7 @@
           </a:bodyPr>
           <a:p>
             <a:endParaRPr b="0" lang="en-US" sz="3200" spc="-1" strike="noStrike">
-              <a:solidFill>
-                <a:srgbClr val="000000"/>
-              </a:solidFill>
-              <a:latin typeface="Calibri"/>
+              <a:latin typeface="Arial"/>
             </a:endParaRPr>
           </a:p>
         </p:txBody>
@@ -4968,37 +4869,27 @@
         </p:nvSpPr>
         <p:spPr>
           <a:xfrm>
-            <a:off x="685800" y="2130480"/>
-            <a:ext cx="7772040" cy="1469520"/>
-          </a:xfrm>
-          <a:prstGeom prst="rect">
-            <a:avLst/>
-          </a:prstGeom>
-        </p:spPr>
-        <p:txBody>
-          <a:bodyPr anchor="ctr">
+            <a:off x="457200" y="274680"/>
+            <a:ext cx="8228880" cy="1142280"/>
+          </a:xfrm>
+          <a:prstGeom prst="rect">
+            <a:avLst/>
+          </a:prstGeom>
+        </p:spPr>
+        <p:txBody>
+          <a:bodyPr lIns="0" rIns="0" tIns="0" bIns="0" anchor="ctr">
             <a:noAutofit/>
           </a:bodyPr>
           <a:p>
-            <a:pPr algn="ctr">
-              <a:lnSpc>
-                <a:spcPct val="100000"/>
-              </a:lnSpc>
-            </a:pPr>
-            <a:r>
-              <a:rPr b="0" lang="zh-CN" sz="4400" spc="-1" strike="noStrike">
-                <a:solidFill>
-                  <a:srgbClr val="000000"/>
-                </a:solidFill>
-                <a:latin typeface="Calibri"/>
-              </a:rPr>
-              <a:t>单击此处编辑母版标题样式</a:t>
-            </a:r>
-            <a:endParaRPr b="0" lang="en-US" sz="4400" spc="-1" strike="noStrike">
-              <a:solidFill>
-                <a:srgbClr val="000000"/>
-              </a:solidFill>
-              <a:latin typeface="Calibri"/>
+            <a:pPr algn="ctr"/>
+            <a:r>
+              <a:rPr b="0" lang="zh-CN" sz="1800" spc="-1" strike="noStrike">
+                <a:latin typeface="Arial"/>
+              </a:rPr>
+              <a:t>点击鼠标编辑标题文字格式</a:t>
+            </a:r>
+            <a:endParaRPr b="0" lang="en-US" sz="1800" spc="-1" strike="noStrike">
+              <a:latin typeface="Arial"/>
             </a:endParaRPr>
           </a:p>
         </p:txBody>
@@ -5006,124 +4897,6 @@
       <p:sp>
         <p:nvSpPr>
           <p:cNvPr id="1" name="PlaceHolder 2"/>
-          <p:cNvSpPr>
-            <a:spLocks noGrp="1"/>
-          </p:cNvSpPr>
-          <p:nvPr>
-            <p:ph type="dt"/>
-          </p:nvPr>
-        </p:nvSpPr>
-        <p:spPr>
-          <a:xfrm>
-            <a:off x="457200" y="6356520"/>
-            <a:ext cx="2133360" cy="364680"/>
-          </a:xfrm>
-          <a:prstGeom prst="rect">
-            <a:avLst/>
-          </a:prstGeom>
-        </p:spPr>
-        <p:txBody>
-          <a:bodyPr anchor="ctr">
-            <a:noAutofit/>
-          </a:bodyPr>
-          <a:p>
-            <a:pPr>
-              <a:lnSpc>
-                <a:spcPct val="100000"/>
-              </a:lnSpc>
-            </a:pPr>
-            <a:fld id="{E2378838-ADEE-462B-B710-4D51F05298DA}" type="datetime">
-              <a:rPr b="0" lang="en-US" sz="1200" spc="-1" strike="noStrike">
-                <a:solidFill>
-                  <a:srgbClr val="8b8b8b"/>
-                </a:solidFill>
-                <a:latin typeface="Calibri"/>
-              </a:rPr>
-              <a:t>9/28/20</a:t>
-            </a:fld>
-            <a:endParaRPr b="0" lang="en-US" sz="1200" spc="-1" strike="noStrike">
-              <a:latin typeface="Times New Roman"/>
-            </a:endParaRPr>
-          </a:p>
-        </p:txBody>
-      </p:sp>
-      <p:sp>
-        <p:nvSpPr>
-          <p:cNvPr id="2" name="PlaceHolder 3"/>
-          <p:cNvSpPr>
-            <a:spLocks noGrp="1"/>
-          </p:cNvSpPr>
-          <p:nvPr>
-            <p:ph type="ftr"/>
-          </p:nvPr>
-        </p:nvSpPr>
-        <p:spPr>
-          <a:xfrm>
-            <a:off x="3124080" y="6356520"/>
-            <a:ext cx="2895120" cy="364680"/>
-          </a:xfrm>
-          <a:prstGeom prst="rect">
-            <a:avLst/>
-          </a:prstGeom>
-        </p:spPr>
-        <p:txBody>
-          <a:bodyPr anchor="ctr">
-            <a:noAutofit/>
-          </a:bodyPr>
-          <a:p>
-            <a:endParaRPr b="0" lang="en-US" sz="2400" spc="-1" strike="noStrike">
-              <a:latin typeface="Times New Roman"/>
-            </a:endParaRPr>
-          </a:p>
-        </p:txBody>
-      </p:sp>
-      <p:sp>
-        <p:nvSpPr>
-          <p:cNvPr id="3" name="PlaceHolder 4"/>
-          <p:cNvSpPr>
-            <a:spLocks noGrp="1"/>
-          </p:cNvSpPr>
-          <p:nvPr>
-            <p:ph type="sldNum"/>
-          </p:nvPr>
-        </p:nvSpPr>
-        <p:spPr>
-          <a:xfrm>
-            <a:off x="6553080" y="6356520"/>
-            <a:ext cx="2133360" cy="364680"/>
-          </a:xfrm>
-          <a:prstGeom prst="rect">
-            <a:avLst/>
-          </a:prstGeom>
-        </p:spPr>
-        <p:txBody>
-          <a:bodyPr anchor="ctr">
-            <a:noAutofit/>
-          </a:bodyPr>
-          <a:p>
-            <a:pPr algn="r">
-              <a:lnSpc>
-                <a:spcPct val="100000"/>
-              </a:lnSpc>
-            </a:pPr>
-            <a:fld id="{1AAD5339-927B-40C9-8AF6-2653732F3A0E}" type="slidenum">
-              <a:rPr b="0" lang="en-US" sz="1200" spc="-1" strike="noStrike">
-                <a:solidFill>
-                  <a:srgbClr val="8b8b8b"/>
-                </a:solidFill>
-                <a:latin typeface="Calibri"/>
-              </a:rPr>
-              <a:t>&lt;编号&gt;</a:t>
-            </a:fld>
-            <a:endParaRPr b="0" lang="en-US" sz="1200" spc="-1" strike="noStrike">
-              <a:latin typeface="Times New Roman"/>
-            </a:endParaRPr>
-          </a:p>
-        </p:txBody>
-      </p:sp>
-      <p:sp>
-        <p:nvSpPr>
-          <p:cNvPr id="4" name="PlaceHolder 5"/>
           <p:cNvSpPr>
             <a:spLocks noGrp="1"/>
           </p:cNvSpPr>
@@ -5158,18 +4931,12 @@
             </a:pPr>
             <a:r>
               <a:rPr b="0" lang="zh-CN" sz="3200" spc="-1" strike="noStrike">
-                <a:solidFill>
-                  <a:srgbClr val="000000"/>
-                </a:solidFill>
-                <a:latin typeface="Calibri"/>
+                <a:latin typeface="Arial"/>
               </a:rPr>
               <a:t>点击鼠标编辑大纲文字格式</a:t>
             </a:r>
             <a:endParaRPr b="0" lang="en-US" sz="3200" spc="-1" strike="noStrike">
-              <a:solidFill>
-                <a:srgbClr val="000000"/>
-              </a:solidFill>
-              <a:latin typeface="Calibri"/>
+              <a:latin typeface="Arial"/>
             </a:endParaRPr>
           </a:p>
           <a:p>
@@ -5185,19 +4952,13 @@
               <a:buChar char=""/>
             </a:pPr>
             <a:r>
-              <a:rPr b="0" lang="zh-CN" sz="2400" spc="-1" strike="noStrike">
-                <a:solidFill>
-                  <a:srgbClr val="000000"/>
-                </a:solidFill>
-                <a:latin typeface="Calibri"/>
+              <a:rPr b="0" lang="zh-CN" sz="2800" spc="-1" strike="noStrike">
+                <a:latin typeface="Arial"/>
               </a:rPr>
               <a:t>第二个大纲级</a:t>
             </a:r>
-            <a:endParaRPr b="0" lang="en-US" sz="2400" spc="-1" strike="noStrike">
-              <a:solidFill>
-                <a:srgbClr val="000000"/>
-              </a:solidFill>
-              <a:latin typeface="Calibri"/>
+            <a:endParaRPr b="0" lang="en-US" sz="2800" spc="-1" strike="noStrike">
+              <a:latin typeface="Arial"/>
             </a:endParaRPr>
           </a:p>
           <a:p>
@@ -5213,19 +4974,13 @@
               <a:buChar char=""/>
             </a:pPr>
             <a:r>
-              <a:rPr b="0" lang="zh-CN" sz="2000" spc="-1" strike="noStrike">
-                <a:solidFill>
-                  <a:srgbClr val="000000"/>
-                </a:solidFill>
-                <a:latin typeface="Calibri"/>
+              <a:rPr b="0" lang="zh-CN" sz="2400" spc="-1" strike="noStrike">
+                <a:latin typeface="Arial"/>
               </a:rPr>
               <a:t>第三大纲级别</a:t>
             </a:r>
-            <a:endParaRPr b="0" lang="en-US" sz="2000" spc="-1" strike="noStrike">
-              <a:solidFill>
-                <a:srgbClr val="000000"/>
-              </a:solidFill>
-              <a:latin typeface="Calibri"/>
+            <a:endParaRPr b="0" lang="en-US" sz="2400" spc="-1" strike="noStrike">
+              <a:latin typeface="Arial"/>
             </a:endParaRPr>
           </a:p>
           <a:p>
@@ -5242,18 +4997,12 @@
             </a:pPr>
             <a:r>
               <a:rPr b="0" lang="zh-CN" sz="2000" spc="-1" strike="noStrike">
-                <a:solidFill>
-                  <a:srgbClr val="000000"/>
-                </a:solidFill>
-                <a:latin typeface="Calibri"/>
+                <a:latin typeface="Arial"/>
               </a:rPr>
               <a:t>第四大纲级别</a:t>
             </a:r>
             <a:endParaRPr b="0" lang="en-US" sz="2000" spc="-1" strike="noStrike">
-              <a:solidFill>
-                <a:srgbClr val="000000"/>
-              </a:solidFill>
-              <a:latin typeface="Calibri"/>
+              <a:latin typeface="Arial"/>
             </a:endParaRPr>
           </a:p>
           <a:p>
@@ -5270,18 +5019,12 @@
             </a:pPr>
             <a:r>
               <a:rPr b="0" lang="zh-CN" sz="2000" spc="-1" strike="noStrike">
-                <a:solidFill>
-                  <a:srgbClr val="000000"/>
-                </a:solidFill>
-                <a:latin typeface="Calibri"/>
+                <a:latin typeface="Arial"/>
               </a:rPr>
               <a:t>第五大纲级别</a:t>
             </a:r>
             <a:endParaRPr b="0" lang="en-US" sz="2000" spc="-1" strike="noStrike">
-              <a:solidFill>
-                <a:srgbClr val="000000"/>
-              </a:solidFill>
-              <a:latin typeface="Calibri"/>
+              <a:latin typeface="Arial"/>
             </a:endParaRPr>
           </a:p>
           <a:p>
@@ -5298,18 +5041,12 @@
             </a:pPr>
             <a:r>
               <a:rPr b="0" lang="zh-CN" sz="2000" spc="-1" strike="noStrike">
-                <a:solidFill>
-                  <a:srgbClr val="000000"/>
-                </a:solidFill>
-                <a:latin typeface="Calibri"/>
+                <a:latin typeface="Arial"/>
               </a:rPr>
               <a:t>第六大纲级别</a:t>
             </a:r>
             <a:endParaRPr b="0" lang="en-US" sz="2000" spc="-1" strike="noStrike">
-              <a:solidFill>
-                <a:srgbClr val="000000"/>
-              </a:solidFill>
-              <a:latin typeface="Calibri"/>
+              <a:latin typeface="Arial"/>
             </a:endParaRPr>
           </a:p>
           <a:p>
@@ -5326,18 +5063,12 @@
             </a:pPr>
             <a:r>
               <a:rPr b="0" lang="zh-CN" sz="2000" spc="-1" strike="noStrike">
-                <a:solidFill>
-                  <a:srgbClr val="000000"/>
-                </a:solidFill>
-                <a:latin typeface="Calibri"/>
+                <a:latin typeface="Arial"/>
               </a:rPr>
               <a:t>第七大纲级别</a:t>
             </a:r>
             <a:endParaRPr b="0" lang="en-US" sz="2000" spc="-1" strike="noStrike">
-              <a:solidFill>
-                <a:srgbClr val="000000"/>
-              </a:solidFill>
-              <a:latin typeface="Calibri"/>
+              <a:latin typeface="Arial"/>
             </a:endParaRPr>
           </a:p>
         </p:txBody>
@@ -5391,7 +5122,7 @@
       </p:grpSpPr>
       <p:sp>
         <p:nvSpPr>
-          <p:cNvPr id="41" name="PlaceHolder 1"/>
+          <p:cNvPr id="38" name="PlaceHolder 1"/>
           <p:cNvSpPr>
             <a:spLocks noGrp="1"/>
           </p:cNvSpPr>
@@ -5401,44 +5132,34 @@
         </p:nvSpPr>
         <p:spPr>
           <a:xfrm>
-            <a:off x="457200" y="274680"/>
-            <a:ext cx="8229240" cy="1142640"/>
-          </a:xfrm>
-          <a:prstGeom prst="rect">
-            <a:avLst/>
-          </a:prstGeom>
-        </p:spPr>
-        <p:txBody>
-          <a:bodyPr anchor="ctr">
+            <a:off x="457200" y="273600"/>
+            <a:ext cx="8229240" cy="1144800"/>
+          </a:xfrm>
+          <a:prstGeom prst="rect">
+            <a:avLst/>
+          </a:prstGeom>
+        </p:spPr>
+        <p:txBody>
+          <a:bodyPr lIns="0" rIns="0" tIns="0" bIns="0" anchor="ctr">
             <a:noAutofit/>
           </a:bodyPr>
           <a:p>
-            <a:pPr algn="ctr">
-              <a:lnSpc>
-                <a:spcPct val="100000"/>
-              </a:lnSpc>
-            </a:pPr>
+            <a:pPr algn="ctr"/>
             <a:r>
               <a:rPr b="0" lang="zh-CN" sz="4400" spc="-1" strike="noStrike">
-                <a:solidFill>
-                  <a:srgbClr val="000000"/>
-                </a:solidFill>
-                <a:latin typeface="Calibri"/>
-              </a:rPr>
-              <a:t>单击此处编辑母版标题样式</a:t>
+                <a:latin typeface="Arial"/>
+              </a:rPr>
+              <a:t>点击鼠标编辑标题文字格式</a:t>
             </a:r>
             <a:endParaRPr b="0" lang="en-US" sz="4400" spc="-1" strike="noStrike">
-              <a:solidFill>
-                <a:srgbClr val="000000"/>
-              </a:solidFill>
-              <a:latin typeface="Calibri"/>
-            </a:endParaRPr>
-          </a:p>
-        </p:txBody>
-      </p:sp>
-      <p:sp>
-        <p:nvSpPr>
-          <p:cNvPr id="42" name="PlaceHolder 2"/>
+              <a:latin typeface="Arial"/>
+            </a:endParaRPr>
+          </a:p>
+        </p:txBody>
+      </p:sp>
+      <p:sp>
+        <p:nvSpPr>
+          <p:cNvPr id="39" name="PlaceHolder 2"/>
           <p:cNvSpPr>
             <a:spLocks noGrp="1"/>
           </p:cNvSpPr>
@@ -5448,283 +5169,169 @@
         </p:nvSpPr>
         <p:spPr>
           <a:xfrm>
-            <a:off x="457200" y="1600200"/>
-            <a:ext cx="8229240" cy="4525560"/>
-          </a:xfrm>
-          <a:prstGeom prst="rect">
-            <a:avLst/>
-          </a:prstGeom>
-        </p:spPr>
-        <p:txBody>
-          <a:bodyPr>
-            <a:noAutofit/>
-          </a:bodyPr>
-          <a:p>
-            <a:pPr marL="343080" indent="-342720">
-              <a:lnSpc>
-                <a:spcPct val="100000"/>
-              </a:lnSpc>
+            <a:off x="457200" y="1604520"/>
+            <a:ext cx="8229240" cy="3977280"/>
+          </a:xfrm>
+          <a:prstGeom prst="rect">
+            <a:avLst/>
+          </a:prstGeom>
+        </p:spPr>
+        <p:txBody>
+          <a:bodyPr lIns="0" rIns="0" tIns="0" bIns="0">
+            <a:normAutofit/>
+          </a:bodyPr>
+          <a:p>
+            <a:pPr marL="432000" indent="-324000">
               <a:spcBef>
-                <a:spcPts val="641"/>
+                <a:spcPts val="1417"/>
               </a:spcBef>
               <a:buClr>
                 <a:srgbClr val="000000"/>
               </a:buClr>
-              <a:buFont typeface="Arial"/>
-              <a:buChar char="•"/>
+              <a:buSzPct val="45000"/>
+              <a:buFont typeface="Wingdings" charset="2"/>
+              <a:buChar char=""/>
             </a:pPr>
             <a:r>
               <a:rPr b="0" lang="zh-CN" sz="3200" spc="-1" strike="noStrike">
-                <a:solidFill>
-                  <a:srgbClr val="000000"/>
-                </a:solidFill>
-                <a:latin typeface="Calibri"/>
-              </a:rPr>
-              <a:t>单击此处编辑母版文本样式</a:t>
+                <a:latin typeface="Arial"/>
+              </a:rPr>
+              <a:t>点击鼠标编辑大纲文字格式</a:t>
             </a:r>
             <a:endParaRPr b="0" lang="en-US" sz="3200" spc="-1" strike="noStrike">
-              <a:solidFill>
-                <a:srgbClr val="000000"/>
-              </a:solidFill>
-              <a:latin typeface="Calibri"/>
-            </a:endParaRPr>
-          </a:p>
-          <a:p>
-            <a:pPr lvl="1" marL="743040" indent="-285480">
-              <a:lnSpc>
-                <a:spcPct val="100000"/>
-              </a:lnSpc>
+              <a:latin typeface="Arial"/>
+            </a:endParaRPr>
+          </a:p>
+          <a:p>
+            <a:pPr lvl="1" marL="864000" indent="-324000">
               <a:spcBef>
-                <a:spcPts val="561"/>
+                <a:spcPts val="1134"/>
               </a:spcBef>
               <a:buClr>
                 <a:srgbClr val="000000"/>
               </a:buClr>
-              <a:buFont typeface="Arial"/>
-              <a:buChar char="–"/>
+              <a:buSzPct val="75000"/>
+              <a:buFont typeface="Symbol" charset="2"/>
+              <a:buChar char=""/>
             </a:pPr>
             <a:r>
               <a:rPr b="0" lang="zh-CN" sz="2800" spc="-1" strike="noStrike">
-                <a:solidFill>
-                  <a:srgbClr val="000000"/>
-                </a:solidFill>
-                <a:latin typeface="Calibri"/>
-              </a:rPr>
-              <a:t>第二级</a:t>
+                <a:latin typeface="Arial"/>
+              </a:rPr>
+              <a:t>第二个大纲级</a:t>
             </a:r>
             <a:endParaRPr b="0" lang="en-US" sz="2800" spc="-1" strike="noStrike">
-              <a:solidFill>
-                <a:srgbClr val="000000"/>
-              </a:solidFill>
-              <a:latin typeface="Calibri"/>
-            </a:endParaRPr>
-          </a:p>
-          <a:p>
-            <a:pPr lvl="2" marL="1143000" indent="-228240">
-              <a:lnSpc>
-                <a:spcPct val="100000"/>
-              </a:lnSpc>
+              <a:latin typeface="Arial"/>
+            </a:endParaRPr>
+          </a:p>
+          <a:p>
+            <a:pPr lvl="2" marL="1296000" indent="-288000">
               <a:spcBef>
-                <a:spcPts val="479"/>
+                <a:spcPts val="850"/>
               </a:spcBef>
               <a:buClr>
                 <a:srgbClr val="000000"/>
               </a:buClr>
-              <a:buFont typeface="Arial"/>
-              <a:buChar char="•"/>
+              <a:buSzPct val="45000"/>
+              <a:buFont typeface="Wingdings" charset="2"/>
+              <a:buChar char=""/>
             </a:pPr>
             <a:r>
               <a:rPr b="0" lang="zh-CN" sz="2400" spc="-1" strike="noStrike">
-                <a:solidFill>
-                  <a:srgbClr val="000000"/>
-                </a:solidFill>
-                <a:latin typeface="Calibri"/>
-              </a:rPr>
-              <a:t>第三级</a:t>
+                <a:latin typeface="Arial"/>
+              </a:rPr>
+              <a:t>第三大纲级别</a:t>
             </a:r>
             <a:endParaRPr b="0" lang="en-US" sz="2400" spc="-1" strike="noStrike">
-              <a:solidFill>
-                <a:srgbClr val="000000"/>
-              </a:solidFill>
-              <a:latin typeface="Calibri"/>
-            </a:endParaRPr>
-          </a:p>
-          <a:p>
-            <a:pPr lvl="3" marL="1600200" indent="-228240">
-              <a:lnSpc>
-                <a:spcPct val="100000"/>
-              </a:lnSpc>
+              <a:latin typeface="Arial"/>
+            </a:endParaRPr>
+          </a:p>
+          <a:p>
+            <a:pPr lvl="3" marL="1728000" indent="-216000">
               <a:spcBef>
-                <a:spcPts val="400"/>
+                <a:spcPts val="567"/>
               </a:spcBef>
               <a:buClr>
                 <a:srgbClr val="000000"/>
               </a:buClr>
-              <a:buFont typeface="Arial"/>
-              <a:buChar char="–"/>
+              <a:buSzPct val="75000"/>
+              <a:buFont typeface="Symbol" charset="2"/>
+              <a:buChar char=""/>
             </a:pPr>
             <a:r>
               <a:rPr b="0" lang="zh-CN" sz="2000" spc="-1" strike="noStrike">
-                <a:solidFill>
-                  <a:srgbClr val="000000"/>
-                </a:solidFill>
-                <a:latin typeface="Calibri"/>
-              </a:rPr>
-              <a:t>第四级</a:t>
+                <a:latin typeface="Arial"/>
+              </a:rPr>
+              <a:t>第四大纲级别</a:t>
             </a:r>
             <a:endParaRPr b="0" lang="en-US" sz="2000" spc="-1" strike="noStrike">
-              <a:solidFill>
-                <a:srgbClr val="000000"/>
-              </a:solidFill>
-              <a:latin typeface="Calibri"/>
-            </a:endParaRPr>
-          </a:p>
-          <a:p>
-            <a:pPr lvl="4" marL="2057400" indent="-228240">
-              <a:lnSpc>
-                <a:spcPct val="100000"/>
-              </a:lnSpc>
+              <a:latin typeface="Arial"/>
+            </a:endParaRPr>
+          </a:p>
+          <a:p>
+            <a:pPr lvl="4" marL="2160000" indent="-216000">
               <a:spcBef>
-                <a:spcPts val="400"/>
+                <a:spcPts val="283"/>
               </a:spcBef>
               <a:buClr>
                 <a:srgbClr val="000000"/>
               </a:buClr>
-              <a:buFont typeface="Arial"/>
-              <a:buChar char="»"/>
+              <a:buSzPct val="45000"/>
+              <a:buFont typeface="Wingdings" charset="2"/>
+              <a:buChar char=""/>
             </a:pPr>
             <a:r>
               <a:rPr b="0" lang="zh-CN" sz="2000" spc="-1" strike="noStrike">
-                <a:solidFill>
-                  <a:srgbClr val="000000"/>
-                </a:solidFill>
-                <a:latin typeface="Calibri"/>
-              </a:rPr>
-              <a:t>第五级</a:t>
+                <a:latin typeface="Arial"/>
+              </a:rPr>
+              <a:t>第五大纲级别</a:t>
             </a:r>
             <a:endParaRPr b="0" lang="en-US" sz="2000" spc="-1" strike="noStrike">
-              <a:solidFill>
+              <a:latin typeface="Arial"/>
+            </a:endParaRPr>
+          </a:p>
+          <a:p>
+            <a:pPr lvl="5" marL="2592000" indent="-216000">
+              <a:spcBef>
+                <a:spcPts val="283"/>
+              </a:spcBef>
+              <a:buClr>
                 <a:srgbClr val="000000"/>
-              </a:solidFill>
-              <a:latin typeface="Calibri"/>
-            </a:endParaRPr>
-          </a:p>
-        </p:txBody>
-      </p:sp>
-      <p:sp>
-        <p:nvSpPr>
-          <p:cNvPr id="43" name="PlaceHolder 3"/>
-          <p:cNvSpPr>
-            <a:spLocks noGrp="1"/>
-          </p:cNvSpPr>
-          <p:nvPr>
-            <p:ph type="dt"/>
-          </p:nvPr>
-        </p:nvSpPr>
-        <p:spPr>
-          <a:xfrm>
-            <a:off x="457200" y="6356520"/>
-            <a:ext cx="2133360" cy="364680"/>
-          </a:xfrm>
-          <a:prstGeom prst="rect">
-            <a:avLst/>
-          </a:prstGeom>
-        </p:spPr>
-        <p:txBody>
-          <a:bodyPr anchor="ctr">
-            <a:noAutofit/>
-          </a:bodyPr>
-          <a:p>
-            <a:pPr>
-              <a:lnSpc>
-                <a:spcPct val="100000"/>
-              </a:lnSpc>
+              </a:buClr>
+              <a:buSzPct val="45000"/>
+              <a:buFont typeface="Wingdings" charset="2"/>
+              <a:buChar char=""/>
             </a:pPr>
-            <a:fld id="{3315F8CE-8643-4314-B1EA-7D200DE991F0}" type="datetime">
-              <a:rPr b="0" lang="en-US" sz="1200" spc="-1" strike="noStrike">
-                <a:solidFill>
-                  <a:srgbClr val="8b8b8b"/>
-                </a:solidFill>
-                <a:latin typeface="Calibri"/>
-              </a:rPr>
-              <a:t>9/28/20</a:t>
-            </a:fld>
-            <a:endParaRPr b="0" lang="en-US" sz="1200" spc="-1" strike="noStrike">
-              <a:latin typeface="Times New Roman"/>
-            </a:endParaRPr>
-          </a:p>
-        </p:txBody>
-      </p:sp>
-      <p:sp>
-        <p:nvSpPr>
-          <p:cNvPr id="44" name="PlaceHolder 4"/>
-          <p:cNvSpPr>
-            <a:spLocks noGrp="1"/>
-          </p:cNvSpPr>
-          <p:nvPr>
-            <p:ph type="ftr"/>
-          </p:nvPr>
-        </p:nvSpPr>
-        <p:spPr>
-          <a:xfrm>
-            <a:off x="3124080" y="6356520"/>
-            <a:ext cx="2895120" cy="364680"/>
-          </a:xfrm>
-          <a:prstGeom prst="rect">
-            <a:avLst/>
-          </a:prstGeom>
-        </p:spPr>
-        <p:txBody>
-          <a:bodyPr anchor="ctr">
-            <a:noAutofit/>
-          </a:bodyPr>
-          <a:p>
-            <a:endParaRPr b="0" lang="en-US" sz="2400" spc="-1" strike="noStrike">
-              <a:latin typeface="Times New Roman"/>
-            </a:endParaRPr>
-          </a:p>
-        </p:txBody>
-      </p:sp>
-      <p:sp>
-        <p:nvSpPr>
-          <p:cNvPr id="45" name="PlaceHolder 5"/>
-          <p:cNvSpPr>
-            <a:spLocks noGrp="1"/>
-          </p:cNvSpPr>
-          <p:nvPr>
-            <p:ph type="sldNum"/>
-          </p:nvPr>
-        </p:nvSpPr>
-        <p:spPr>
-          <a:xfrm>
-            <a:off x="6553080" y="6356520"/>
-            <a:ext cx="2133360" cy="364680"/>
-          </a:xfrm>
-          <a:prstGeom prst="rect">
-            <a:avLst/>
-          </a:prstGeom>
-        </p:spPr>
-        <p:txBody>
-          <a:bodyPr anchor="ctr">
-            <a:noAutofit/>
-          </a:bodyPr>
-          <a:p>
-            <a:pPr algn="r">
-              <a:lnSpc>
-                <a:spcPct val="100000"/>
-              </a:lnSpc>
+            <a:r>
+              <a:rPr b="0" lang="zh-CN" sz="2000" spc="-1" strike="noStrike">
+                <a:latin typeface="Arial"/>
+              </a:rPr>
+              <a:t>第六大纲级别</a:t>
+            </a:r>
+            <a:endParaRPr b="0" lang="en-US" sz="2000" spc="-1" strike="noStrike">
+              <a:latin typeface="Arial"/>
+            </a:endParaRPr>
+          </a:p>
+          <a:p>
+            <a:pPr lvl="6" marL="3024000" indent="-216000">
+              <a:spcBef>
+                <a:spcPts val="283"/>
+              </a:spcBef>
+              <a:buClr>
+                <a:srgbClr val="000000"/>
+              </a:buClr>
+              <a:buSzPct val="45000"/>
+              <a:buFont typeface="Wingdings" charset="2"/>
+              <a:buChar char=""/>
             </a:pPr>
-            <a:fld id="{E4E2677E-6007-49AC-B5FC-7204852FDB16}" type="slidenum">
-              <a:rPr b="0" lang="en-US" sz="1200" spc="-1" strike="noStrike">
-                <a:solidFill>
-                  <a:srgbClr val="8b8b8b"/>
-                </a:solidFill>
-                <a:latin typeface="Calibri"/>
-              </a:rPr>
-              <a:t>&lt;编号&gt;</a:t>
-            </a:fld>
-            <a:endParaRPr b="0" lang="en-US" sz="1200" spc="-1" strike="noStrike">
-              <a:latin typeface="Times New Roman"/>
+            <a:r>
+              <a:rPr b="0" lang="zh-CN" sz="2000" spc="-1" strike="noStrike">
+                <a:latin typeface="Arial"/>
+              </a:rPr>
+              <a:t>第七大纲级别</a:t>
+            </a:r>
+            <a:endParaRPr b="0" lang="en-US" sz="2000" spc="-1" strike="noStrike">
+              <a:latin typeface="Arial"/>
             </a:endParaRPr>
           </a:p>
         </p:txBody>
@@ -5768,14 +5375,14 @@
       </p:grpSpPr>
       <p:sp>
         <p:nvSpPr>
-          <p:cNvPr id="88" name="CustomShape 1"/>
+          <p:cNvPr id="82" name="CustomShape 1"/>
           <p:cNvSpPr/>
           <p:nvPr/>
         </p:nvSpPr>
         <p:spPr>
           <a:xfrm>
             <a:off x="323640" y="5589360"/>
-            <a:ext cx="3332880" cy="649440"/>
+            <a:ext cx="3332520" cy="649080"/>
           </a:xfrm>
           <a:prstGeom prst="rect">
             <a:avLst/>
@@ -5794,72 +5401,14 @@
       </p:sp>
       <p:sp>
         <p:nvSpPr>
-          <p:cNvPr id="89" name="TextShape 2"/>
-          <p:cNvSpPr txBox="1"/>
-          <p:nvPr/>
-        </p:nvSpPr>
-        <p:spPr>
-          <a:xfrm>
-            <a:off x="685800" y="1628640"/>
-            <a:ext cx="7772040" cy="2043360"/>
-          </a:xfrm>
-          <a:prstGeom prst="rect">
-            <a:avLst/>
-          </a:prstGeom>
-          <a:noFill/>
-          <a:ln>
-            <a:noFill/>
-          </a:ln>
-        </p:spPr>
-        <p:txBody>
-          <a:bodyPr anchor="ctr">
-            <a:noAutofit/>
-          </a:bodyPr>
-          <a:p>
-            <a:pPr algn="ctr">
-              <a:lnSpc>
-                <a:spcPct val="150000"/>
-              </a:lnSpc>
-            </a:pPr>
-            <a:r>
-              <a:rPr b="0" lang="en-US" sz="4400" spc="-1" strike="noStrike">
-                <a:solidFill>
-                  <a:srgbClr val="595959"/>
-                </a:solidFill>
-                <a:latin typeface="微软雅黑"/>
-                <a:ea typeface="微软雅黑"/>
-              </a:rPr>
-              <a:t>Flink</a:t>
-            </a:r>
-            <a:r>
-              <a:rPr b="0" lang="en-US" sz="4400" spc="-1" strike="noStrike">
-                <a:solidFill>
-                  <a:srgbClr val="595959"/>
-                </a:solidFill>
-                <a:latin typeface="微软雅黑"/>
-                <a:ea typeface="微软雅黑"/>
-              </a:rPr>
-              <a:t> Window API</a:t>
-            </a:r>
-            <a:endParaRPr b="0" lang="en-US" sz="4400" spc="-1" strike="noStrike">
-              <a:solidFill>
-                <a:srgbClr val="000000"/>
-              </a:solidFill>
-              <a:latin typeface="Calibri"/>
-            </a:endParaRPr>
-          </a:p>
-        </p:txBody>
-      </p:sp>
-      <p:sp>
-        <p:nvSpPr>
-          <p:cNvPr id="90" name="CustomShape 3"/>
+          <p:cNvPr id="83" name="CustomShape 2"/>
           <p:cNvSpPr/>
           <p:nvPr/>
         </p:nvSpPr>
         <p:spPr>
           <a:xfrm>
-            <a:off x="4428000" y="4005000"/>
-            <a:ext cx="3528000" cy="1037520"/>
+            <a:off x="685800" y="1628640"/>
+            <a:ext cx="7771680" cy="2043000"/>
           </a:xfrm>
           <a:prstGeom prst="rect">
             <a:avLst/>
@@ -5876,7 +5425,58 @@
           <a:fontRef idx="minor"/>
         </p:style>
         <p:txBody>
-          <a:bodyPr anchor="ctr">
+          <a:bodyPr lIns="90000" rIns="90000" tIns="45000" bIns="45000" anchor="ctr">
+            <a:noAutofit/>
+          </a:bodyPr>
+          <a:p>
+            <a:pPr algn="ctr">
+              <a:lnSpc>
+                <a:spcPct val="150000"/>
+              </a:lnSpc>
+            </a:pPr>
+            <a:r>
+              <a:rPr b="0" lang="en-US" sz="4400" spc="-1" strike="noStrike">
+                <a:solidFill>
+                  <a:srgbClr val="595959"/>
+                </a:solidFill>
+                <a:latin typeface="微软雅黑"/>
+                <a:ea typeface="微软雅黑"/>
+              </a:rPr>
+              <a:t>Flink Window API</a:t>
+            </a:r>
+            <a:endParaRPr b="0" lang="en-US" sz="4400" spc="-1" strike="noStrike">
+              <a:latin typeface="Arial"/>
+            </a:endParaRPr>
+          </a:p>
+        </p:txBody>
+      </p:sp>
+      <p:sp>
+        <p:nvSpPr>
+          <p:cNvPr id="84" name="CustomShape 3"/>
+          <p:cNvSpPr/>
+          <p:nvPr/>
+        </p:nvSpPr>
+        <p:spPr>
+          <a:xfrm>
+            <a:off x="4428000" y="4005000"/>
+            <a:ext cx="3527640" cy="1037160"/>
+          </a:xfrm>
+          <a:prstGeom prst="rect">
+            <a:avLst/>
+          </a:prstGeom>
+          <a:noFill/>
+          <a:ln>
+            <a:noFill/>
+          </a:ln>
+        </p:spPr>
+        <p:style>
+          <a:lnRef idx="0"/>
+          <a:fillRef idx="0"/>
+          <a:effectRef idx="0"/>
+          <a:fontRef idx="minor"/>
+        </p:style>
+        <p:txBody>
+          <a:bodyPr lIns="90000" rIns="90000" tIns="45000" bIns="45000" anchor="ctr">
             <a:normAutofit/>
           </a:bodyPr>
           <a:p>
@@ -5933,14 +5533,14 @@
       </p:grpSpPr>
       <p:sp>
         <p:nvSpPr>
-          <p:cNvPr id="111" name="CustomShape 1"/>
+          <p:cNvPr id="105" name="CustomShape 1"/>
           <p:cNvSpPr/>
           <p:nvPr/>
         </p:nvSpPr>
         <p:spPr>
           <a:xfrm>
             <a:off x="457200" y="620640"/>
-            <a:ext cx="8229240" cy="1142640"/>
+            <a:ext cx="8228880" cy="1142280"/>
           </a:xfrm>
           <a:prstGeom prst="rect">
             <a:avLst/>
@@ -5957,7 +5557,7 @@
           <a:fontRef idx="minor"/>
         </p:style>
         <p:txBody>
-          <a:bodyPr anchor="ctr">
+          <a:bodyPr lIns="90000" rIns="90000" tIns="45000" bIns="45000" anchor="ctr">
             <a:normAutofit/>
           </a:bodyPr>
           <a:p>
@@ -6004,14 +5604,14 @@
       </p:sp>
       <p:sp>
         <p:nvSpPr>
-          <p:cNvPr id="112" name="CustomShape 2"/>
+          <p:cNvPr id="106" name="CustomShape 2"/>
           <p:cNvSpPr/>
           <p:nvPr/>
         </p:nvSpPr>
         <p:spPr>
           <a:xfrm>
             <a:off x="827640" y="1700640"/>
-            <a:ext cx="7416360" cy="3960000"/>
+            <a:ext cx="7416000" cy="3959640"/>
           </a:xfrm>
           <a:prstGeom prst="rect">
             <a:avLst/>
@@ -6032,7 +5632,7 @@
             <a:noAutofit/>
           </a:bodyPr>
           <a:p>
-            <a:pPr marL="343080" indent="-342720">
+            <a:pPr marL="343080" indent="-342360">
               <a:lnSpc>
                 <a:spcPct val="200000"/>
               </a:lnSpc>
@@ -6077,7 +5677,7 @@
             </a:endParaRPr>
           </a:p>
           <a:p>
-            <a:pPr marL="343080" indent="-342720">
+            <a:pPr marL="343080" indent="-342360">
               <a:lnSpc>
                 <a:spcPct val="200000"/>
               </a:lnSpc>
@@ -6132,7 +5732,7 @@
             </a:endParaRPr>
           </a:p>
           <a:p>
-            <a:pPr marL="343080" indent="-342720">
+            <a:pPr marL="343080" indent="-342360">
               <a:lnSpc>
                 <a:spcPct val="200000"/>
               </a:lnSpc>
@@ -6177,7 +5777,7 @@
             </a:endParaRPr>
           </a:p>
           <a:p>
-            <a:pPr lvl="1" marL="800280" indent="-342720">
+            <a:pPr lvl="1" marL="800280" indent="-342360">
               <a:lnSpc>
                 <a:spcPct val="200000"/>
               </a:lnSpc>
@@ -6222,7 +5822,7 @@
             </a:endParaRPr>
           </a:p>
           <a:p>
-            <a:pPr lvl="1" marL="800280" indent="-342720">
+            <a:pPr lvl="1" marL="800280" indent="-342360">
               <a:lnSpc>
                 <a:spcPct val="200000"/>
               </a:lnSpc>
@@ -6267,7 +5867,7 @@
             </a:endParaRPr>
           </a:p>
           <a:p>
-            <a:pPr lvl="1" marL="800280" indent="-342720">
+            <a:pPr lvl="1" marL="800280" indent="-342360">
               <a:lnSpc>
                 <a:spcPct val="200000"/>
               </a:lnSpc>
@@ -6312,7 +5912,7 @@
             </a:endParaRPr>
           </a:p>
           <a:p>
-            <a:pPr lvl="1" marL="800280" indent="-342720">
+            <a:pPr lvl="1" marL="800280" indent="-342360">
               <a:lnSpc>
                 <a:spcPct val="200000"/>
               </a:lnSpc>
@@ -6390,14 +5990,14 @@
       </p:grpSpPr>
       <p:sp>
         <p:nvSpPr>
-          <p:cNvPr id="113" name="CustomShape 1"/>
+          <p:cNvPr id="107" name="CustomShape 1"/>
           <p:cNvSpPr/>
           <p:nvPr/>
         </p:nvSpPr>
         <p:spPr>
           <a:xfrm>
             <a:off x="457200" y="620640"/>
-            <a:ext cx="8229240" cy="1142640"/>
+            <a:ext cx="8228880" cy="1142280"/>
           </a:xfrm>
           <a:prstGeom prst="rect">
             <a:avLst/>
@@ -6414,7 +6014,7 @@
           <a:fontRef idx="minor"/>
         </p:style>
         <p:txBody>
-          <a:bodyPr anchor="ctr">
+          <a:bodyPr lIns="90000" rIns="90000" tIns="45000" bIns="45000" anchor="ctr">
             <a:normAutofit/>
           </a:bodyPr>
           <a:p>
@@ -6441,14 +6041,14 @@
       </p:sp>
       <p:sp>
         <p:nvSpPr>
-          <p:cNvPr id="114" name="CustomShape 2"/>
+          <p:cNvPr id="108" name="CustomShape 2"/>
           <p:cNvSpPr/>
           <p:nvPr/>
         </p:nvSpPr>
         <p:spPr>
           <a:xfrm>
             <a:off x="827640" y="1700640"/>
-            <a:ext cx="7416360" cy="647640"/>
+            <a:ext cx="7416000" cy="647280"/>
           </a:xfrm>
           <a:prstGeom prst="rect">
             <a:avLst/>
@@ -6469,7 +6069,7 @@
             <a:noAutofit/>
           </a:bodyPr>
           <a:p>
-            <a:pPr lvl="1" marL="343080" indent="-342720">
+            <a:pPr lvl="1" marL="343080" indent="-342360">
               <a:lnSpc>
                 <a:spcPct val="200000"/>
               </a:lnSpc>
@@ -6517,7 +6117,7 @@
       </p:sp>
       <p:pic>
         <p:nvPicPr>
-          <p:cNvPr id="115" name="Picture 2" descr=""/>
+          <p:cNvPr id="109" name="Picture 2" descr=""/>
           <p:cNvPicPr/>
           <p:nvPr/>
         </p:nvPicPr>
@@ -6528,7 +6128,7 @@
         <p:spPr>
           <a:xfrm>
             <a:off x="2195640" y="2565000"/>
-            <a:ext cx="3428640" cy="409320"/>
+            <a:ext cx="3428280" cy="408960"/>
           </a:xfrm>
           <a:prstGeom prst="rect">
             <a:avLst/>
@@ -6540,14 +6140,14 @@
       </p:pic>
       <p:sp>
         <p:nvSpPr>
-          <p:cNvPr id="116" name="CustomShape 3"/>
+          <p:cNvPr id="110" name="CustomShape 3"/>
           <p:cNvSpPr/>
           <p:nvPr/>
         </p:nvSpPr>
         <p:spPr>
           <a:xfrm>
             <a:off x="827640" y="2997000"/>
-            <a:ext cx="7416360" cy="647640"/>
+            <a:ext cx="7416000" cy="647280"/>
           </a:xfrm>
           <a:prstGeom prst="rect">
             <a:avLst/>
@@ -6568,7 +6168,7 @@
             <a:noAutofit/>
           </a:bodyPr>
           <a:p>
-            <a:pPr lvl="1" marL="343080" indent="-342720">
+            <a:pPr lvl="1" marL="343080" indent="-342360">
               <a:lnSpc>
                 <a:spcPct val="200000"/>
               </a:lnSpc>
@@ -6616,7 +6216,7 @@
       </p:sp>
       <p:pic>
         <p:nvPicPr>
-          <p:cNvPr id="117" name="Picture 3" descr=""/>
+          <p:cNvPr id="111" name="Picture 3" descr=""/>
           <p:cNvPicPr/>
           <p:nvPr/>
         </p:nvPicPr>
@@ -6627,7 +6227,7 @@
         <p:spPr>
           <a:xfrm>
             <a:off x="1959480" y="3821040"/>
-            <a:ext cx="5152680" cy="399600"/>
+            <a:ext cx="5152320" cy="399240"/>
           </a:xfrm>
           <a:prstGeom prst="rect">
             <a:avLst/>
@@ -6639,7 +6239,7 @@
       </p:pic>
       <p:pic>
         <p:nvPicPr>
-          <p:cNvPr id="118" name="Picture 5" descr=""/>
+          <p:cNvPr id="112" name="Picture 5" descr=""/>
           <p:cNvPicPr/>
           <p:nvPr/>
         </p:nvPicPr>
@@ -6650,7 +6250,7 @@
         <p:spPr>
           <a:xfrm>
             <a:off x="1403640" y="5178240"/>
-            <a:ext cx="6696360" cy="338400"/>
+            <a:ext cx="6696000" cy="338040"/>
           </a:xfrm>
           <a:prstGeom prst="rect">
             <a:avLst/>
@@ -6662,14 +6262,14 @@
       </p:pic>
       <p:sp>
         <p:nvSpPr>
-          <p:cNvPr id="119" name="CustomShape 4"/>
+          <p:cNvPr id="113" name="CustomShape 4"/>
           <p:cNvSpPr/>
           <p:nvPr/>
         </p:nvSpPr>
         <p:spPr>
           <a:xfrm>
             <a:off x="827640" y="4365000"/>
-            <a:ext cx="7416360" cy="647640"/>
+            <a:ext cx="7416000" cy="647280"/>
           </a:xfrm>
           <a:prstGeom prst="rect">
             <a:avLst/>
@@ -6690,7 +6290,7 @@
             <a:noAutofit/>
           </a:bodyPr>
           <a:p>
-            <a:pPr lvl="1" marL="343080" indent="-342720">
+            <a:pPr lvl="1" marL="343080" indent="-342360">
               <a:lnSpc>
                 <a:spcPct val="200000"/>
               </a:lnSpc>
@@ -6768,14 +6368,14 @@
       </p:grpSpPr>
       <p:sp>
         <p:nvSpPr>
-          <p:cNvPr id="120" name="CustomShape 1"/>
+          <p:cNvPr id="114" name="CustomShape 1"/>
           <p:cNvSpPr/>
           <p:nvPr/>
         </p:nvSpPr>
         <p:spPr>
           <a:xfrm>
             <a:off x="457200" y="620640"/>
-            <a:ext cx="8229240" cy="1142640"/>
+            <a:ext cx="8228880" cy="1142280"/>
           </a:xfrm>
           <a:prstGeom prst="rect">
             <a:avLst/>
@@ -6792,7 +6392,7 @@
           <a:fontRef idx="minor"/>
         </p:style>
         <p:txBody>
-          <a:bodyPr anchor="ctr">
+          <a:bodyPr lIns="90000" rIns="90000" tIns="45000" bIns="45000" anchor="ctr">
             <a:normAutofit/>
           </a:bodyPr>
           <a:p>
@@ -6819,14 +6419,14 @@
       </p:sp>
       <p:sp>
         <p:nvSpPr>
-          <p:cNvPr id="121" name="CustomShape 2"/>
+          <p:cNvPr id="115" name="CustomShape 2"/>
           <p:cNvSpPr/>
           <p:nvPr/>
         </p:nvSpPr>
         <p:spPr>
           <a:xfrm>
             <a:off x="827640" y="1700640"/>
-            <a:ext cx="7416360" cy="647640"/>
+            <a:ext cx="7416000" cy="647280"/>
           </a:xfrm>
           <a:prstGeom prst="rect">
             <a:avLst/>
@@ -6847,7 +6447,7 @@
             <a:noAutofit/>
           </a:bodyPr>
           <a:p>
-            <a:pPr lvl="1" marL="343080" indent="-342720">
+            <a:pPr lvl="1" marL="343080" indent="-342360">
               <a:lnSpc>
                 <a:spcPct val="200000"/>
               </a:lnSpc>
@@ -6895,14 +6495,14 @@
       </p:sp>
       <p:sp>
         <p:nvSpPr>
-          <p:cNvPr id="122" name="CustomShape 3"/>
+          <p:cNvPr id="116" name="CustomShape 3"/>
           <p:cNvSpPr/>
           <p:nvPr/>
         </p:nvSpPr>
         <p:spPr>
           <a:xfrm>
             <a:off x="827640" y="2997000"/>
-            <a:ext cx="7416360" cy="647640"/>
+            <a:ext cx="7416000" cy="647280"/>
           </a:xfrm>
           <a:prstGeom prst="rect">
             <a:avLst/>
@@ -6923,7 +6523,7 @@
             <a:noAutofit/>
           </a:bodyPr>
           <a:p>
-            <a:pPr lvl="1" marL="343080" indent="-342720">
+            <a:pPr lvl="1" marL="343080" indent="-342360">
               <a:lnSpc>
                 <a:spcPct val="200000"/>
               </a:lnSpc>
@@ -6971,7 +6571,7 @@
       </p:sp>
       <p:pic>
         <p:nvPicPr>
-          <p:cNvPr id="123" name="Picture 2" descr=""/>
+          <p:cNvPr id="117" name="Picture 2" descr=""/>
           <p:cNvPicPr/>
           <p:nvPr/>
         </p:nvPicPr>
@@ -6982,7 +6582,7 @@
         <p:spPr>
           <a:xfrm>
             <a:off x="3276000" y="2493000"/>
-            <a:ext cx="2009520" cy="361440"/>
+            <a:ext cx="2009160" cy="361080"/>
           </a:xfrm>
           <a:prstGeom prst="rect">
             <a:avLst/>
@@ -6994,7 +6594,7 @@
       </p:pic>
       <p:pic>
         <p:nvPicPr>
-          <p:cNvPr id="124" name="Picture 3" descr=""/>
+          <p:cNvPr id="118" name="Picture 3" descr=""/>
           <p:cNvPicPr/>
           <p:nvPr/>
         </p:nvPicPr>
@@ -7005,7 +6605,7 @@
         <p:spPr>
           <a:xfrm>
             <a:off x="3325680" y="4005000"/>
-            <a:ext cx="2037960" cy="371160"/>
+            <a:ext cx="2037600" cy="370800"/>
           </a:xfrm>
           <a:prstGeom prst="rect">
             <a:avLst/>
@@ -7047,14 +6647,14 @@
       </p:grpSpPr>
       <p:sp>
         <p:nvSpPr>
-          <p:cNvPr id="125" name="CustomShape 1"/>
+          <p:cNvPr id="119" name="CustomShape 1"/>
           <p:cNvSpPr/>
           <p:nvPr/>
         </p:nvSpPr>
         <p:spPr>
           <a:xfrm>
             <a:off x="457200" y="620640"/>
-            <a:ext cx="8229240" cy="1142640"/>
+            <a:ext cx="8228880" cy="1142280"/>
           </a:xfrm>
           <a:prstGeom prst="rect">
             <a:avLst/>
@@ -7071,7 +6671,7 @@
           <a:fontRef idx="minor"/>
         </p:style>
         <p:txBody>
-          <a:bodyPr anchor="ctr">
+          <a:bodyPr lIns="90000" rIns="90000" tIns="45000" bIns="45000" anchor="ctr">
             <a:normAutofit/>
           </a:bodyPr>
           <a:p>
@@ -7118,14 +6718,14 @@
       </p:sp>
       <p:sp>
         <p:nvSpPr>
-          <p:cNvPr id="126" name="CustomShape 2"/>
+          <p:cNvPr id="120" name="CustomShape 2"/>
           <p:cNvSpPr/>
           <p:nvPr/>
         </p:nvSpPr>
         <p:spPr>
           <a:xfrm>
             <a:off x="827640" y="1700640"/>
-            <a:ext cx="7704360" cy="3960000"/>
+            <a:ext cx="7704000" cy="3959640"/>
           </a:xfrm>
           <a:prstGeom prst="rect">
             <a:avLst/>
@@ -7146,7 +6746,7 @@
             <a:noAutofit/>
           </a:bodyPr>
           <a:p>
-            <a:pPr lvl="1" marL="343080" indent="-342720">
+            <a:pPr lvl="1" marL="343080" indent="-342360">
               <a:lnSpc>
                 <a:spcPct val="200000"/>
               </a:lnSpc>
@@ -7181,7 +6781,7 @@
             </a:endParaRPr>
           </a:p>
           <a:p>
-            <a:pPr lvl="1" marL="343080" indent="-342720">
+            <a:pPr lvl="1" marL="343080" indent="-342360">
               <a:lnSpc>
                 <a:spcPct val="200000"/>
               </a:lnSpc>
@@ -7206,7 +6806,7 @@
             </a:endParaRPr>
           </a:p>
           <a:p>
-            <a:pPr lvl="2" marL="800280" indent="-342720">
+            <a:pPr lvl="2" marL="800280" indent="-342360">
               <a:lnSpc>
                 <a:spcPct val="200000"/>
               </a:lnSpc>
@@ -7251,7 +6851,7 @@
             </a:endParaRPr>
           </a:p>
           <a:p>
-            <a:pPr lvl="3" marL="1257480" indent="-342720">
+            <a:pPr lvl="3" marL="1257480" indent="-342360">
               <a:lnSpc>
                 <a:spcPct val="200000"/>
               </a:lnSpc>
@@ -7269,14 +6869,14 @@
                 <a:latin typeface="微软雅黑 Light"/>
                 <a:ea typeface="微软雅黑 Light"/>
               </a:rPr>
-              <a:t>每条数据到来就进行计算，保持一个简单的状态</a:t>
+              <a:t>每条数据到来就进行计算，保持一个简单的状态（累加器）</a:t>
             </a:r>
             <a:endParaRPr b="0" lang="en-US" sz="1800" spc="-1" strike="noStrike">
               <a:latin typeface="Arial"/>
             </a:endParaRPr>
           </a:p>
           <a:p>
-            <a:pPr lvl="3" marL="1257480" indent="-342720">
+            <a:pPr lvl="3" marL="1257480" indent="-342360">
               <a:lnSpc>
                 <a:spcPct val="200000"/>
               </a:lnSpc>
@@ -7301,7 +6901,7 @@
             </a:endParaRPr>
           </a:p>
           <a:p>
-            <a:pPr lvl="2" marL="743040" indent="-285480">
+            <a:pPr lvl="2" marL="743040" indent="-285120">
               <a:lnSpc>
                 <a:spcPct val="200000"/>
               </a:lnSpc>
@@ -7319,7 +6919,7 @@
                 <a:latin typeface="微软雅黑 Light"/>
                 <a:ea typeface="微软雅黑 Light"/>
               </a:rPr>
-              <a:t>全窗口函数（</a:t>
+              <a:t>全窗口聚合函数（</a:t>
             </a:r>
             <a:r>
               <a:rPr b="0" lang="en-US" sz="1800" spc="-1" strike="noStrike">
@@ -7346,7 +6946,7 @@
             </a:endParaRPr>
           </a:p>
           <a:p>
-            <a:pPr lvl="3" marL="1257480" indent="-342720">
+            <a:pPr lvl="3" marL="1257480" indent="-342360">
               <a:lnSpc>
                 <a:spcPct val="200000"/>
               </a:lnSpc>
@@ -7371,7 +6971,7 @@
             </a:endParaRPr>
           </a:p>
           <a:p>
-            <a:pPr lvl="3" marL="1257480" indent="-342720">
+            <a:pPr lvl="3" marL="1257480" indent="-342360">
               <a:lnSpc>
                 <a:spcPct val="200000"/>
               </a:lnSpc>
@@ -7429,14 +7029,14 @@
       </p:grpSpPr>
       <p:sp>
         <p:nvSpPr>
-          <p:cNvPr id="127" name="CustomShape 1"/>
+          <p:cNvPr id="121" name="CustomShape 1"/>
           <p:cNvSpPr/>
           <p:nvPr/>
         </p:nvSpPr>
         <p:spPr>
           <a:xfrm>
             <a:off x="457200" y="620640"/>
-            <a:ext cx="8229240" cy="1142640"/>
+            <a:ext cx="8228880" cy="1142280"/>
           </a:xfrm>
           <a:prstGeom prst="rect">
             <a:avLst/>
@@ -7453,7 +7053,7 @@
           <a:fontRef idx="minor"/>
         </p:style>
         <p:txBody>
-          <a:bodyPr anchor="ctr">
+          <a:bodyPr lIns="90000" rIns="90000" tIns="45000" bIns="45000" anchor="ctr">
             <a:normAutofit/>
           </a:bodyPr>
           <a:p>
@@ -7490,14 +7090,14 @@
       </p:sp>
       <p:sp>
         <p:nvSpPr>
-          <p:cNvPr id="128" name="CustomShape 2"/>
+          <p:cNvPr id="122" name="CustomShape 2"/>
           <p:cNvSpPr/>
           <p:nvPr/>
         </p:nvSpPr>
         <p:spPr>
           <a:xfrm>
             <a:off x="827640" y="1700640"/>
-            <a:ext cx="7416360" cy="3960000"/>
+            <a:ext cx="7416000" cy="3959640"/>
           </a:xfrm>
           <a:prstGeom prst="rect">
             <a:avLst/>
@@ -7518,7 +7118,7 @@
             <a:noAutofit/>
           </a:bodyPr>
           <a:p>
-            <a:pPr lvl="1" marL="343080" indent="-342720">
+            <a:pPr lvl="1" marL="343080" indent="-342360">
               <a:lnSpc>
                 <a:spcPct val="200000"/>
               </a:lnSpc>
@@ -7553,7 +7153,7 @@
             </a:endParaRPr>
           </a:p>
           <a:p>
-            <a:pPr lvl="2" marL="800280" indent="-342720">
+            <a:pPr lvl="2" marL="800280" indent="-342360">
               <a:lnSpc>
                 <a:spcPct val="200000"/>
               </a:lnSpc>
@@ -7598,7 +7198,7 @@
             </a:endParaRPr>
           </a:p>
           <a:p>
-            <a:pPr lvl="1" marL="343080" indent="-342720">
+            <a:pPr lvl="1" marL="343080" indent="-342360">
               <a:lnSpc>
                 <a:spcPct val="200000"/>
               </a:lnSpc>
@@ -7633,7 +7233,7 @@
             </a:endParaRPr>
           </a:p>
           <a:p>
-            <a:pPr lvl="2" marL="800280" indent="-342720">
+            <a:pPr lvl="2" marL="800280" indent="-342360">
               <a:lnSpc>
                 <a:spcPct val="200000"/>
               </a:lnSpc>
@@ -7658,7 +7258,7 @@
             </a:endParaRPr>
           </a:p>
           <a:p>
-            <a:pPr lvl="1" marL="343080" indent="-342720">
+            <a:pPr lvl="1" marL="343080" indent="-342360">
               <a:lnSpc>
                 <a:spcPct val="200000"/>
               </a:lnSpc>
@@ -7693,7 +7293,7 @@
             </a:endParaRPr>
           </a:p>
           <a:p>
-            <a:pPr lvl="1" marL="343080" indent="-342720">
+            <a:pPr lvl="1" marL="343080" indent="-342360">
               <a:lnSpc>
                 <a:spcPct val="200000"/>
               </a:lnSpc>
@@ -7728,7 +7328,7 @@
             </a:endParaRPr>
           </a:p>
           <a:p>
-            <a:pPr lvl="1" marL="343080" indent="-342720">
+            <a:pPr lvl="1" marL="343080" indent="-342360">
               <a:lnSpc>
                 <a:spcPct val="200000"/>
               </a:lnSpc>
@@ -7796,14 +7396,14 @@
       </p:grpSpPr>
       <p:sp>
         <p:nvSpPr>
-          <p:cNvPr id="129" name="CustomShape 1"/>
+          <p:cNvPr id="123" name="CustomShape 1"/>
           <p:cNvSpPr/>
           <p:nvPr/>
         </p:nvSpPr>
         <p:spPr>
           <a:xfrm>
             <a:off x="457200" y="620640"/>
-            <a:ext cx="8229240" cy="1142640"/>
+            <a:ext cx="8228880" cy="1142280"/>
           </a:xfrm>
           <a:prstGeom prst="rect">
             <a:avLst/>
@@ -7820,7 +7420,7 @@
           <a:fontRef idx="minor"/>
         </p:style>
         <p:txBody>
-          <a:bodyPr anchor="ctr">
+          <a:bodyPr lIns="90000" rIns="90000" tIns="45000" bIns="45000" anchor="ctr">
             <a:normAutofit/>
           </a:bodyPr>
           <a:p>
@@ -7857,7 +7457,7 @@
       </p:sp>
       <p:pic>
         <p:nvPicPr>
-          <p:cNvPr id="130" name="Picture 2" descr=""/>
+          <p:cNvPr id="124" name="Picture 2" descr=""/>
           <p:cNvPicPr/>
           <p:nvPr/>
         </p:nvPicPr>
@@ -7868,7 +7468,7 @@
         <p:spPr>
           <a:xfrm>
             <a:off x="873360" y="1772640"/>
-            <a:ext cx="7442640" cy="4137480"/>
+            <a:ext cx="7442280" cy="4137120"/>
           </a:xfrm>
           <a:prstGeom prst="rect">
             <a:avLst/>
@@ -7910,14 +7510,14 @@
       </p:grpSpPr>
       <p:sp>
         <p:nvSpPr>
-          <p:cNvPr id="131" name="CustomShape 1"/>
+          <p:cNvPr id="125" name="CustomShape 1"/>
           <p:cNvSpPr/>
           <p:nvPr/>
         </p:nvSpPr>
         <p:spPr>
           <a:xfrm>
             <a:off x="3132000" y="2565000"/>
-            <a:ext cx="2808000" cy="1309320"/>
+            <a:ext cx="2807640" cy="1308960"/>
           </a:xfrm>
           <a:prstGeom prst="rect">
             <a:avLst/>
@@ -7949,6 +7549,7 @@
                   <a:srgbClr val="000000"/>
                 </a:solidFill>
                 <a:latin typeface="Calibri"/>
+                <a:ea typeface="DejaVu Sans"/>
               </a:rPr>
               <a:t>Q &amp; A</a:t>
             </a:r>
@@ -7990,14 +7591,14 @@
       </p:grpSpPr>
       <p:sp>
         <p:nvSpPr>
-          <p:cNvPr id="91" name="CustomShape 1"/>
+          <p:cNvPr id="85" name="CustomShape 1"/>
           <p:cNvSpPr/>
           <p:nvPr/>
         </p:nvSpPr>
         <p:spPr>
           <a:xfrm>
             <a:off x="457200" y="620640"/>
-            <a:ext cx="8229240" cy="1142640"/>
+            <a:ext cx="8228880" cy="1142280"/>
           </a:xfrm>
           <a:prstGeom prst="rect">
             <a:avLst/>
@@ -8014,7 +7615,7 @@
           <a:fontRef idx="minor"/>
         </p:style>
         <p:txBody>
-          <a:bodyPr anchor="ctr">
+          <a:bodyPr lIns="90000" rIns="90000" tIns="45000" bIns="45000" anchor="ctr">
             <a:normAutofit/>
           </a:bodyPr>
           <a:p>
@@ -8041,14 +7642,14 @@
       </p:sp>
       <p:sp>
         <p:nvSpPr>
-          <p:cNvPr id="92" name="CustomShape 2"/>
+          <p:cNvPr id="86" name="CustomShape 2"/>
           <p:cNvSpPr/>
           <p:nvPr/>
         </p:nvSpPr>
         <p:spPr>
           <a:xfrm>
             <a:off x="827640" y="1845000"/>
-            <a:ext cx="7416360" cy="3888000"/>
+            <a:ext cx="7416000" cy="3887640"/>
           </a:xfrm>
           <a:prstGeom prst="rect">
             <a:avLst/>
@@ -8069,7 +7670,7 @@
             <a:noAutofit/>
           </a:bodyPr>
           <a:p>
-            <a:pPr marL="343080" indent="-342720">
+            <a:pPr marL="343080" indent="-342360">
               <a:lnSpc>
                 <a:spcPct val="200000"/>
               </a:lnSpc>
@@ -8104,7 +7705,7 @@
             </a:endParaRPr>
           </a:p>
           <a:p>
-            <a:pPr marL="343080" indent="-342720">
+            <a:pPr marL="343080" indent="-342360">
               <a:lnSpc>
                 <a:spcPct val="200000"/>
               </a:lnSpc>
@@ -8139,7 +7740,7 @@
             </a:endParaRPr>
           </a:p>
           <a:p>
-            <a:pPr marL="343080" indent="-342720">
+            <a:pPr marL="343080" indent="-342360">
               <a:lnSpc>
                 <a:spcPct val="200000"/>
               </a:lnSpc>
@@ -8197,14 +7798,14 @@
       </p:grpSpPr>
       <p:sp>
         <p:nvSpPr>
-          <p:cNvPr id="93" name="CustomShape 1"/>
+          <p:cNvPr id="87" name="CustomShape 1"/>
           <p:cNvSpPr/>
           <p:nvPr/>
         </p:nvSpPr>
         <p:spPr>
           <a:xfrm>
             <a:off x="457200" y="620640"/>
-            <a:ext cx="8229240" cy="1142640"/>
+            <a:ext cx="8228880" cy="1142280"/>
           </a:xfrm>
           <a:prstGeom prst="rect">
             <a:avLst/>
@@ -8221,7 +7822,7 @@
           <a:fontRef idx="minor"/>
         </p:style>
         <p:txBody>
-          <a:bodyPr anchor="ctr">
+          <a:bodyPr lIns="90000" rIns="90000" tIns="45000" bIns="45000" anchor="ctr">
             <a:normAutofit/>
           </a:bodyPr>
           <a:p>
@@ -8268,14 +7869,14 @@
       </p:sp>
       <p:sp>
         <p:nvSpPr>
-          <p:cNvPr id="94" name="CustomShape 2"/>
+          <p:cNvPr id="88" name="CustomShape 2"/>
           <p:cNvSpPr/>
           <p:nvPr/>
         </p:nvSpPr>
         <p:spPr>
           <a:xfrm>
             <a:off x="827640" y="3501000"/>
-            <a:ext cx="7416360" cy="2952000"/>
+            <a:ext cx="7416000" cy="2951640"/>
           </a:xfrm>
           <a:prstGeom prst="rect">
             <a:avLst/>
@@ -8296,7 +7897,7 @@
             <a:noAutofit/>
           </a:bodyPr>
           <a:p>
-            <a:pPr marL="343080" indent="-342720">
+            <a:pPr marL="343080" indent="-342360">
               <a:lnSpc>
                 <a:spcPct val="180000"/>
               </a:lnSpc>
@@ -8321,7 +7922,7 @@
             </a:endParaRPr>
           </a:p>
           <a:p>
-            <a:pPr marL="343080" indent="-342720">
+            <a:pPr marL="343080" indent="-342360">
               <a:lnSpc>
                 <a:spcPct val="180000"/>
               </a:lnSpc>
@@ -8356,7 +7957,7 @@
             </a:endParaRPr>
           </a:p>
           <a:p>
-            <a:pPr marL="343080" indent="-342720">
+            <a:pPr marL="343080" indent="-342360">
               <a:lnSpc>
                 <a:spcPct val="180000"/>
               </a:lnSpc>
@@ -8424,7 +8025,7 @@
       </p:sp>
       <p:pic>
         <p:nvPicPr>
-          <p:cNvPr id="95" name="Picture 2" descr="86024b92-5a5a-4922-9447-23faa9f9aaa6"/>
+          <p:cNvPr id="89" name="Picture 2" descr="86024b92-5a5a-4922-9447-23faa9f9aaa6"/>
           <p:cNvPicPr/>
           <p:nvPr/>
         </p:nvPicPr>
@@ -8435,7 +8036,7 @@
         <p:spPr>
           <a:xfrm>
             <a:off x="1115640" y="1700640"/>
-            <a:ext cx="6552360" cy="1564200"/>
+            <a:ext cx="6552000" cy="1563840"/>
           </a:xfrm>
           <a:prstGeom prst="rect">
             <a:avLst/>
@@ -8477,14 +8078,14 @@
       </p:grpSpPr>
       <p:sp>
         <p:nvSpPr>
-          <p:cNvPr id="96" name="CustomShape 1"/>
+          <p:cNvPr id="90" name="CustomShape 1"/>
           <p:cNvSpPr/>
           <p:nvPr/>
         </p:nvSpPr>
         <p:spPr>
           <a:xfrm>
             <a:off x="457200" y="620640"/>
-            <a:ext cx="8229240" cy="1142640"/>
+            <a:ext cx="8228880" cy="1142280"/>
           </a:xfrm>
           <a:prstGeom prst="rect">
             <a:avLst/>
@@ -8501,7 +8102,7 @@
           <a:fontRef idx="minor"/>
         </p:style>
         <p:txBody>
-          <a:bodyPr anchor="ctr">
+          <a:bodyPr lIns="90000" rIns="90000" tIns="45000" bIns="45000" anchor="ctr">
             <a:normAutofit/>
           </a:bodyPr>
           <a:p>
@@ -8538,14 +8139,14 @@
       </p:sp>
       <p:sp>
         <p:nvSpPr>
-          <p:cNvPr id="97" name="CustomShape 2"/>
+          <p:cNvPr id="91" name="CustomShape 2"/>
           <p:cNvSpPr/>
           <p:nvPr/>
         </p:nvSpPr>
         <p:spPr>
           <a:xfrm>
             <a:off x="827640" y="1628640"/>
-            <a:ext cx="7416360" cy="4824000"/>
+            <a:ext cx="7416000" cy="4823640"/>
           </a:xfrm>
           <a:prstGeom prst="rect">
             <a:avLst/>
@@ -8566,7 +8167,7 @@
             <a:noAutofit/>
           </a:bodyPr>
           <a:p>
-            <a:pPr marL="343080" indent="-342720">
+            <a:pPr marL="343080" indent="-342360">
               <a:lnSpc>
                 <a:spcPct val="200000"/>
               </a:lnSpc>
@@ -8611,7 +8212,7 @@
             </a:endParaRPr>
           </a:p>
           <a:p>
-            <a:pPr lvl="1" marL="800280" indent="-342720">
+            <a:pPr lvl="1" marL="800280" indent="-342360">
               <a:lnSpc>
                 <a:spcPct val="200000"/>
               </a:lnSpc>
@@ -8636,7 +8237,7 @@
             </a:endParaRPr>
           </a:p>
           <a:p>
-            <a:pPr lvl="1" marL="800280" indent="-342720">
+            <a:pPr lvl="1" marL="800280" indent="-342360">
               <a:lnSpc>
                 <a:spcPct val="200000"/>
               </a:lnSpc>
@@ -8661,7 +8262,7 @@
             </a:endParaRPr>
           </a:p>
           <a:p>
-            <a:pPr lvl="1" marL="800280" indent="-342720">
+            <a:pPr lvl="1" marL="800280" indent="-342360">
               <a:lnSpc>
                 <a:spcPct val="200000"/>
               </a:lnSpc>
@@ -8686,7 +8287,7 @@
             </a:endParaRPr>
           </a:p>
           <a:p>
-            <a:pPr marL="343080" indent="-342720">
+            <a:pPr marL="343080" indent="-342360">
               <a:lnSpc>
                 <a:spcPct val="200000"/>
               </a:lnSpc>
@@ -8731,7 +8332,7 @@
             </a:endParaRPr>
           </a:p>
           <a:p>
-            <a:pPr lvl="1" marL="800280" indent="-342720">
+            <a:pPr lvl="1" marL="800280" indent="-342360">
               <a:lnSpc>
                 <a:spcPct val="200000"/>
               </a:lnSpc>
@@ -8756,7 +8357,7 @@
             </a:endParaRPr>
           </a:p>
           <a:p>
-            <a:pPr lvl="1" marL="800280" indent="-342720">
+            <a:pPr lvl="1" marL="800280" indent="-342360">
               <a:lnSpc>
                 <a:spcPct val="200000"/>
               </a:lnSpc>
@@ -8814,14 +8415,14 @@
       </p:grpSpPr>
       <p:sp>
         <p:nvSpPr>
-          <p:cNvPr id="98" name="CustomShape 1"/>
+          <p:cNvPr id="92" name="CustomShape 1"/>
           <p:cNvSpPr/>
           <p:nvPr/>
         </p:nvSpPr>
         <p:spPr>
           <a:xfrm>
             <a:off x="457200" y="620640"/>
-            <a:ext cx="8229240" cy="1142640"/>
+            <a:ext cx="8228880" cy="1142280"/>
           </a:xfrm>
           <a:prstGeom prst="rect">
             <a:avLst/>
@@ -8838,7 +8439,7 @@
           <a:fontRef idx="minor"/>
         </p:style>
         <p:txBody>
-          <a:bodyPr anchor="ctr">
+          <a:bodyPr lIns="90000" rIns="90000" tIns="45000" bIns="45000" anchor="ctr">
             <a:normAutofit/>
           </a:bodyPr>
           <a:p>
@@ -8885,14 +8486,14 @@
       </p:sp>
       <p:sp>
         <p:nvSpPr>
-          <p:cNvPr id="99" name="CustomShape 2"/>
+          <p:cNvPr id="93" name="CustomShape 2"/>
           <p:cNvSpPr/>
           <p:nvPr/>
         </p:nvSpPr>
         <p:spPr>
           <a:xfrm>
             <a:off x="1043640" y="5013000"/>
-            <a:ext cx="7200360" cy="1151640"/>
+            <a:ext cx="7200000" cy="1151280"/>
           </a:xfrm>
           <a:prstGeom prst="rect">
             <a:avLst/>
@@ -8913,7 +8514,7 @@
             <a:noAutofit/>
           </a:bodyPr>
           <a:p>
-            <a:pPr marL="343080" indent="-342720">
+            <a:pPr marL="343080" indent="-342360">
               <a:lnSpc>
                 <a:spcPct val="200000"/>
               </a:lnSpc>
@@ -8938,7 +8539,7 @@
             </a:endParaRPr>
           </a:p>
           <a:p>
-            <a:pPr marL="343080" indent="-342720">
+            <a:pPr marL="343080" indent="-342360">
               <a:lnSpc>
                 <a:spcPct val="200000"/>
               </a:lnSpc>
@@ -8966,7 +8567,7 @@
       </p:sp>
       <p:pic>
         <p:nvPicPr>
-          <p:cNvPr id="100" name="Picture 2" descr="e3dece4d-e6f9-4d99-aa5a-89298c4522e1"/>
+          <p:cNvPr id="94" name="Picture 2" descr="e3dece4d-e6f9-4d99-aa5a-89298c4522e1"/>
           <p:cNvPicPr/>
           <p:nvPr/>
         </p:nvPicPr>
@@ -8977,7 +8578,7 @@
         <p:spPr>
           <a:xfrm>
             <a:off x="1763640" y="1700640"/>
-            <a:ext cx="5184360" cy="3205080"/>
+            <a:ext cx="5184000" cy="3204720"/>
           </a:xfrm>
           <a:prstGeom prst="rect">
             <a:avLst/>
@@ -9019,14 +8620,14 @@
       </p:grpSpPr>
       <p:sp>
         <p:nvSpPr>
-          <p:cNvPr id="101" name="CustomShape 1"/>
+          <p:cNvPr id="95" name="CustomShape 1"/>
           <p:cNvSpPr/>
           <p:nvPr/>
         </p:nvSpPr>
         <p:spPr>
           <a:xfrm>
             <a:off x="457200" y="620640"/>
-            <a:ext cx="8229240" cy="1142640"/>
+            <a:ext cx="8228880" cy="1142280"/>
           </a:xfrm>
           <a:prstGeom prst="rect">
             <a:avLst/>
@@ -9043,7 +8644,7 @@
           <a:fontRef idx="minor"/>
         </p:style>
         <p:txBody>
-          <a:bodyPr anchor="ctr">
+          <a:bodyPr lIns="90000" rIns="90000" tIns="45000" bIns="45000" anchor="ctr">
             <a:normAutofit/>
           </a:bodyPr>
           <a:p>
@@ -9090,14 +8691,14 @@
       </p:sp>
       <p:sp>
         <p:nvSpPr>
-          <p:cNvPr id="102" name="CustomShape 2"/>
+          <p:cNvPr id="96" name="CustomShape 2"/>
           <p:cNvSpPr/>
           <p:nvPr/>
         </p:nvSpPr>
         <p:spPr>
           <a:xfrm>
             <a:off x="1043640" y="4725000"/>
-            <a:ext cx="7200360" cy="1656000"/>
+            <a:ext cx="7200000" cy="1655640"/>
           </a:xfrm>
           <a:prstGeom prst="rect">
             <a:avLst/>
@@ -9118,7 +8719,7 @@
             <a:noAutofit/>
           </a:bodyPr>
           <a:p>
-            <a:pPr marL="343080" indent="-342720">
+            <a:pPr marL="343080" indent="-342360">
               <a:lnSpc>
                 <a:spcPct val="200000"/>
               </a:lnSpc>
@@ -9143,7 +8744,7 @@
             </a:endParaRPr>
           </a:p>
           <a:p>
-            <a:pPr marL="343080" indent="-342720">
+            <a:pPr marL="343080" indent="-342360">
               <a:lnSpc>
                 <a:spcPct val="200000"/>
               </a:lnSpc>
@@ -9171,7 +8772,7 @@
       </p:sp>
       <p:pic>
         <p:nvPicPr>
-          <p:cNvPr id="103" name="Picture 2" descr="a1fe1834-9347-4bcf-b72a-2ae418fe5552"/>
+          <p:cNvPr id="97" name="Picture 2" descr="a1fe1834-9347-4bcf-b72a-2ae418fe5552"/>
           <p:cNvPicPr/>
           <p:nvPr/>
         </p:nvPicPr>
@@ -9182,7 +8783,7 @@
         <p:spPr>
           <a:xfrm>
             <a:off x="1979640" y="1700640"/>
-            <a:ext cx="4824000" cy="2970000"/>
+            <a:ext cx="4823640" cy="2969640"/>
           </a:xfrm>
           <a:prstGeom prst="rect">
             <a:avLst/>
@@ -9224,14 +8825,14 @@
       </p:grpSpPr>
       <p:sp>
         <p:nvSpPr>
-          <p:cNvPr id="104" name="TextShape 1"/>
-          <p:cNvSpPr txBox="1"/>
+          <p:cNvPr id="98" name="CustomShape 1"/>
+          <p:cNvSpPr/>
           <p:nvPr/>
         </p:nvSpPr>
         <p:spPr>
           <a:xfrm>
             <a:off x="864000" y="2016000"/>
-            <a:ext cx="7758000" cy="2512440"/>
+            <a:ext cx="7757640" cy="2512080"/>
           </a:xfrm>
           <a:prstGeom prst="rect">
             <a:avLst/>
@@ -9241,11 +8842,22 @@
             <a:noFill/>
           </a:ln>
         </p:spPr>
+        <p:style>
+          <a:lnRef idx="0"/>
+          <a:fillRef idx="0"/>
+          <a:effectRef idx="0"/>
+          <a:fontRef idx="minor"/>
+        </p:style>
         <p:txBody>
           <a:bodyPr lIns="90000" rIns="90000" tIns="45000" bIns="45000">
             <a:noAutofit/>
           </a:bodyPr>
           <a:p>
+            <a:pPr>
+              <a:lnSpc>
+                <a:spcPct val="100000"/>
+              </a:lnSpc>
+            </a:pPr>
             <a:r>
               <a:rPr b="0" lang="en-US" sz="1800" spc="-1" strike="noStrike">
                 <a:latin typeface="Arial"/>
@@ -9257,11 +8869,21 @@
             </a:endParaRPr>
           </a:p>
           <a:p>
+            <a:pPr>
+              <a:lnSpc>
+                <a:spcPct val="100000"/>
+              </a:lnSpc>
+            </a:pPr>
             <a:endParaRPr b="0" lang="en-US" sz="1800" spc="-1" strike="noStrike">
               <a:latin typeface="Arial"/>
             </a:endParaRPr>
           </a:p>
           <a:p>
+            <a:pPr>
+              <a:lnSpc>
+                <a:spcPct val="100000"/>
+              </a:lnSpc>
+            </a:pPr>
             <a:r>
               <a:rPr b="0" lang="zh-CN" sz="1800" spc="-1" strike="noStrike">
                 <a:latin typeface="Arial"/>
@@ -9291,11 +8913,21 @@
             </a:endParaRPr>
           </a:p>
           <a:p>
+            <a:pPr>
+              <a:lnSpc>
+                <a:spcPct val="100000"/>
+              </a:lnSpc>
+            </a:pPr>
             <a:endParaRPr b="0" lang="en-US" sz="1800" spc="-1" strike="noStrike">
               <a:latin typeface="Arial"/>
             </a:endParaRPr>
           </a:p>
           <a:p>
+            <a:pPr>
+              <a:lnSpc>
+                <a:spcPct val="100000"/>
+              </a:lnSpc>
+            </a:pPr>
             <a:r>
               <a:rPr b="0" lang="zh-CN" sz="1800" spc="-1" strike="noStrike">
                 <a:latin typeface="Arial"/>
@@ -9307,11 +8939,21 @@
             </a:endParaRPr>
           </a:p>
           <a:p>
+            <a:pPr>
+              <a:lnSpc>
+                <a:spcPct val="100000"/>
+              </a:lnSpc>
+            </a:pPr>
             <a:endParaRPr b="0" lang="en-US" sz="1800" spc="-1" strike="noStrike">
               <a:latin typeface="Arial"/>
             </a:endParaRPr>
           </a:p>
           <a:p>
+            <a:pPr>
+              <a:lnSpc>
+                <a:spcPct val="100000"/>
+              </a:lnSpc>
+            </a:pPr>
             <a:r>
               <a:rPr b="0" lang="en-US" sz="1800" spc="-1" strike="noStrike">
                 <a:latin typeface="Arial"/>
@@ -9323,6 +8965,11 @@
             </a:endParaRPr>
           </a:p>
           <a:p>
+            <a:pPr>
+              <a:lnSpc>
+                <a:spcPct val="100000"/>
+              </a:lnSpc>
+            </a:pPr>
             <a:r>
               <a:rPr b="0" lang="en-US" sz="1800" spc="-1" strike="noStrike">
                 <a:latin typeface="Arial"/>
@@ -9373,14 +9020,14 @@
       </p:grpSpPr>
       <p:sp>
         <p:nvSpPr>
-          <p:cNvPr id="105" name="CustomShape 1"/>
+          <p:cNvPr id="99" name="CustomShape 1"/>
           <p:cNvSpPr/>
           <p:nvPr/>
         </p:nvSpPr>
         <p:spPr>
           <a:xfrm>
             <a:off x="457200" y="620640"/>
-            <a:ext cx="8229240" cy="1142640"/>
+            <a:ext cx="8228880" cy="1142280"/>
           </a:xfrm>
           <a:prstGeom prst="rect">
             <a:avLst/>
@@ -9397,7 +9044,7 @@
           <a:fontRef idx="minor"/>
         </p:style>
         <p:txBody>
-          <a:bodyPr anchor="ctr">
+          <a:bodyPr lIns="90000" rIns="90000" tIns="45000" bIns="45000" anchor="ctr">
             <a:normAutofit/>
           </a:bodyPr>
           <a:p>
@@ -9444,14 +9091,14 @@
       </p:sp>
       <p:sp>
         <p:nvSpPr>
-          <p:cNvPr id="106" name="CustomShape 2"/>
+          <p:cNvPr id="100" name="CustomShape 2"/>
           <p:cNvSpPr/>
           <p:nvPr/>
         </p:nvSpPr>
         <p:spPr>
           <a:xfrm>
             <a:off x="1043640" y="4581000"/>
-            <a:ext cx="7200360" cy="1656000"/>
+            <a:ext cx="7200000" cy="1655640"/>
           </a:xfrm>
           <a:prstGeom prst="rect">
             <a:avLst/>
@@ -9472,7 +9119,7 @@
             <a:noAutofit/>
           </a:bodyPr>
           <a:p>
-            <a:pPr marL="343080" indent="-342720">
+            <a:pPr marL="343080" indent="-342360">
               <a:lnSpc>
                 <a:spcPct val="200000"/>
               </a:lnSpc>
@@ -9527,7 +9174,7 @@
             </a:endParaRPr>
           </a:p>
           <a:p>
-            <a:pPr marL="343080" indent="-342720">
+            <a:pPr marL="343080" indent="-342360">
               <a:lnSpc>
                 <a:spcPct val="200000"/>
               </a:lnSpc>
@@ -9555,7 +9202,7 @@
       </p:sp>
       <p:pic>
         <p:nvPicPr>
-          <p:cNvPr id="107" name="Picture 2" descr="3b3d55c4-89e1-4125-8a36-2306d600afaa"/>
+          <p:cNvPr id="101" name="Picture 2" descr="3b3d55c4-89e1-4125-8a36-2306d600afaa"/>
           <p:cNvPicPr/>
           <p:nvPr/>
         </p:nvPicPr>
@@ -9566,7 +9213,7 @@
         <p:spPr>
           <a:xfrm>
             <a:off x="1979640" y="1679760"/>
-            <a:ext cx="4820040" cy="2828880"/>
+            <a:ext cx="4819680" cy="2828520"/>
           </a:xfrm>
           <a:prstGeom prst="rect">
             <a:avLst/>
@@ -9608,14 +9255,14 @@
       </p:grpSpPr>
       <p:sp>
         <p:nvSpPr>
-          <p:cNvPr id="108" name="CustomShape 1"/>
+          <p:cNvPr id="102" name="CustomShape 1"/>
           <p:cNvSpPr/>
           <p:nvPr/>
         </p:nvSpPr>
         <p:spPr>
           <a:xfrm>
             <a:off x="457200" y="620640"/>
-            <a:ext cx="8229240" cy="1142640"/>
+            <a:ext cx="8228880" cy="1142280"/>
           </a:xfrm>
           <a:prstGeom prst="rect">
             <a:avLst/>
@@ -9632,7 +9279,7 @@
           <a:fontRef idx="minor"/>
         </p:style>
         <p:txBody>
-          <a:bodyPr anchor="ctr">
+          <a:bodyPr lIns="90000" rIns="90000" tIns="45000" bIns="45000" anchor="ctr">
             <a:normAutofit/>
           </a:bodyPr>
           <a:p>
@@ -9659,14 +9306,14 @@
       </p:sp>
       <p:sp>
         <p:nvSpPr>
-          <p:cNvPr id="109" name="CustomShape 2"/>
+          <p:cNvPr id="103" name="CustomShape 2"/>
           <p:cNvSpPr/>
           <p:nvPr/>
         </p:nvSpPr>
         <p:spPr>
           <a:xfrm>
             <a:off x="827640" y="1412640"/>
-            <a:ext cx="7416360" cy="2808000"/>
+            <a:ext cx="7416000" cy="2807640"/>
           </a:xfrm>
           <a:prstGeom prst="rect">
             <a:avLst/>
@@ -9687,7 +9334,7 @@
             <a:noAutofit/>
           </a:bodyPr>
           <a:p>
-            <a:pPr marL="343080" indent="-342720">
+            <a:pPr marL="343080" indent="-342360">
               <a:lnSpc>
                 <a:spcPct val="200000"/>
               </a:lnSpc>
@@ -9742,7 +9389,7 @@
             </a:endParaRPr>
           </a:p>
           <a:p>
-            <a:pPr marL="343080" indent="-342720">
+            <a:pPr marL="343080" indent="-342360">
               <a:lnSpc>
                 <a:spcPct val="200000"/>
               </a:lnSpc>
@@ -9847,7 +9494,7 @@
             </a:endParaRPr>
           </a:p>
           <a:p>
-            <a:pPr marL="343080" indent="-342720">
+            <a:pPr marL="343080" indent="-342360">
               <a:lnSpc>
                 <a:spcPct val="200000"/>
               </a:lnSpc>
@@ -9925,7 +9572,7 @@
       </p:sp>
       <p:pic>
         <p:nvPicPr>
-          <p:cNvPr id="110" name="Picture 3" descr=""/>
+          <p:cNvPr id="104" name="Picture 3" descr=""/>
           <p:cNvPicPr/>
           <p:nvPr/>
         </p:nvPicPr>
@@ -9936,7 +9583,7 @@
         <p:spPr>
           <a:xfrm>
             <a:off x="1820880" y="4152600"/>
-            <a:ext cx="5559120" cy="2084400"/>
+            <a:ext cx="5558760" cy="2084040"/>
           </a:xfrm>
           <a:prstGeom prst="rect">
             <a:avLst/>
